--- a/개인작업폴더/유건희/Infinite Strom.pptx
+++ b/개인작업폴더/유건희/Infinite Strom.pptx
@@ -7,7 +7,8 @@
   <p:sldIdLst>
     <p:sldId id="256" r:id="rId2"/>
     <p:sldId id="257" r:id="rId3"/>
-    <p:sldId id="258" r:id="rId4"/>
+    <p:sldId id="259" r:id="rId4"/>
+    <p:sldId id="258" r:id="rId5"/>
   </p:sldIdLst>
   <p:sldSz cx="12192000" cy="6858000"/>
   <p:notesSz cx="6858000" cy="9144000"/>
@@ -106,6 +107,11 @@
       </a:defRPr>
     </a:lvl9pPr>
   </p:defaultTextStyle>
+  <p:extLst>
+    <p:ext uri="{EFAFB233-063F-42B5-8137-9DF3F51BA10A}">
+      <p15:sldGuideLst xmlns:p15="http://schemas.microsoft.com/office/powerpoint/2012/main"/>
+    </p:ext>
+  </p:extLst>
 </p:presentation>
 </file>
 
@@ -3441,7 +3447,7 @@
                   <a:schemeClr val="tx1"/>
                 </a:solidFill>
               </a:rPr>
-              <a:t>4-1 Infinite Storm</a:t>
+              <a:t>4-1 Infinity Storm</a:t>
             </a:r>
             <a:endParaRPr lang="ko-KR" altLang="en-US" sz="2800" b="1" dirty="0">
               <a:solidFill>
@@ -6222,7 +6228,7 @@
                   <a:schemeClr val="tx1"/>
                 </a:solidFill>
               </a:rPr>
-              <a:t>4-2 Infinite Storm</a:t>
+              <a:t>4-2 Infinity Storm</a:t>
             </a:r>
             <a:endParaRPr lang="ko-KR" altLang="en-US" sz="2800" b="1" dirty="0">
               <a:solidFill>
@@ -7946,7 +7952,7 @@
         </p:nvSpPr>
         <p:spPr>
           <a:xfrm rot="10800000" flipV="1">
-            <a:off x="10182023" y="5669612"/>
+            <a:off x="10170568" y="5651148"/>
             <a:ext cx="637962" cy="446549"/>
           </a:xfrm>
           <a:prstGeom prst="rect">
@@ -9443,7 +9449,7 @@
         </p:nvSpPr>
         <p:spPr>
           <a:xfrm>
-            <a:off x="1894031" y="3969306"/>
+            <a:off x="1893601" y="3977170"/>
             <a:ext cx="480038" cy="472870"/>
           </a:xfrm>
           <a:prstGeom prst="ellipse">
@@ -11800,7 +11806,7 @@
         </p:nvSpPr>
         <p:spPr>
           <a:xfrm rot="193550">
-            <a:off x="1835807" y="2373008"/>
+            <a:off x="1808792" y="2427566"/>
             <a:ext cx="241815" cy="593469"/>
           </a:xfrm>
           <a:prstGeom prst="lightningBolt">
@@ -12349,7 +12355,7 @@
                   <a:schemeClr val="tx1"/>
                 </a:solidFill>
               </a:rPr>
-              <a:t>4-3 Infinite Storm</a:t>
+              <a:t>4-3 Infinity Storm</a:t>
             </a:r>
             <a:endParaRPr lang="ko-KR" altLang="en-US" sz="2800" b="1" dirty="0">
               <a:solidFill>
@@ -12373,8 +12379,8 @@
         </p:nvSpPr>
         <p:spPr>
           <a:xfrm>
-            <a:off x="1078035" y="2407276"/>
-            <a:ext cx="4216018" cy="4017254"/>
+            <a:off x="358346" y="2543201"/>
+            <a:ext cx="4862383" cy="4017254"/>
           </a:xfrm>
           <a:prstGeom prst="rect">
             <a:avLst/>
@@ -12417,406 +12423,6 @@
       </p:sp>
       <p:sp>
         <p:nvSpPr>
-          <p:cNvPr id="5" name="직사각형 4">
-            <a:extLst>
-              <a:ext uri="{FF2B5EF4-FFF2-40B4-BE49-F238E27FC236}">
-                <a16:creationId xmlns:a16="http://schemas.microsoft.com/office/drawing/2014/main" id="{652230BC-33EB-4928-A9E3-5BF130FBD827}"/>
-              </a:ext>
-            </a:extLst>
-          </p:cNvPr>
-          <p:cNvSpPr/>
-          <p:nvPr/>
-        </p:nvSpPr>
-        <p:spPr>
-          <a:xfrm>
-            <a:off x="1481771" y="2778757"/>
-            <a:ext cx="960582" cy="960582"/>
-          </a:xfrm>
-          <a:prstGeom prst="rect">
-            <a:avLst/>
-          </a:prstGeom>
-        </p:spPr>
-        <p:style>
-          <a:lnRef idx="2">
-            <a:schemeClr val="accent1">
-              <a:shade val="50000"/>
-            </a:schemeClr>
-          </a:lnRef>
-          <a:fillRef idx="1">
-            <a:schemeClr val="accent1"/>
-          </a:fillRef>
-          <a:effectRef idx="0">
-            <a:schemeClr val="accent1"/>
-          </a:effectRef>
-          <a:fontRef idx="minor">
-            <a:schemeClr val="lt1"/>
-          </a:fontRef>
-        </p:style>
-        <p:txBody>
-          <a:bodyPr rtlCol="0" anchor="ctr"/>
-          <a:lstStyle/>
-          <a:p>
-            <a:pPr algn="ctr"/>
-            <a:r>
-              <a:rPr lang="en-US" altLang="ko-KR" dirty="0"/>
-              <a:t>1</a:t>
-            </a:r>
-            <a:endParaRPr lang="ko-KR" altLang="en-US" dirty="0"/>
-          </a:p>
-        </p:txBody>
-      </p:sp>
-      <p:sp>
-        <p:nvSpPr>
-          <p:cNvPr id="6" name="직사각형 5">
-            <a:extLst>
-              <a:ext uri="{FF2B5EF4-FFF2-40B4-BE49-F238E27FC236}">
-                <a16:creationId xmlns:a16="http://schemas.microsoft.com/office/drawing/2014/main" id="{5E65A949-8AF2-47BD-8CB5-98DCD8F21F77}"/>
-              </a:ext>
-            </a:extLst>
-          </p:cNvPr>
-          <p:cNvSpPr/>
-          <p:nvPr/>
-        </p:nvSpPr>
-        <p:spPr>
-          <a:xfrm>
-            <a:off x="2645553" y="2778757"/>
-            <a:ext cx="960582" cy="960582"/>
-          </a:xfrm>
-          <a:prstGeom prst="rect">
-            <a:avLst/>
-          </a:prstGeom>
-        </p:spPr>
-        <p:style>
-          <a:lnRef idx="2">
-            <a:schemeClr val="accent1">
-              <a:shade val="50000"/>
-            </a:schemeClr>
-          </a:lnRef>
-          <a:fillRef idx="1">
-            <a:schemeClr val="accent1"/>
-          </a:fillRef>
-          <a:effectRef idx="0">
-            <a:schemeClr val="accent1"/>
-          </a:effectRef>
-          <a:fontRef idx="minor">
-            <a:schemeClr val="lt1"/>
-          </a:fontRef>
-        </p:style>
-        <p:txBody>
-          <a:bodyPr rtlCol="0" anchor="ctr"/>
-          <a:lstStyle/>
-          <a:p>
-            <a:pPr algn="ctr"/>
-            <a:r>
-              <a:rPr lang="en-US" altLang="ko-KR" dirty="0"/>
-              <a:t>2</a:t>
-            </a:r>
-            <a:endParaRPr lang="ko-KR" altLang="en-US" dirty="0"/>
-          </a:p>
-        </p:txBody>
-      </p:sp>
-      <p:sp>
-        <p:nvSpPr>
-          <p:cNvPr id="7" name="직사각형 6">
-            <a:extLst>
-              <a:ext uri="{FF2B5EF4-FFF2-40B4-BE49-F238E27FC236}">
-                <a16:creationId xmlns:a16="http://schemas.microsoft.com/office/drawing/2014/main" id="{A8FD3558-C4A8-4D2E-8148-E2FAB835DC89}"/>
-              </a:ext>
-            </a:extLst>
-          </p:cNvPr>
-          <p:cNvSpPr/>
-          <p:nvPr/>
-        </p:nvSpPr>
-        <p:spPr>
-          <a:xfrm>
-            <a:off x="3809335" y="2778757"/>
-            <a:ext cx="960582" cy="960582"/>
-          </a:xfrm>
-          <a:prstGeom prst="rect">
-            <a:avLst/>
-          </a:prstGeom>
-        </p:spPr>
-        <p:style>
-          <a:lnRef idx="2">
-            <a:schemeClr val="accent1">
-              <a:shade val="50000"/>
-            </a:schemeClr>
-          </a:lnRef>
-          <a:fillRef idx="1">
-            <a:schemeClr val="accent1"/>
-          </a:fillRef>
-          <a:effectRef idx="0">
-            <a:schemeClr val="accent1"/>
-          </a:effectRef>
-          <a:fontRef idx="minor">
-            <a:schemeClr val="lt1"/>
-          </a:fontRef>
-        </p:style>
-        <p:txBody>
-          <a:bodyPr rtlCol="0" anchor="ctr"/>
-          <a:lstStyle/>
-          <a:p>
-            <a:pPr algn="ctr"/>
-            <a:r>
-              <a:rPr lang="en-US" altLang="ko-KR" dirty="0"/>
-              <a:t>3</a:t>
-            </a:r>
-            <a:endParaRPr lang="ko-KR" altLang="en-US" dirty="0"/>
-          </a:p>
-        </p:txBody>
-      </p:sp>
-      <p:sp>
-        <p:nvSpPr>
-          <p:cNvPr id="8" name="직사각형 7">
-            <a:extLst>
-              <a:ext uri="{FF2B5EF4-FFF2-40B4-BE49-F238E27FC236}">
-                <a16:creationId xmlns:a16="http://schemas.microsoft.com/office/drawing/2014/main" id="{83196648-9BB8-4AE0-8C6E-5D8893A3522F}"/>
-              </a:ext>
-            </a:extLst>
-          </p:cNvPr>
-          <p:cNvSpPr/>
-          <p:nvPr/>
-        </p:nvSpPr>
-        <p:spPr>
-          <a:xfrm>
-            <a:off x="1481771" y="3905593"/>
-            <a:ext cx="960582" cy="960582"/>
-          </a:xfrm>
-          <a:prstGeom prst="rect">
-            <a:avLst/>
-          </a:prstGeom>
-        </p:spPr>
-        <p:style>
-          <a:lnRef idx="2">
-            <a:schemeClr val="accent1">
-              <a:shade val="50000"/>
-            </a:schemeClr>
-          </a:lnRef>
-          <a:fillRef idx="1">
-            <a:schemeClr val="accent1"/>
-          </a:fillRef>
-          <a:effectRef idx="0">
-            <a:schemeClr val="accent1"/>
-          </a:effectRef>
-          <a:fontRef idx="minor">
-            <a:schemeClr val="lt1"/>
-          </a:fontRef>
-        </p:style>
-        <p:txBody>
-          <a:bodyPr rtlCol="0" anchor="ctr"/>
-          <a:lstStyle/>
-          <a:p>
-            <a:pPr algn="ctr"/>
-            <a:r>
-              <a:rPr lang="en-US" altLang="ko-KR" dirty="0"/>
-              <a:t>4</a:t>
-            </a:r>
-            <a:endParaRPr lang="ko-KR" altLang="en-US" dirty="0"/>
-          </a:p>
-        </p:txBody>
-      </p:sp>
-      <p:sp>
-        <p:nvSpPr>
-          <p:cNvPr id="9" name="직사각형 8">
-            <a:extLst>
-              <a:ext uri="{FF2B5EF4-FFF2-40B4-BE49-F238E27FC236}">
-                <a16:creationId xmlns:a16="http://schemas.microsoft.com/office/drawing/2014/main" id="{24D436D7-96A5-4B42-AA7E-6E09DFF81E89}"/>
-              </a:ext>
-            </a:extLst>
-          </p:cNvPr>
-          <p:cNvSpPr/>
-          <p:nvPr/>
-        </p:nvSpPr>
-        <p:spPr>
-          <a:xfrm>
-            <a:off x="2645553" y="3905593"/>
-            <a:ext cx="960582" cy="960582"/>
-          </a:xfrm>
-          <a:prstGeom prst="rect">
-            <a:avLst/>
-          </a:prstGeom>
-        </p:spPr>
-        <p:style>
-          <a:lnRef idx="2">
-            <a:schemeClr val="accent1">
-              <a:shade val="50000"/>
-            </a:schemeClr>
-          </a:lnRef>
-          <a:fillRef idx="1">
-            <a:schemeClr val="accent1"/>
-          </a:fillRef>
-          <a:effectRef idx="0">
-            <a:schemeClr val="accent1"/>
-          </a:effectRef>
-          <a:fontRef idx="minor">
-            <a:schemeClr val="lt1"/>
-          </a:fontRef>
-        </p:style>
-        <p:txBody>
-          <a:bodyPr rtlCol="0" anchor="ctr"/>
-          <a:lstStyle/>
-          <a:p>
-            <a:pPr algn="ctr"/>
-            <a:r>
-              <a:rPr lang="en-US" altLang="ko-KR" dirty="0"/>
-              <a:t>5</a:t>
-            </a:r>
-            <a:endParaRPr lang="ko-KR" altLang="en-US" dirty="0"/>
-          </a:p>
-        </p:txBody>
-      </p:sp>
-      <p:sp>
-        <p:nvSpPr>
-          <p:cNvPr id="10" name="직사각형 9">
-            <a:extLst>
-              <a:ext uri="{FF2B5EF4-FFF2-40B4-BE49-F238E27FC236}">
-                <a16:creationId xmlns:a16="http://schemas.microsoft.com/office/drawing/2014/main" id="{E8722F72-1DC9-494B-BA80-1E197049ADC6}"/>
-              </a:ext>
-            </a:extLst>
-          </p:cNvPr>
-          <p:cNvSpPr/>
-          <p:nvPr/>
-        </p:nvSpPr>
-        <p:spPr>
-          <a:xfrm>
-            <a:off x="3809335" y="3905593"/>
-            <a:ext cx="960582" cy="960582"/>
-          </a:xfrm>
-          <a:prstGeom prst="rect">
-            <a:avLst/>
-          </a:prstGeom>
-        </p:spPr>
-        <p:style>
-          <a:lnRef idx="2">
-            <a:schemeClr val="accent1">
-              <a:shade val="50000"/>
-            </a:schemeClr>
-          </a:lnRef>
-          <a:fillRef idx="1">
-            <a:schemeClr val="accent1"/>
-          </a:fillRef>
-          <a:effectRef idx="0">
-            <a:schemeClr val="accent1"/>
-          </a:effectRef>
-          <a:fontRef idx="minor">
-            <a:schemeClr val="lt1"/>
-          </a:fontRef>
-        </p:style>
-        <p:txBody>
-          <a:bodyPr rtlCol="0" anchor="ctr"/>
-          <a:lstStyle/>
-          <a:p>
-            <a:pPr algn="ctr"/>
-            <a:r>
-              <a:rPr lang="en-US" altLang="ko-KR" dirty="0"/>
-              <a:t>6</a:t>
-            </a:r>
-            <a:endParaRPr lang="ko-KR" altLang="en-US" dirty="0"/>
-          </a:p>
-        </p:txBody>
-      </p:sp>
-      <p:sp>
-        <p:nvSpPr>
-          <p:cNvPr id="11" name="직사각형 10">
-            <a:extLst>
-              <a:ext uri="{FF2B5EF4-FFF2-40B4-BE49-F238E27FC236}">
-                <a16:creationId xmlns:a16="http://schemas.microsoft.com/office/drawing/2014/main" id="{2F024C20-A540-4C41-89E1-A64B288A0F84}"/>
-              </a:ext>
-            </a:extLst>
-          </p:cNvPr>
-          <p:cNvSpPr/>
-          <p:nvPr/>
-        </p:nvSpPr>
-        <p:spPr>
-          <a:xfrm>
-            <a:off x="1481771" y="5032429"/>
-            <a:ext cx="960582" cy="960582"/>
-          </a:xfrm>
-          <a:prstGeom prst="rect">
-            <a:avLst/>
-          </a:prstGeom>
-        </p:spPr>
-        <p:style>
-          <a:lnRef idx="2">
-            <a:schemeClr val="accent1">
-              <a:shade val="50000"/>
-            </a:schemeClr>
-          </a:lnRef>
-          <a:fillRef idx="1">
-            <a:schemeClr val="accent1"/>
-          </a:fillRef>
-          <a:effectRef idx="0">
-            <a:schemeClr val="accent1"/>
-          </a:effectRef>
-          <a:fontRef idx="minor">
-            <a:schemeClr val="lt1"/>
-          </a:fontRef>
-        </p:style>
-        <p:txBody>
-          <a:bodyPr rtlCol="0" anchor="ctr"/>
-          <a:lstStyle/>
-          <a:p>
-            <a:pPr algn="ctr"/>
-            <a:r>
-              <a:rPr lang="en-US" altLang="ko-KR" dirty="0"/>
-              <a:t>7</a:t>
-            </a:r>
-            <a:endParaRPr lang="ko-KR" altLang="en-US" dirty="0"/>
-          </a:p>
-        </p:txBody>
-      </p:sp>
-      <p:sp>
-        <p:nvSpPr>
-          <p:cNvPr id="12" name="직사각형 11">
-            <a:extLst>
-              <a:ext uri="{FF2B5EF4-FFF2-40B4-BE49-F238E27FC236}">
-                <a16:creationId xmlns:a16="http://schemas.microsoft.com/office/drawing/2014/main" id="{78352CC3-7136-47E2-929F-4C3DF76392AC}"/>
-              </a:ext>
-            </a:extLst>
-          </p:cNvPr>
-          <p:cNvSpPr/>
-          <p:nvPr/>
-        </p:nvSpPr>
-        <p:spPr>
-          <a:xfrm>
-            <a:off x="3809335" y="5032429"/>
-            <a:ext cx="960582" cy="960582"/>
-          </a:xfrm>
-          <a:prstGeom prst="rect">
-            <a:avLst/>
-          </a:prstGeom>
-        </p:spPr>
-        <p:style>
-          <a:lnRef idx="2">
-            <a:schemeClr val="accent1">
-              <a:shade val="50000"/>
-            </a:schemeClr>
-          </a:lnRef>
-          <a:fillRef idx="1">
-            <a:schemeClr val="accent1"/>
-          </a:fillRef>
-          <a:effectRef idx="0">
-            <a:schemeClr val="accent1"/>
-          </a:effectRef>
-          <a:fontRef idx="minor">
-            <a:schemeClr val="lt1"/>
-          </a:fontRef>
-        </p:style>
-        <p:txBody>
-          <a:bodyPr rtlCol="0" anchor="ctr"/>
-          <a:lstStyle/>
-          <a:p>
-            <a:pPr algn="ctr"/>
-            <a:r>
-              <a:rPr lang="en-US" altLang="ko-KR" dirty="0"/>
-              <a:t>8</a:t>
-            </a:r>
-            <a:endParaRPr lang="ko-KR" altLang="en-US" dirty="0"/>
-          </a:p>
-        </p:txBody>
-      </p:sp>
-      <p:sp>
-        <p:nvSpPr>
           <p:cNvPr id="14" name="직사각형 13">
             <a:extLst>
               <a:ext uri="{FF2B5EF4-FFF2-40B4-BE49-F238E27FC236}">
@@ -12889,7 +12495,7 @@
         </p:nvSpPr>
         <p:spPr>
           <a:xfrm>
-            <a:off x="1078035" y="112755"/>
+            <a:off x="1133767" y="140208"/>
             <a:ext cx="2192991" cy="369332"/>
           </a:xfrm>
           <a:prstGeom prst="rect">
@@ -12904,8 +12510,8 @@
           <a:lstStyle/>
           <a:p>
             <a:r>
-              <a:rPr lang="ko-KR" altLang="en-US" b="1" dirty="0" err="1"/>
-              <a:t>그림조각맞추기</a:t>
+              <a:rPr lang="ko-KR" altLang="en-US" b="1"/>
+              <a:t>투명 발판 줄타기</a:t>
             </a:r>
             <a:endParaRPr lang="ko-KR" altLang="en-US" b="1" dirty="0"/>
           </a:p>
@@ -12925,8 +12531,8 @@
         </p:nvSpPr>
         <p:spPr>
           <a:xfrm>
-            <a:off x="17639" y="125693"/>
-            <a:ext cx="1335956" cy="307777"/>
+            <a:off x="19502" y="140208"/>
+            <a:ext cx="1106826" cy="307777"/>
           </a:xfrm>
           <a:prstGeom prst="rect">
             <a:avLst/>
@@ -12968,98 +12574,6 @@
       </p:sp>
       <p:sp>
         <p:nvSpPr>
-          <p:cNvPr id="17" name="직사각형 16">
-            <a:extLst>
-              <a:ext uri="{FF2B5EF4-FFF2-40B4-BE49-F238E27FC236}">
-                <a16:creationId xmlns:a16="http://schemas.microsoft.com/office/drawing/2014/main" id="{4BCF21DF-BDF2-430E-827A-C38162207D8F}"/>
-              </a:ext>
-            </a:extLst>
-          </p:cNvPr>
-          <p:cNvSpPr/>
-          <p:nvPr/>
-        </p:nvSpPr>
-        <p:spPr>
-          <a:xfrm>
-            <a:off x="125637" y="556220"/>
-            <a:ext cx="363890" cy="307778"/>
-          </a:xfrm>
-          <a:prstGeom prst="rect">
-            <a:avLst/>
-          </a:prstGeom>
-        </p:spPr>
-        <p:style>
-          <a:lnRef idx="2">
-            <a:schemeClr val="accent1">
-              <a:shade val="50000"/>
-            </a:schemeClr>
-          </a:lnRef>
-          <a:fillRef idx="1">
-            <a:schemeClr val="accent1"/>
-          </a:fillRef>
-          <a:effectRef idx="0">
-            <a:schemeClr val="accent1"/>
-          </a:effectRef>
-          <a:fontRef idx="minor">
-            <a:schemeClr val="lt1"/>
-          </a:fontRef>
-        </p:style>
-        <p:txBody>
-          <a:bodyPr rtlCol="0" anchor="ctr"/>
-          <a:lstStyle/>
-          <a:p>
-            <a:pPr algn="ctr"/>
-            <a:r>
-              <a:rPr lang="en-US" altLang="ko-KR" dirty="0"/>
-              <a:t>1</a:t>
-            </a:r>
-            <a:endParaRPr lang="ko-KR" altLang="en-US" dirty="0"/>
-          </a:p>
-        </p:txBody>
-      </p:sp>
-      <p:sp>
-        <p:nvSpPr>
-          <p:cNvPr id="18" name="TextBox 17">
-            <a:extLst>
-              <a:ext uri="{FF2B5EF4-FFF2-40B4-BE49-F238E27FC236}">
-                <a16:creationId xmlns:a16="http://schemas.microsoft.com/office/drawing/2014/main" id="{CF0FAB2D-7934-4280-B678-397F51740209}"/>
-              </a:ext>
-            </a:extLst>
-          </p:cNvPr>
-          <p:cNvSpPr txBox="1"/>
-          <p:nvPr/>
-        </p:nvSpPr>
-        <p:spPr>
-          <a:xfrm>
-            <a:off x="582949" y="482087"/>
-            <a:ext cx="2548178" cy="523220"/>
-          </a:xfrm>
-          <a:prstGeom prst="rect">
-            <a:avLst/>
-          </a:prstGeom>
-          <a:noFill/>
-        </p:spPr>
-        <p:txBody>
-          <a:bodyPr wrap="square" rtlCol="0">
-            <a:spAutoFit/>
-          </a:bodyPr>
-          <a:lstStyle/>
-          <a:p>
-            <a:r>
-              <a:rPr lang="ko-KR" altLang="en-US" sz="1400" b="1" dirty="0"/>
-              <a:t>순서대로 위치에 맞게</a:t>
-            </a:r>
-            <a:endParaRPr lang="en-US" altLang="ko-KR" sz="1400" b="1" dirty="0"/>
-          </a:p>
-          <a:p>
-            <a:r>
-              <a:rPr lang="ko-KR" altLang="en-US" sz="1400" b="1" dirty="0"/>
-              <a:t>오브젝트가 배열되면 성공</a:t>
-            </a:r>
-          </a:p>
-        </p:txBody>
-      </p:sp>
-      <p:sp>
-        <p:nvSpPr>
           <p:cNvPr id="19" name="직사각형 18">
             <a:extLst>
               <a:ext uri="{FF2B5EF4-FFF2-40B4-BE49-F238E27FC236}">
@@ -13073,7 +12587,7 @@
         <p:spPr>
           <a:xfrm>
             <a:off x="7772456" y="17772"/>
-            <a:ext cx="4401905" cy="1415620"/>
+            <a:ext cx="4401905" cy="2058163"/>
           </a:xfrm>
           <a:prstGeom prst="rect">
             <a:avLst/>
@@ -13109,7 +12623,3260 @@
           <a:bodyPr rtlCol="0" anchor="ctr"/>
           <a:lstStyle/>
           <a:p>
-            <a:pPr algn="ctr"/>
+            <a:r>
+              <a:rPr lang="ko-KR" altLang="en-US" sz="1200" b="1" dirty="0">
+                <a:solidFill>
+                  <a:schemeClr val="tx1"/>
+                </a:solidFill>
+              </a:rPr>
+              <a:t>난이도</a:t>
+            </a:r>
+            <a:r>
+              <a:rPr lang="en-US" altLang="ko-KR" sz="1200" b="1" dirty="0">
+                <a:solidFill>
+                  <a:schemeClr val="tx1"/>
+                </a:solidFill>
+              </a:rPr>
+              <a:t> </a:t>
+            </a:r>
+            <a:r>
+              <a:rPr lang="ko-KR" altLang="en-US" sz="1200" b="1" dirty="0">
+                <a:solidFill>
+                  <a:schemeClr val="tx1"/>
+                </a:solidFill>
+              </a:rPr>
+              <a:t>상 </a:t>
+            </a:r>
+            <a:r>
+              <a:rPr lang="ko-KR" altLang="en-US" sz="1200" b="0" i="0" dirty="0">
+                <a:solidFill>
+                  <a:srgbClr val="000000"/>
+                </a:solidFill>
+                <a:effectLst/>
+                <a:latin typeface="Malgun Gothic" panose="020B0503020000020004" pitchFamily="50" charset="-127"/>
+                <a:ea typeface="Malgun Gothic" panose="020B0503020000020004" pitchFamily="50" charset="-127"/>
+              </a:rPr>
+              <a:t>★★★★★</a:t>
+            </a:r>
+            <a:endParaRPr lang="en-US" altLang="ko-KR" sz="1200" b="1" dirty="0">
+              <a:solidFill>
+                <a:schemeClr val="tx1"/>
+              </a:solidFill>
+            </a:endParaRPr>
+          </a:p>
+          <a:p>
+            <a:r>
+              <a:rPr lang="en-US" altLang="ko-KR" sz="1200" b="1" dirty="0">
+                <a:solidFill>
+                  <a:schemeClr val="tx1"/>
+                </a:solidFill>
+              </a:rPr>
+              <a:t>- </a:t>
+            </a:r>
+            <a:r>
+              <a:rPr lang="ko-KR" altLang="en-US" sz="1200" b="1" dirty="0">
+                <a:solidFill>
+                  <a:schemeClr val="tx1"/>
+                </a:solidFill>
+              </a:rPr>
+              <a:t>발판의 간격이 넓음</a:t>
+            </a:r>
+            <a:endParaRPr lang="en-US" altLang="ko-KR" sz="1200" b="1" dirty="0">
+              <a:solidFill>
+                <a:schemeClr val="tx1"/>
+              </a:solidFill>
+            </a:endParaRPr>
+          </a:p>
+          <a:p>
+            <a:r>
+              <a:rPr lang="en-US" altLang="ko-KR" sz="1200" b="1" dirty="0">
+                <a:solidFill>
+                  <a:schemeClr val="tx1"/>
+                </a:solidFill>
+              </a:rPr>
+              <a:t>- </a:t>
+            </a:r>
+            <a:r>
+              <a:rPr lang="ko-KR" altLang="en-US" sz="1200" b="1" dirty="0">
+                <a:solidFill>
+                  <a:schemeClr val="tx1"/>
+                </a:solidFill>
+              </a:rPr>
+              <a:t>발판 보여주는 시간 </a:t>
+            </a:r>
+            <a:r>
+              <a:rPr lang="en-US" altLang="ko-KR" sz="1200" b="1" dirty="0">
+                <a:solidFill>
+                  <a:schemeClr val="tx1"/>
+                </a:solidFill>
+              </a:rPr>
+              <a:t>3</a:t>
+            </a:r>
+            <a:r>
+              <a:rPr lang="ko-KR" altLang="en-US" sz="1200" b="1" dirty="0">
+                <a:solidFill>
+                  <a:schemeClr val="tx1"/>
+                </a:solidFill>
+              </a:rPr>
+              <a:t>초</a:t>
+            </a:r>
+            <a:r>
+              <a:rPr lang="en-US" altLang="ko-KR" sz="1200" b="1" dirty="0">
+                <a:solidFill>
+                  <a:schemeClr val="tx1"/>
+                </a:solidFill>
+              </a:rPr>
+              <a:t> / </a:t>
+            </a:r>
+            <a:r>
+              <a:rPr lang="ko-KR" altLang="en-US" sz="1200" b="1" dirty="0">
+                <a:solidFill>
+                  <a:schemeClr val="tx1"/>
+                </a:solidFill>
+              </a:rPr>
+              <a:t>보여주는 횟수 </a:t>
+            </a:r>
+            <a:r>
+              <a:rPr lang="en-US" altLang="ko-KR" sz="1200" b="1" dirty="0">
+                <a:solidFill>
+                  <a:schemeClr val="tx1"/>
+                </a:solidFill>
+              </a:rPr>
+              <a:t>1</a:t>
+            </a:r>
+            <a:r>
+              <a:rPr lang="ko-KR" altLang="en-US" sz="1200" b="1" dirty="0">
+                <a:solidFill>
+                  <a:schemeClr val="tx1"/>
+                </a:solidFill>
+              </a:rPr>
+              <a:t>회</a:t>
+            </a:r>
+            <a:endParaRPr lang="en-US" altLang="ko-KR" sz="1200" b="1" dirty="0">
+              <a:solidFill>
+                <a:schemeClr val="tx1"/>
+              </a:solidFill>
+            </a:endParaRPr>
+          </a:p>
+          <a:p>
+            <a:endParaRPr lang="en-US" altLang="ko-KR" sz="1200" b="1" dirty="0">
+              <a:solidFill>
+                <a:schemeClr val="tx1"/>
+              </a:solidFill>
+            </a:endParaRPr>
+          </a:p>
+          <a:p>
+            <a:r>
+              <a:rPr lang="ko-KR" altLang="en-US" sz="1200" b="1" dirty="0">
+                <a:solidFill>
+                  <a:schemeClr val="tx1"/>
+                </a:solidFill>
+              </a:rPr>
+              <a:t>난이도</a:t>
+            </a:r>
+            <a:r>
+              <a:rPr lang="en-US" altLang="ko-KR" sz="1200" b="1" dirty="0">
+                <a:solidFill>
+                  <a:schemeClr val="tx1"/>
+                </a:solidFill>
+              </a:rPr>
+              <a:t> </a:t>
+            </a:r>
+            <a:r>
+              <a:rPr lang="ko-KR" altLang="en-US" sz="1200" b="1" dirty="0">
+                <a:solidFill>
+                  <a:schemeClr val="tx1"/>
+                </a:solidFill>
+              </a:rPr>
+              <a:t>중 </a:t>
+            </a:r>
+            <a:r>
+              <a:rPr lang="ko-KR" altLang="en-US" sz="1200" b="0" i="0" dirty="0">
+                <a:solidFill>
+                  <a:srgbClr val="000000"/>
+                </a:solidFill>
+                <a:effectLst/>
+                <a:latin typeface="Malgun Gothic" panose="020B0503020000020004" pitchFamily="50" charset="-127"/>
+                <a:ea typeface="Malgun Gothic" panose="020B0503020000020004" pitchFamily="50" charset="-127"/>
+              </a:rPr>
+              <a:t>★★★</a:t>
+            </a:r>
+            <a:endParaRPr lang="en-US" altLang="ko-KR" sz="1200" b="1" dirty="0">
+              <a:solidFill>
+                <a:schemeClr val="tx1"/>
+              </a:solidFill>
+            </a:endParaRPr>
+          </a:p>
+          <a:p>
+            <a:r>
+              <a:rPr lang="en-US" altLang="ko-KR" sz="1200" b="1" dirty="0">
+                <a:solidFill>
+                  <a:schemeClr val="tx1"/>
+                </a:solidFill>
+              </a:rPr>
+              <a:t>-</a:t>
+            </a:r>
+            <a:r>
+              <a:rPr lang="ko-KR" altLang="en-US" sz="1200" b="1" dirty="0">
+                <a:solidFill>
+                  <a:schemeClr val="tx1"/>
+                </a:solidFill>
+              </a:rPr>
+              <a:t> 발판 보여주는 시간 </a:t>
+            </a:r>
+            <a:r>
+              <a:rPr lang="en-US" altLang="ko-KR" sz="1200" b="1" dirty="0">
+                <a:solidFill>
+                  <a:schemeClr val="tx1"/>
+                </a:solidFill>
+              </a:rPr>
+              <a:t>3</a:t>
+            </a:r>
+            <a:r>
+              <a:rPr lang="ko-KR" altLang="en-US" sz="1200" b="1" dirty="0">
+                <a:solidFill>
+                  <a:schemeClr val="tx1"/>
+                </a:solidFill>
+              </a:rPr>
+              <a:t>초</a:t>
+            </a:r>
+            <a:r>
+              <a:rPr lang="en-US" altLang="ko-KR" sz="1200" b="1" dirty="0">
+                <a:solidFill>
+                  <a:schemeClr val="tx1"/>
+                </a:solidFill>
+              </a:rPr>
+              <a:t> / </a:t>
+            </a:r>
+            <a:r>
+              <a:rPr lang="ko-KR" altLang="en-US" sz="1200" b="1" dirty="0">
+                <a:solidFill>
+                  <a:schemeClr val="tx1"/>
+                </a:solidFill>
+              </a:rPr>
+              <a:t>보여주는 횟수 </a:t>
+            </a:r>
+            <a:r>
+              <a:rPr lang="en-US" altLang="ko-KR" sz="1200" b="1" dirty="0">
+                <a:solidFill>
+                  <a:schemeClr val="tx1"/>
+                </a:solidFill>
+              </a:rPr>
+              <a:t>3</a:t>
+            </a:r>
+            <a:r>
+              <a:rPr lang="ko-KR" altLang="en-US" sz="1200" b="1" dirty="0">
+                <a:solidFill>
+                  <a:schemeClr val="tx1"/>
+                </a:solidFill>
+              </a:rPr>
+              <a:t>회</a:t>
+            </a:r>
+            <a:endParaRPr lang="en-US" altLang="ko-KR" sz="1200" b="1" dirty="0">
+              <a:solidFill>
+                <a:schemeClr val="tx1"/>
+              </a:solidFill>
+            </a:endParaRPr>
+          </a:p>
+          <a:p>
+            <a:endParaRPr lang="en-US" altLang="ko-KR" sz="1200" b="1" dirty="0">
+              <a:solidFill>
+                <a:schemeClr val="tx1"/>
+              </a:solidFill>
+            </a:endParaRPr>
+          </a:p>
+          <a:p>
+            <a:r>
+              <a:rPr lang="ko-KR" altLang="en-US" sz="1200" b="1" dirty="0">
+                <a:solidFill>
+                  <a:schemeClr val="tx1"/>
+                </a:solidFill>
+              </a:rPr>
+              <a:t>난이도</a:t>
+            </a:r>
+            <a:r>
+              <a:rPr lang="en-US" altLang="ko-KR" sz="1200" b="1" dirty="0">
+                <a:solidFill>
+                  <a:schemeClr val="tx1"/>
+                </a:solidFill>
+              </a:rPr>
+              <a:t> </a:t>
+            </a:r>
+            <a:r>
+              <a:rPr lang="ko-KR" altLang="en-US" sz="1200" b="1" dirty="0">
+                <a:solidFill>
+                  <a:schemeClr val="tx1"/>
+                </a:solidFill>
+              </a:rPr>
+              <a:t>하  </a:t>
+            </a:r>
+            <a:r>
+              <a:rPr lang="ko-KR" altLang="en-US" sz="1200" b="0" i="0" dirty="0">
+                <a:solidFill>
+                  <a:srgbClr val="000000"/>
+                </a:solidFill>
+                <a:effectLst/>
+                <a:latin typeface="Malgun Gothic" panose="020B0503020000020004" pitchFamily="50" charset="-127"/>
+                <a:ea typeface="Malgun Gothic" panose="020B0503020000020004" pitchFamily="50" charset="-127"/>
+              </a:rPr>
+              <a:t>★</a:t>
+            </a:r>
+            <a:endParaRPr lang="en-US" altLang="ko-KR" sz="1200" b="1" i="0" dirty="0">
+              <a:solidFill>
+                <a:schemeClr val="tx1"/>
+              </a:solidFill>
+              <a:effectLst/>
+              <a:latin typeface="Malgun Gothic" panose="020B0503020000020004" pitchFamily="50" charset="-127"/>
+              <a:ea typeface="Malgun Gothic" panose="020B0503020000020004" pitchFamily="50" charset="-127"/>
+            </a:endParaRPr>
+          </a:p>
+          <a:p>
+            <a:r>
+              <a:rPr lang="en-US" altLang="ko-KR" sz="1200" b="1" dirty="0">
+                <a:solidFill>
+                  <a:schemeClr val="tx1"/>
+                </a:solidFill>
+              </a:rPr>
+              <a:t>-</a:t>
+            </a:r>
+            <a:r>
+              <a:rPr lang="ko-KR" altLang="en-US" sz="1200" b="1" dirty="0">
+                <a:solidFill>
+                  <a:schemeClr val="tx1"/>
+                </a:solidFill>
+              </a:rPr>
+              <a:t> 발판 보여주는 시간 </a:t>
+            </a:r>
+            <a:r>
+              <a:rPr lang="en-US" altLang="ko-KR" sz="1200" b="1" dirty="0">
+                <a:solidFill>
+                  <a:schemeClr val="tx1"/>
+                </a:solidFill>
+              </a:rPr>
+              <a:t>5</a:t>
+            </a:r>
+            <a:r>
+              <a:rPr lang="ko-KR" altLang="en-US" sz="1200" b="1" dirty="0">
+                <a:solidFill>
+                  <a:schemeClr val="tx1"/>
+                </a:solidFill>
+              </a:rPr>
+              <a:t>초</a:t>
+            </a:r>
+            <a:r>
+              <a:rPr lang="en-US" altLang="ko-KR" sz="1200" b="1" dirty="0">
+                <a:solidFill>
+                  <a:schemeClr val="tx1"/>
+                </a:solidFill>
+              </a:rPr>
+              <a:t> </a:t>
+            </a:r>
+          </a:p>
+          <a:p>
+            <a:r>
+              <a:rPr lang="en-US" altLang="ko-KR" sz="1200" b="1" dirty="0">
+                <a:solidFill>
+                  <a:schemeClr val="tx1"/>
+                </a:solidFill>
+              </a:rPr>
+              <a:t>-</a:t>
+            </a:r>
+            <a:r>
+              <a:rPr lang="ko-KR" altLang="en-US" sz="1200" b="1" dirty="0">
+                <a:solidFill>
+                  <a:schemeClr val="tx1"/>
+                </a:solidFill>
+              </a:rPr>
+              <a:t> 발판 보여주는 횟수 무제한</a:t>
+            </a:r>
+            <a:endParaRPr lang="en-US" altLang="ko-KR" sz="1200" b="1" dirty="0">
+              <a:solidFill>
+                <a:schemeClr val="tx1"/>
+              </a:solidFill>
+            </a:endParaRPr>
+          </a:p>
+        </p:txBody>
+      </p:sp>
+      <p:sp>
+        <p:nvSpPr>
+          <p:cNvPr id="40" name="화살표: 왼쪽 39">
+            <a:extLst>
+              <a:ext uri="{FF2B5EF4-FFF2-40B4-BE49-F238E27FC236}">
+                <a16:creationId xmlns:a16="http://schemas.microsoft.com/office/drawing/2014/main" id="{E2B9B7E4-1BE1-469B-B2AD-BAAF2E0B06BF}"/>
+              </a:ext>
+            </a:extLst>
+          </p:cNvPr>
+          <p:cNvSpPr/>
+          <p:nvPr/>
+        </p:nvSpPr>
+        <p:spPr>
+          <a:xfrm rot="10800000">
+            <a:off x="5476839" y="4516894"/>
+            <a:ext cx="779808" cy="240146"/>
+          </a:xfrm>
+          <a:prstGeom prst="leftArrow">
+            <a:avLst/>
+          </a:prstGeom>
+          <a:solidFill>
+            <a:srgbClr val="FF0000"/>
+          </a:solidFill>
+          <a:ln>
+            <a:solidFill>
+              <a:srgbClr val="FF0000"/>
+            </a:solidFill>
+          </a:ln>
+        </p:spPr>
+        <p:style>
+          <a:lnRef idx="2">
+            <a:schemeClr val="accent1">
+              <a:shade val="50000"/>
+            </a:schemeClr>
+          </a:lnRef>
+          <a:fillRef idx="1">
+            <a:schemeClr val="accent1"/>
+          </a:fillRef>
+          <a:effectRef idx="0">
+            <a:schemeClr val="accent1"/>
+          </a:effectRef>
+          <a:fontRef idx="minor">
+            <a:schemeClr val="lt1"/>
+          </a:fontRef>
+        </p:style>
+        <p:txBody>
+          <a:bodyPr rtlCol="0" anchor="ctr"/>
+          <a:lstStyle/>
+          <a:p>
+            <a:pPr algn="ctr"/>
+            <a:endParaRPr lang="ko-KR" altLang="en-US" dirty="0"/>
+          </a:p>
+        </p:txBody>
+      </p:sp>
+      <p:sp>
+        <p:nvSpPr>
+          <p:cNvPr id="41" name="직사각형 40">
+            <a:extLst>
+              <a:ext uri="{FF2B5EF4-FFF2-40B4-BE49-F238E27FC236}">
+                <a16:creationId xmlns:a16="http://schemas.microsoft.com/office/drawing/2014/main" id="{21E6FD01-37EA-4570-8BAA-B0F820EBC1CF}"/>
+              </a:ext>
+            </a:extLst>
+          </p:cNvPr>
+          <p:cNvSpPr/>
+          <p:nvPr/>
+        </p:nvSpPr>
+        <p:spPr>
+          <a:xfrm>
+            <a:off x="377694" y="2543201"/>
+            <a:ext cx="275560" cy="298738"/>
+          </a:xfrm>
+          <a:prstGeom prst="rect">
+            <a:avLst/>
+          </a:prstGeom>
+          <a:solidFill>
+            <a:schemeClr val="accent2"/>
+          </a:solidFill>
+          <a:ln>
+            <a:solidFill>
+              <a:schemeClr val="bg1"/>
+            </a:solidFill>
+          </a:ln>
+        </p:spPr>
+        <p:style>
+          <a:lnRef idx="2">
+            <a:schemeClr val="accent1">
+              <a:shade val="50000"/>
+            </a:schemeClr>
+          </a:lnRef>
+          <a:fillRef idx="1">
+            <a:schemeClr val="accent1"/>
+          </a:fillRef>
+          <a:effectRef idx="0">
+            <a:schemeClr val="accent1"/>
+          </a:effectRef>
+          <a:fontRef idx="minor">
+            <a:schemeClr val="lt1"/>
+          </a:fontRef>
+        </p:style>
+        <p:txBody>
+          <a:bodyPr rtlCol="0" anchor="ctr"/>
+          <a:lstStyle/>
+          <a:p>
+            <a:pPr algn="ctr"/>
+            <a:r>
+              <a:rPr lang="en-US" altLang="ko-KR" dirty="0"/>
+              <a:t>1</a:t>
+            </a:r>
+            <a:endParaRPr lang="ko-KR" altLang="en-US" dirty="0"/>
+          </a:p>
+        </p:txBody>
+      </p:sp>
+      <p:sp>
+        <p:nvSpPr>
+          <p:cNvPr id="49" name="직사각형 48">
+            <a:extLst>
+              <a:ext uri="{FF2B5EF4-FFF2-40B4-BE49-F238E27FC236}">
+                <a16:creationId xmlns:a16="http://schemas.microsoft.com/office/drawing/2014/main" id="{FAB5DB88-0F58-4EB4-8C2C-BBFC4A8E6E48}"/>
+              </a:ext>
+            </a:extLst>
+          </p:cNvPr>
+          <p:cNvSpPr/>
+          <p:nvPr/>
+        </p:nvSpPr>
+        <p:spPr>
+          <a:xfrm>
+            <a:off x="1174339" y="4906257"/>
+            <a:ext cx="744787" cy="128810"/>
+          </a:xfrm>
+          <a:prstGeom prst="rect">
+            <a:avLst/>
+          </a:prstGeom>
+          <a:solidFill>
+            <a:schemeClr val="accent1">
+              <a:lumMod val="75000"/>
+            </a:schemeClr>
+          </a:solidFill>
+          <a:ln>
+            <a:solidFill>
+              <a:schemeClr val="bg1"/>
+            </a:solidFill>
+          </a:ln>
+        </p:spPr>
+        <p:style>
+          <a:lnRef idx="2">
+            <a:schemeClr val="accent1">
+              <a:shade val="50000"/>
+            </a:schemeClr>
+          </a:lnRef>
+          <a:fillRef idx="1">
+            <a:schemeClr val="accent1"/>
+          </a:fillRef>
+          <a:effectRef idx="0">
+            <a:schemeClr val="accent1"/>
+          </a:effectRef>
+          <a:fontRef idx="minor">
+            <a:schemeClr val="lt1"/>
+          </a:fontRef>
+        </p:style>
+        <p:txBody>
+          <a:bodyPr rtlCol="0" anchor="ctr"/>
+          <a:lstStyle/>
+          <a:p>
+            <a:pPr algn="ctr"/>
+            <a:endParaRPr lang="ko-KR" altLang="en-US"/>
+          </a:p>
+        </p:txBody>
+      </p:sp>
+      <p:sp>
+        <p:nvSpPr>
+          <p:cNvPr id="50" name="직사각형 49">
+            <a:extLst>
+              <a:ext uri="{FF2B5EF4-FFF2-40B4-BE49-F238E27FC236}">
+                <a16:creationId xmlns:a16="http://schemas.microsoft.com/office/drawing/2014/main" id="{C8689A18-71D3-449B-801D-B04462AEEDD4}"/>
+              </a:ext>
+            </a:extLst>
+          </p:cNvPr>
+          <p:cNvSpPr/>
+          <p:nvPr/>
+        </p:nvSpPr>
+        <p:spPr>
+          <a:xfrm>
+            <a:off x="3829667" y="4628230"/>
+            <a:ext cx="447995" cy="128810"/>
+          </a:xfrm>
+          <a:prstGeom prst="rect">
+            <a:avLst/>
+          </a:prstGeom>
+          <a:solidFill>
+            <a:schemeClr val="accent1">
+              <a:lumMod val="75000"/>
+            </a:schemeClr>
+          </a:solidFill>
+          <a:ln>
+            <a:solidFill>
+              <a:schemeClr val="bg1"/>
+            </a:solidFill>
+          </a:ln>
+        </p:spPr>
+        <p:style>
+          <a:lnRef idx="2">
+            <a:schemeClr val="accent1">
+              <a:shade val="50000"/>
+            </a:schemeClr>
+          </a:lnRef>
+          <a:fillRef idx="1">
+            <a:schemeClr val="accent1"/>
+          </a:fillRef>
+          <a:effectRef idx="0">
+            <a:schemeClr val="accent1"/>
+          </a:effectRef>
+          <a:fontRef idx="minor">
+            <a:schemeClr val="lt1"/>
+          </a:fontRef>
+        </p:style>
+        <p:txBody>
+          <a:bodyPr rtlCol="0" anchor="ctr"/>
+          <a:lstStyle/>
+          <a:p>
+            <a:pPr algn="ctr"/>
+            <a:endParaRPr lang="ko-KR" altLang="en-US"/>
+          </a:p>
+        </p:txBody>
+      </p:sp>
+      <p:sp>
+        <p:nvSpPr>
+          <p:cNvPr id="51" name="직사각형 50">
+            <a:extLst>
+              <a:ext uri="{FF2B5EF4-FFF2-40B4-BE49-F238E27FC236}">
+                <a16:creationId xmlns:a16="http://schemas.microsoft.com/office/drawing/2014/main" id="{B87E6C00-6614-44B5-AE02-EA5F8C2FCB88}"/>
+              </a:ext>
+            </a:extLst>
+          </p:cNvPr>
+          <p:cNvSpPr/>
+          <p:nvPr/>
+        </p:nvSpPr>
+        <p:spPr>
+          <a:xfrm>
+            <a:off x="515474" y="6259634"/>
+            <a:ext cx="905553" cy="128810"/>
+          </a:xfrm>
+          <a:prstGeom prst="rect">
+            <a:avLst/>
+          </a:prstGeom>
+          <a:solidFill>
+            <a:schemeClr val="bg2">
+              <a:lumMod val="75000"/>
+            </a:schemeClr>
+          </a:solidFill>
+          <a:ln>
+            <a:solidFill>
+              <a:schemeClr val="bg1"/>
+            </a:solidFill>
+          </a:ln>
+        </p:spPr>
+        <p:style>
+          <a:lnRef idx="2">
+            <a:schemeClr val="accent1">
+              <a:shade val="50000"/>
+            </a:schemeClr>
+          </a:lnRef>
+          <a:fillRef idx="1">
+            <a:schemeClr val="accent1"/>
+          </a:fillRef>
+          <a:effectRef idx="0">
+            <a:schemeClr val="accent1"/>
+          </a:effectRef>
+          <a:fontRef idx="minor">
+            <a:schemeClr val="lt1"/>
+          </a:fontRef>
+        </p:style>
+        <p:txBody>
+          <a:bodyPr rtlCol="0" anchor="ctr"/>
+          <a:lstStyle/>
+          <a:p>
+            <a:pPr algn="ctr"/>
+            <a:endParaRPr lang="ko-KR" altLang="en-US"/>
+          </a:p>
+        </p:txBody>
+      </p:sp>
+      <p:pic>
+        <p:nvPicPr>
+          <p:cNvPr id="52" name="그림 51" descr="텍스트이(가) 표시된 사진&#10;&#10;자동 생성된 설명">
+            <a:extLst>
+              <a:ext uri="{FF2B5EF4-FFF2-40B4-BE49-F238E27FC236}">
+                <a16:creationId xmlns:a16="http://schemas.microsoft.com/office/drawing/2014/main" id="{FF619E1A-3B5C-45BE-B6B5-F0385F1C3CA8}"/>
+              </a:ext>
+            </a:extLst>
+          </p:cNvPr>
+          <p:cNvPicPr>
+            <a:picLocks noChangeAspect="1"/>
+          </p:cNvPicPr>
+          <p:nvPr/>
+        </p:nvPicPr>
+        <p:blipFill>
+          <a:blip r:embed="rId2">
+            <a:extLst>
+              <a:ext uri="{28A0092B-C50C-407E-A947-70E740481C1C}">
+                <a14:useLocalDpi xmlns:a14="http://schemas.microsoft.com/office/drawing/2010/main" val="0"/>
+              </a:ext>
+            </a:extLst>
+          </a:blip>
+          <a:stretch>
+            <a:fillRect/>
+          </a:stretch>
+        </p:blipFill>
+        <p:spPr>
+          <a:xfrm flipH="1">
+            <a:off x="911420" y="5825692"/>
+            <a:ext cx="433942" cy="433942"/>
+          </a:xfrm>
+          <a:prstGeom prst="rect">
+            <a:avLst/>
+          </a:prstGeom>
+        </p:spPr>
+      </p:pic>
+      <p:sp>
+        <p:nvSpPr>
+          <p:cNvPr id="2" name="나누기 기호 1">
+            <a:extLst>
+              <a:ext uri="{FF2B5EF4-FFF2-40B4-BE49-F238E27FC236}">
+                <a16:creationId xmlns:a16="http://schemas.microsoft.com/office/drawing/2014/main" id="{A94AF730-522F-41FD-AD10-E5D9592F41E1}"/>
+              </a:ext>
+            </a:extLst>
+          </p:cNvPr>
+          <p:cNvSpPr/>
+          <p:nvPr/>
+        </p:nvSpPr>
+        <p:spPr>
+          <a:xfrm rot="5400000">
+            <a:off x="576922" y="5527527"/>
+            <a:ext cx="433942" cy="379985"/>
+          </a:xfrm>
+          <a:prstGeom prst="mathDivide">
+            <a:avLst/>
+          </a:prstGeom>
+          <a:solidFill>
+            <a:srgbClr val="00B0F0"/>
+          </a:solidFill>
+          <a:ln>
+            <a:solidFill>
+              <a:schemeClr val="tx1"/>
+            </a:solidFill>
+          </a:ln>
+        </p:spPr>
+        <p:style>
+          <a:lnRef idx="2">
+            <a:schemeClr val="accent1">
+              <a:shade val="50000"/>
+            </a:schemeClr>
+          </a:lnRef>
+          <a:fillRef idx="1">
+            <a:schemeClr val="accent1"/>
+          </a:fillRef>
+          <a:effectRef idx="0">
+            <a:schemeClr val="accent1"/>
+          </a:effectRef>
+          <a:fontRef idx="minor">
+            <a:schemeClr val="lt1"/>
+          </a:fontRef>
+        </p:style>
+        <p:txBody>
+          <a:bodyPr rtlCol="0" anchor="ctr"/>
+          <a:lstStyle/>
+          <a:p>
+            <a:pPr algn="ctr"/>
+            <a:endParaRPr lang="ko-KR" altLang="en-US" dirty="0"/>
+          </a:p>
+        </p:txBody>
+      </p:sp>
+      <p:sp>
+        <p:nvSpPr>
+          <p:cNvPr id="53" name="직사각형 52">
+            <a:extLst>
+              <a:ext uri="{FF2B5EF4-FFF2-40B4-BE49-F238E27FC236}">
+                <a16:creationId xmlns:a16="http://schemas.microsoft.com/office/drawing/2014/main" id="{EBFCB2DD-2E0B-4805-9295-9BEBDB5D86FA}"/>
+              </a:ext>
+            </a:extLst>
+          </p:cNvPr>
+          <p:cNvSpPr/>
+          <p:nvPr/>
+        </p:nvSpPr>
+        <p:spPr>
+          <a:xfrm>
+            <a:off x="515474" y="4404253"/>
+            <a:ext cx="238818" cy="1855381"/>
+          </a:xfrm>
+          <a:prstGeom prst="rect">
+            <a:avLst/>
+          </a:prstGeom>
+          <a:solidFill>
+            <a:schemeClr val="bg2">
+              <a:lumMod val="75000"/>
+            </a:schemeClr>
+          </a:solidFill>
+          <a:ln>
+            <a:solidFill>
+              <a:schemeClr val="bg1"/>
+            </a:solidFill>
+          </a:ln>
+        </p:spPr>
+        <p:style>
+          <a:lnRef idx="2">
+            <a:schemeClr val="accent1">
+              <a:shade val="50000"/>
+            </a:schemeClr>
+          </a:lnRef>
+          <a:fillRef idx="1">
+            <a:schemeClr val="accent1"/>
+          </a:fillRef>
+          <a:effectRef idx="0">
+            <a:schemeClr val="accent1"/>
+          </a:effectRef>
+          <a:fontRef idx="minor">
+            <a:schemeClr val="lt1"/>
+          </a:fontRef>
+        </p:style>
+        <p:txBody>
+          <a:bodyPr rtlCol="0" anchor="ctr"/>
+          <a:lstStyle/>
+          <a:p>
+            <a:pPr algn="ctr"/>
+            <a:endParaRPr lang="ko-KR" altLang="en-US"/>
+          </a:p>
+        </p:txBody>
+      </p:sp>
+      <p:sp>
+        <p:nvSpPr>
+          <p:cNvPr id="54" name="직사각형 53">
+            <a:extLst>
+              <a:ext uri="{FF2B5EF4-FFF2-40B4-BE49-F238E27FC236}">
+                <a16:creationId xmlns:a16="http://schemas.microsoft.com/office/drawing/2014/main" id="{4FB0973B-E680-47DC-A40F-6044E4AF4C5D}"/>
+              </a:ext>
+            </a:extLst>
+          </p:cNvPr>
+          <p:cNvSpPr/>
+          <p:nvPr/>
+        </p:nvSpPr>
+        <p:spPr>
+          <a:xfrm>
+            <a:off x="1953468" y="4628230"/>
+            <a:ext cx="744787" cy="128810"/>
+          </a:xfrm>
+          <a:prstGeom prst="rect">
+            <a:avLst/>
+          </a:prstGeom>
+          <a:solidFill>
+            <a:schemeClr val="accent1">
+              <a:lumMod val="75000"/>
+            </a:schemeClr>
+          </a:solidFill>
+          <a:ln>
+            <a:solidFill>
+              <a:schemeClr val="bg1"/>
+            </a:solidFill>
+          </a:ln>
+        </p:spPr>
+        <p:style>
+          <a:lnRef idx="2">
+            <a:schemeClr val="accent1">
+              <a:shade val="50000"/>
+            </a:schemeClr>
+          </a:lnRef>
+          <a:fillRef idx="1">
+            <a:schemeClr val="accent1"/>
+          </a:fillRef>
+          <a:effectRef idx="0">
+            <a:schemeClr val="accent1"/>
+          </a:effectRef>
+          <a:fontRef idx="minor">
+            <a:schemeClr val="lt1"/>
+          </a:fontRef>
+        </p:style>
+        <p:txBody>
+          <a:bodyPr rtlCol="0" anchor="ctr"/>
+          <a:lstStyle/>
+          <a:p>
+            <a:pPr algn="ctr"/>
+            <a:endParaRPr lang="ko-KR" altLang="en-US"/>
+          </a:p>
+        </p:txBody>
+      </p:sp>
+      <p:sp>
+        <p:nvSpPr>
+          <p:cNvPr id="55" name="직사각형 54">
+            <a:extLst>
+              <a:ext uri="{FF2B5EF4-FFF2-40B4-BE49-F238E27FC236}">
+                <a16:creationId xmlns:a16="http://schemas.microsoft.com/office/drawing/2014/main" id="{97535B22-C550-4B13-AD3E-F0A9DA889110}"/>
+              </a:ext>
+            </a:extLst>
+          </p:cNvPr>
+          <p:cNvSpPr/>
+          <p:nvPr/>
+        </p:nvSpPr>
+        <p:spPr>
+          <a:xfrm>
+            <a:off x="2954365" y="4692635"/>
+            <a:ext cx="744787" cy="128810"/>
+          </a:xfrm>
+          <a:prstGeom prst="rect">
+            <a:avLst/>
+          </a:prstGeom>
+          <a:solidFill>
+            <a:schemeClr val="accent1">
+              <a:lumMod val="75000"/>
+            </a:schemeClr>
+          </a:solidFill>
+          <a:ln>
+            <a:solidFill>
+              <a:schemeClr val="bg1"/>
+            </a:solidFill>
+          </a:ln>
+        </p:spPr>
+        <p:style>
+          <a:lnRef idx="2">
+            <a:schemeClr val="accent1">
+              <a:shade val="50000"/>
+            </a:schemeClr>
+          </a:lnRef>
+          <a:fillRef idx="1">
+            <a:schemeClr val="accent1"/>
+          </a:fillRef>
+          <a:effectRef idx="0">
+            <a:schemeClr val="accent1"/>
+          </a:effectRef>
+          <a:fontRef idx="minor">
+            <a:schemeClr val="lt1"/>
+          </a:fontRef>
+        </p:style>
+        <p:txBody>
+          <a:bodyPr rtlCol="0" anchor="ctr"/>
+          <a:lstStyle/>
+          <a:p>
+            <a:pPr algn="ctr"/>
+            <a:endParaRPr lang="ko-KR" altLang="en-US"/>
+          </a:p>
+        </p:txBody>
+      </p:sp>
+      <p:sp>
+        <p:nvSpPr>
+          <p:cNvPr id="76" name="TextBox 75">
+            <a:extLst>
+              <a:ext uri="{FF2B5EF4-FFF2-40B4-BE49-F238E27FC236}">
+                <a16:creationId xmlns:a16="http://schemas.microsoft.com/office/drawing/2014/main" id="{EEF68EC0-E5BC-463C-9524-94D65B52563D}"/>
+              </a:ext>
+            </a:extLst>
+          </p:cNvPr>
+          <p:cNvSpPr txBox="1"/>
+          <p:nvPr/>
+        </p:nvSpPr>
+        <p:spPr>
+          <a:xfrm>
+            <a:off x="419932" y="525477"/>
+            <a:ext cx="3067071" cy="523220"/>
+          </a:xfrm>
+          <a:prstGeom prst="rect">
+            <a:avLst/>
+          </a:prstGeom>
+          <a:noFill/>
+        </p:spPr>
+        <p:txBody>
+          <a:bodyPr wrap="square" rtlCol="0">
+            <a:spAutoFit/>
+          </a:bodyPr>
+          <a:lstStyle/>
+          <a:p>
+            <a:r>
+              <a:rPr lang="ko-KR" altLang="en-US" sz="1400" b="1" dirty="0"/>
+              <a:t>레버에 충돌이 감지되면 </a:t>
+            </a:r>
+            <a:r>
+              <a:rPr lang="en-US" altLang="ko-KR" sz="1400" b="1" dirty="0"/>
+              <a:t>5</a:t>
+            </a:r>
+            <a:r>
+              <a:rPr lang="ko-KR" altLang="en-US" sz="1400" b="1" dirty="0"/>
+              <a:t>초간 맵 발판지형이 보이다가 사라진다</a:t>
+            </a:r>
+          </a:p>
+        </p:txBody>
+      </p:sp>
+      <p:sp>
+        <p:nvSpPr>
+          <p:cNvPr id="77" name="직사각형 76">
+            <a:extLst>
+              <a:ext uri="{FF2B5EF4-FFF2-40B4-BE49-F238E27FC236}">
+                <a16:creationId xmlns:a16="http://schemas.microsoft.com/office/drawing/2014/main" id="{C4067860-429C-4591-86B6-9CDCDC123C20}"/>
+              </a:ext>
+            </a:extLst>
+          </p:cNvPr>
+          <p:cNvSpPr/>
+          <p:nvPr/>
+        </p:nvSpPr>
+        <p:spPr>
+          <a:xfrm>
+            <a:off x="121480" y="569249"/>
+            <a:ext cx="275560" cy="298738"/>
+          </a:xfrm>
+          <a:prstGeom prst="rect">
+            <a:avLst/>
+          </a:prstGeom>
+          <a:solidFill>
+            <a:schemeClr val="accent2"/>
+          </a:solidFill>
+          <a:ln>
+            <a:solidFill>
+              <a:schemeClr val="bg1"/>
+            </a:solidFill>
+          </a:ln>
+        </p:spPr>
+        <p:style>
+          <a:lnRef idx="2">
+            <a:schemeClr val="accent1">
+              <a:shade val="50000"/>
+            </a:schemeClr>
+          </a:lnRef>
+          <a:fillRef idx="1">
+            <a:schemeClr val="accent1"/>
+          </a:fillRef>
+          <a:effectRef idx="0">
+            <a:schemeClr val="accent1"/>
+          </a:effectRef>
+          <a:fontRef idx="minor">
+            <a:schemeClr val="lt1"/>
+          </a:fontRef>
+        </p:style>
+        <p:txBody>
+          <a:bodyPr rtlCol="0" anchor="ctr"/>
+          <a:lstStyle/>
+          <a:p>
+            <a:pPr algn="ctr"/>
+            <a:r>
+              <a:rPr lang="en-US" altLang="ko-KR" dirty="0"/>
+              <a:t>1</a:t>
+            </a:r>
+            <a:endParaRPr lang="ko-KR" altLang="en-US" dirty="0"/>
+          </a:p>
+        </p:txBody>
+      </p:sp>
+      <p:sp>
+        <p:nvSpPr>
+          <p:cNvPr id="79" name="직사각형 78">
+            <a:extLst>
+              <a:ext uri="{FF2B5EF4-FFF2-40B4-BE49-F238E27FC236}">
+                <a16:creationId xmlns:a16="http://schemas.microsoft.com/office/drawing/2014/main" id="{703FBC1E-A86B-46CD-999C-0BE1C0613836}"/>
+              </a:ext>
+            </a:extLst>
+          </p:cNvPr>
+          <p:cNvSpPr/>
+          <p:nvPr/>
+        </p:nvSpPr>
+        <p:spPr>
+          <a:xfrm rot="10800000" flipV="1">
+            <a:off x="4410330" y="2617190"/>
+            <a:ext cx="637962" cy="446549"/>
+          </a:xfrm>
+          <a:prstGeom prst="rect">
+            <a:avLst/>
+          </a:prstGeom>
+          <a:solidFill>
+            <a:schemeClr val="accent5">
+              <a:lumMod val="20000"/>
+              <a:lumOff val="80000"/>
+            </a:schemeClr>
+          </a:solidFill>
+          <a:ln>
+            <a:solidFill>
+              <a:schemeClr val="bg1"/>
+            </a:solidFill>
+          </a:ln>
+        </p:spPr>
+        <p:style>
+          <a:lnRef idx="2">
+            <a:schemeClr val="accent1">
+              <a:shade val="50000"/>
+            </a:schemeClr>
+          </a:lnRef>
+          <a:fillRef idx="1">
+            <a:schemeClr val="accent1"/>
+          </a:fillRef>
+          <a:effectRef idx="0">
+            <a:schemeClr val="accent1"/>
+          </a:effectRef>
+          <a:fontRef idx="minor">
+            <a:schemeClr val="lt1"/>
+          </a:fontRef>
+        </p:style>
+        <p:txBody>
+          <a:bodyPr rtlCol="0" anchor="ctr"/>
+          <a:lstStyle/>
+          <a:p>
+            <a:pPr algn="ctr"/>
+            <a:r>
+              <a:rPr lang="en-US" altLang="ko-KR" b="1" dirty="0">
+                <a:solidFill>
+                  <a:schemeClr val="tx1"/>
+                </a:solidFill>
+              </a:rPr>
+              <a:t>Exit</a:t>
+            </a:r>
+            <a:endParaRPr lang="ko-KR" altLang="en-US" b="1" dirty="0">
+              <a:solidFill>
+                <a:schemeClr val="tx1"/>
+              </a:solidFill>
+            </a:endParaRPr>
+          </a:p>
+        </p:txBody>
+      </p:sp>
+      <p:sp>
+        <p:nvSpPr>
+          <p:cNvPr id="81" name="직사각형 80">
+            <a:extLst>
+              <a:ext uri="{FF2B5EF4-FFF2-40B4-BE49-F238E27FC236}">
+                <a16:creationId xmlns:a16="http://schemas.microsoft.com/office/drawing/2014/main" id="{8153D77E-D389-43B2-AE13-0D70D525B2CC}"/>
+              </a:ext>
+            </a:extLst>
+          </p:cNvPr>
+          <p:cNvSpPr/>
+          <p:nvPr/>
+        </p:nvSpPr>
+        <p:spPr>
+          <a:xfrm>
+            <a:off x="4277662" y="4241792"/>
+            <a:ext cx="447995" cy="128810"/>
+          </a:xfrm>
+          <a:prstGeom prst="rect">
+            <a:avLst/>
+          </a:prstGeom>
+          <a:solidFill>
+            <a:schemeClr val="accent1">
+              <a:lumMod val="75000"/>
+            </a:schemeClr>
+          </a:solidFill>
+          <a:ln>
+            <a:solidFill>
+              <a:schemeClr val="bg1"/>
+            </a:solidFill>
+          </a:ln>
+        </p:spPr>
+        <p:style>
+          <a:lnRef idx="2">
+            <a:schemeClr val="accent1">
+              <a:shade val="50000"/>
+            </a:schemeClr>
+          </a:lnRef>
+          <a:fillRef idx="1">
+            <a:schemeClr val="accent1"/>
+          </a:fillRef>
+          <a:effectRef idx="0">
+            <a:schemeClr val="accent1"/>
+          </a:effectRef>
+          <a:fontRef idx="minor">
+            <a:schemeClr val="lt1"/>
+          </a:fontRef>
+        </p:style>
+        <p:txBody>
+          <a:bodyPr rtlCol="0" anchor="ctr"/>
+          <a:lstStyle/>
+          <a:p>
+            <a:pPr algn="ctr"/>
+            <a:endParaRPr lang="ko-KR" altLang="en-US"/>
+          </a:p>
+        </p:txBody>
+      </p:sp>
+      <p:sp>
+        <p:nvSpPr>
+          <p:cNvPr id="82" name="직사각형 81">
+            <a:extLst>
+              <a:ext uri="{FF2B5EF4-FFF2-40B4-BE49-F238E27FC236}">
+                <a16:creationId xmlns:a16="http://schemas.microsoft.com/office/drawing/2014/main" id="{FC5FCFD5-07FE-4849-A422-88E8EB3DEBA7}"/>
+              </a:ext>
+            </a:extLst>
+          </p:cNvPr>
+          <p:cNvSpPr/>
+          <p:nvPr/>
+        </p:nvSpPr>
+        <p:spPr>
+          <a:xfrm>
+            <a:off x="3699152" y="3974064"/>
+            <a:ext cx="447995" cy="128810"/>
+          </a:xfrm>
+          <a:prstGeom prst="rect">
+            <a:avLst/>
+          </a:prstGeom>
+          <a:solidFill>
+            <a:schemeClr val="accent1">
+              <a:lumMod val="75000"/>
+            </a:schemeClr>
+          </a:solidFill>
+          <a:ln>
+            <a:solidFill>
+              <a:schemeClr val="bg1"/>
+            </a:solidFill>
+          </a:ln>
+        </p:spPr>
+        <p:style>
+          <a:lnRef idx="2">
+            <a:schemeClr val="accent1">
+              <a:shade val="50000"/>
+            </a:schemeClr>
+          </a:lnRef>
+          <a:fillRef idx="1">
+            <a:schemeClr val="accent1"/>
+          </a:fillRef>
+          <a:effectRef idx="0">
+            <a:schemeClr val="accent1"/>
+          </a:effectRef>
+          <a:fontRef idx="minor">
+            <a:schemeClr val="lt1"/>
+          </a:fontRef>
+        </p:style>
+        <p:txBody>
+          <a:bodyPr rtlCol="0" anchor="ctr"/>
+          <a:lstStyle/>
+          <a:p>
+            <a:pPr algn="ctr"/>
+            <a:endParaRPr lang="ko-KR" altLang="en-US"/>
+          </a:p>
+        </p:txBody>
+      </p:sp>
+      <p:sp>
+        <p:nvSpPr>
+          <p:cNvPr id="83" name="직사각형 82">
+            <a:extLst>
+              <a:ext uri="{FF2B5EF4-FFF2-40B4-BE49-F238E27FC236}">
+                <a16:creationId xmlns:a16="http://schemas.microsoft.com/office/drawing/2014/main" id="{BF6AFB52-61F9-496B-ABFD-930AD7CA2482}"/>
+              </a:ext>
+            </a:extLst>
+          </p:cNvPr>
+          <p:cNvSpPr/>
+          <p:nvPr/>
+        </p:nvSpPr>
+        <p:spPr>
+          <a:xfrm>
+            <a:off x="2954365" y="3752168"/>
+            <a:ext cx="447995" cy="128810"/>
+          </a:xfrm>
+          <a:prstGeom prst="rect">
+            <a:avLst/>
+          </a:prstGeom>
+          <a:solidFill>
+            <a:schemeClr val="accent1">
+              <a:lumMod val="75000"/>
+            </a:schemeClr>
+          </a:solidFill>
+          <a:ln>
+            <a:solidFill>
+              <a:schemeClr val="bg1"/>
+            </a:solidFill>
+          </a:ln>
+        </p:spPr>
+        <p:style>
+          <a:lnRef idx="2">
+            <a:schemeClr val="accent1">
+              <a:shade val="50000"/>
+            </a:schemeClr>
+          </a:lnRef>
+          <a:fillRef idx="1">
+            <a:schemeClr val="accent1"/>
+          </a:fillRef>
+          <a:effectRef idx="0">
+            <a:schemeClr val="accent1"/>
+          </a:effectRef>
+          <a:fontRef idx="minor">
+            <a:schemeClr val="lt1"/>
+          </a:fontRef>
+        </p:style>
+        <p:txBody>
+          <a:bodyPr rtlCol="0" anchor="ctr"/>
+          <a:lstStyle/>
+          <a:p>
+            <a:pPr algn="ctr"/>
+            <a:endParaRPr lang="ko-KR" altLang="en-US"/>
+          </a:p>
+        </p:txBody>
+      </p:sp>
+      <p:sp>
+        <p:nvSpPr>
+          <p:cNvPr id="84" name="직사각형 83">
+            <a:extLst>
+              <a:ext uri="{FF2B5EF4-FFF2-40B4-BE49-F238E27FC236}">
+                <a16:creationId xmlns:a16="http://schemas.microsoft.com/office/drawing/2014/main" id="{4A7560E0-681C-4CDE-8CDC-BB779C7A99A1}"/>
+              </a:ext>
+            </a:extLst>
+          </p:cNvPr>
+          <p:cNvSpPr/>
+          <p:nvPr/>
+        </p:nvSpPr>
+        <p:spPr>
+          <a:xfrm>
+            <a:off x="2145228" y="3532003"/>
+            <a:ext cx="546716" cy="128810"/>
+          </a:xfrm>
+          <a:prstGeom prst="rect">
+            <a:avLst/>
+          </a:prstGeom>
+          <a:solidFill>
+            <a:schemeClr val="accent1">
+              <a:lumMod val="75000"/>
+            </a:schemeClr>
+          </a:solidFill>
+          <a:ln>
+            <a:solidFill>
+              <a:schemeClr val="bg1"/>
+            </a:solidFill>
+          </a:ln>
+        </p:spPr>
+        <p:style>
+          <a:lnRef idx="2">
+            <a:schemeClr val="accent1">
+              <a:shade val="50000"/>
+            </a:schemeClr>
+          </a:lnRef>
+          <a:fillRef idx="1">
+            <a:schemeClr val="accent1"/>
+          </a:fillRef>
+          <a:effectRef idx="0">
+            <a:schemeClr val="accent1"/>
+          </a:effectRef>
+          <a:fontRef idx="minor">
+            <a:schemeClr val="lt1"/>
+          </a:fontRef>
+        </p:style>
+        <p:txBody>
+          <a:bodyPr rtlCol="0" anchor="ctr"/>
+          <a:lstStyle/>
+          <a:p>
+            <a:pPr algn="ctr"/>
+            <a:endParaRPr lang="ko-KR" altLang="en-US"/>
+          </a:p>
+        </p:txBody>
+      </p:sp>
+      <p:sp>
+        <p:nvSpPr>
+          <p:cNvPr id="85" name="직사각형 84">
+            <a:extLst>
+              <a:ext uri="{FF2B5EF4-FFF2-40B4-BE49-F238E27FC236}">
+                <a16:creationId xmlns:a16="http://schemas.microsoft.com/office/drawing/2014/main" id="{369DF6E5-BE65-4EFD-94FA-F57066FA3FA4}"/>
+              </a:ext>
+            </a:extLst>
+          </p:cNvPr>
+          <p:cNvSpPr/>
+          <p:nvPr/>
+        </p:nvSpPr>
+        <p:spPr>
+          <a:xfrm>
+            <a:off x="1546732" y="4048569"/>
+            <a:ext cx="546716" cy="128810"/>
+          </a:xfrm>
+          <a:prstGeom prst="rect">
+            <a:avLst/>
+          </a:prstGeom>
+          <a:solidFill>
+            <a:schemeClr val="accent1">
+              <a:lumMod val="75000"/>
+            </a:schemeClr>
+          </a:solidFill>
+          <a:ln>
+            <a:solidFill>
+              <a:schemeClr val="bg1"/>
+            </a:solidFill>
+          </a:ln>
+        </p:spPr>
+        <p:style>
+          <a:lnRef idx="2">
+            <a:schemeClr val="accent1">
+              <a:shade val="50000"/>
+            </a:schemeClr>
+          </a:lnRef>
+          <a:fillRef idx="1">
+            <a:schemeClr val="accent1"/>
+          </a:fillRef>
+          <a:effectRef idx="0">
+            <a:schemeClr val="accent1"/>
+          </a:effectRef>
+          <a:fontRef idx="minor">
+            <a:schemeClr val="lt1"/>
+          </a:fontRef>
+        </p:style>
+        <p:txBody>
+          <a:bodyPr rtlCol="0" anchor="ctr"/>
+          <a:lstStyle/>
+          <a:p>
+            <a:pPr algn="ctr"/>
+            <a:endParaRPr lang="ko-KR" altLang="en-US"/>
+          </a:p>
+        </p:txBody>
+      </p:sp>
+      <p:sp>
+        <p:nvSpPr>
+          <p:cNvPr id="86" name="직사각형 85">
+            <a:extLst>
+              <a:ext uri="{FF2B5EF4-FFF2-40B4-BE49-F238E27FC236}">
+                <a16:creationId xmlns:a16="http://schemas.microsoft.com/office/drawing/2014/main" id="{A31721A1-D49D-49C9-A734-6100F9D2B6AC}"/>
+              </a:ext>
+            </a:extLst>
+          </p:cNvPr>
+          <p:cNvSpPr/>
+          <p:nvPr/>
+        </p:nvSpPr>
+        <p:spPr>
+          <a:xfrm>
+            <a:off x="932277" y="3660324"/>
+            <a:ext cx="546716" cy="128810"/>
+          </a:xfrm>
+          <a:prstGeom prst="rect">
+            <a:avLst/>
+          </a:prstGeom>
+          <a:solidFill>
+            <a:schemeClr val="accent1">
+              <a:lumMod val="75000"/>
+            </a:schemeClr>
+          </a:solidFill>
+          <a:ln>
+            <a:solidFill>
+              <a:schemeClr val="bg1"/>
+            </a:solidFill>
+          </a:ln>
+        </p:spPr>
+        <p:style>
+          <a:lnRef idx="2">
+            <a:schemeClr val="accent1">
+              <a:shade val="50000"/>
+            </a:schemeClr>
+          </a:lnRef>
+          <a:fillRef idx="1">
+            <a:schemeClr val="accent1"/>
+          </a:fillRef>
+          <a:effectRef idx="0">
+            <a:schemeClr val="accent1"/>
+          </a:effectRef>
+          <a:fontRef idx="minor">
+            <a:schemeClr val="lt1"/>
+          </a:fontRef>
+        </p:style>
+        <p:txBody>
+          <a:bodyPr rtlCol="0" anchor="ctr"/>
+          <a:lstStyle/>
+          <a:p>
+            <a:pPr algn="ctr"/>
+            <a:endParaRPr lang="ko-KR" altLang="en-US"/>
+          </a:p>
+        </p:txBody>
+      </p:sp>
+      <p:sp>
+        <p:nvSpPr>
+          <p:cNvPr id="87" name="직사각형 86">
+            <a:extLst>
+              <a:ext uri="{FF2B5EF4-FFF2-40B4-BE49-F238E27FC236}">
+                <a16:creationId xmlns:a16="http://schemas.microsoft.com/office/drawing/2014/main" id="{AE674B68-684E-4FE4-9CC7-C9121B9FEA41}"/>
+              </a:ext>
+            </a:extLst>
+          </p:cNvPr>
+          <p:cNvSpPr/>
+          <p:nvPr/>
+        </p:nvSpPr>
+        <p:spPr>
+          <a:xfrm>
+            <a:off x="480934" y="3357195"/>
+            <a:ext cx="546716" cy="128810"/>
+          </a:xfrm>
+          <a:prstGeom prst="rect">
+            <a:avLst/>
+          </a:prstGeom>
+          <a:solidFill>
+            <a:schemeClr val="accent1">
+              <a:lumMod val="75000"/>
+            </a:schemeClr>
+          </a:solidFill>
+          <a:ln>
+            <a:solidFill>
+              <a:schemeClr val="bg1"/>
+            </a:solidFill>
+          </a:ln>
+        </p:spPr>
+        <p:style>
+          <a:lnRef idx="2">
+            <a:schemeClr val="accent1">
+              <a:shade val="50000"/>
+            </a:schemeClr>
+          </a:lnRef>
+          <a:fillRef idx="1">
+            <a:schemeClr val="accent1"/>
+          </a:fillRef>
+          <a:effectRef idx="0">
+            <a:schemeClr val="accent1"/>
+          </a:effectRef>
+          <a:fontRef idx="minor">
+            <a:schemeClr val="lt1"/>
+          </a:fontRef>
+        </p:style>
+        <p:txBody>
+          <a:bodyPr rtlCol="0" anchor="ctr"/>
+          <a:lstStyle/>
+          <a:p>
+            <a:pPr algn="ctr"/>
+            <a:endParaRPr lang="ko-KR" altLang="en-US"/>
+          </a:p>
+        </p:txBody>
+      </p:sp>
+      <p:sp>
+        <p:nvSpPr>
+          <p:cNvPr id="88" name="직사각형 87">
+            <a:extLst>
+              <a:ext uri="{FF2B5EF4-FFF2-40B4-BE49-F238E27FC236}">
+                <a16:creationId xmlns:a16="http://schemas.microsoft.com/office/drawing/2014/main" id="{80372125-5CF3-4BE4-B548-DF2A1126DB1B}"/>
+              </a:ext>
+            </a:extLst>
+          </p:cNvPr>
+          <p:cNvSpPr/>
+          <p:nvPr/>
+        </p:nvSpPr>
+        <p:spPr>
+          <a:xfrm>
+            <a:off x="1032174" y="2899843"/>
+            <a:ext cx="546716" cy="128810"/>
+          </a:xfrm>
+          <a:prstGeom prst="rect">
+            <a:avLst/>
+          </a:prstGeom>
+          <a:solidFill>
+            <a:schemeClr val="accent1">
+              <a:lumMod val="75000"/>
+            </a:schemeClr>
+          </a:solidFill>
+          <a:ln>
+            <a:solidFill>
+              <a:schemeClr val="bg1"/>
+            </a:solidFill>
+          </a:ln>
+        </p:spPr>
+        <p:style>
+          <a:lnRef idx="2">
+            <a:schemeClr val="accent1">
+              <a:shade val="50000"/>
+            </a:schemeClr>
+          </a:lnRef>
+          <a:fillRef idx="1">
+            <a:schemeClr val="accent1"/>
+          </a:fillRef>
+          <a:effectRef idx="0">
+            <a:schemeClr val="accent1"/>
+          </a:effectRef>
+          <a:fontRef idx="minor">
+            <a:schemeClr val="lt1"/>
+          </a:fontRef>
+        </p:style>
+        <p:txBody>
+          <a:bodyPr rtlCol="0" anchor="ctr"/>
+          <a:lstStyle/>
+          <a:p>
+            <a:pPr algn="ctr"/>
+            <a:endParaRPr lang="ko-KR" altLang="en-US"/>
+          </a:p>
+        </p:txBody>
+      </p:sp>
+      <p:sp>
+        <p:nvSpPr>
+          <p:cNvPr id="89" name="직사각형 88">
+            <a:extLst>
+              <a:ext uri="{FF2B5EF4-FFF2-40B4-BE49-F238E27FC236}">
+                <a16:creationId xmlns:a16="http://schemas.microsoft.com/office/drawing/2014/main" id="{FBEAD535-A986-48EF-BD1D-60ABD5F2F0FC}"/>
+              </a:ext>
+            </a:extLst>
+          </p:cNvPr>
+          <p:cNvSpPr/>
+          <p:nvPr/>
+        </p:nvSpPr>
+        <p:spPr>
+          <a:xfrm>
+            <a:off x="1828629" y="2727502"/>
+            <a:ext cx="546716" cy="128810"/>
+          </a:xfrm>
+          <a:prstGeom prst="rect">
+            <a:avLst/>
+          </a:prstGeom>
+          <a:solidFill>
+            <a:schemeClr val="accent1">
+              <a:lumMod val="75000"/>
+            </a:schemeClr>
+          </a:solidFill>
+          <a:ln>
+            <a:solidFill>
+              <a:schemeClr val="bg1"/>
+            </a:solidFill>
+          </a:ln>
+        </p:spPr>
+        <p:style>
+          <a:lnRef idx="2">
+            <a:schemeClr val="accent1">
+              <a:shade val="50000"/>
+            </a:schemeClr>
+          </a:lnRef>
+          <a:fillRef idx="1">
+            <a:schemeClr val="accent1"/>
+          </a:fillRef>
+          <a:effectRef idx="0">
+            <a:schemeClr val="accent1"/>
+          </a:effectRef>
+          <a:fontRef idx="minor">
+            <a:schemeClr val="lt1"/>
+          </a:fontRef>
+        </p:style>
+        <p:txBody>
+          <a:bodyPr rtlCol="0" anchor="ctr"/>
+          <a:lstStyle/>
+          <a:p>
+            <a:pPr algn="ctr"/>
+            <a:endParaRPr lang="ko-KR" altLang="en-US"/>
+          </a:p>
+        </p:txBody>
+      </p:sp>
+      <p:sp>
+        <p:nvSpPr>
+          <p:cNvPr id="90" name="직사각형 89">
+            <a:extLst>
+              <a:ext uri="{FF2B5EF4-FFF2-40B4-BE49-F238E27FC236}">
+                <a16:creationId xmlns:a16="http://schemas.microsoft.com/office/drawing/2014/main" id="{93C877CE-E4AF-4B0F-BA72-4233F04B753A}"/>
+              </a:ext>
+            </a:extLst>
+          </p:cNvPr>
+          <p:cNvSpPr/>
+          <p:nvPr/>
+        </p:nvSpPr>
+        <p:spPr>
+          <a:xfrm>
+            <a:off x="2681007" y="2937280"/>
+            <a:ext cx="546716" cy="128810"/>
+          </a:xfrm>
+          <a:prstGeom prst="rect">
+            <a:avLst/>
+          </a:prstGeom>
+          <a:solidFill>
+            <a:schemeClr val="accent1">
+              <a:lumMod val="75000"/>
+            </a:schemeClr>
+          </a:solidFill>
+          <a:ln>
+            <a:solidFill>
+              <a:schemeClr val="bg1"/>
+            </a:solidFill>
+          </a:ln>
+        </p:spPr>
+        <p:style>
+          <a:lnRef idx="2">
+            <a:schemeClr val="accent1">
+              <a:shade val="50000"/>
+            </a:schemeClr>
+          </a:lnRef>
+          <a:fillRef idx="1">
+            <a:schemeClr val="accent1"/>
+          </a:fillRef>
+          <a:effectRef idx="0">
+            <a:schemeClr val="accent1"/>
+          </a:effectRef>
+          <a:fontRef idx="minor">
+            <a:schemeClr val="lt1"/>
+          </a:fontRef>
+        </p:style>
+        <p:txBody>
+          <a:bodyPr rtlCol="0" anchor="ctr"/>
+          <a:lstStyle/>
+          <a:p>
+            <a:pPr algn="ctr"/>
+            <a:endParaRPr lang="ko-KR" altLang="en-US"/>
+          </a:p>
+        </p:txBody>
+      </p:sp>
+      <p:sp>
+        <p:nvSpPr>
+          <p:cNvPr id="91" name="직사각형 90">
+            <a:extLst>
+              <a:ext uri="{FF2B5EF4-FFF2-40B4-BE49-F238E27FC236}">
+                <a16:creationId xmlns:a16="http://schemas.microsoft.com/office/drawing/2014/main" id="{2C553236-A81C-4C9F-A7F2-8F043C6C3BBE}"/>
+              </a:ext>
+            </a:extLst>
+          </p:cNvPr>
+          <p:cNvSpPr/>
+          <p:nvPr/>
+        </p:nvSpPr>
+        <p:spPr>
+          <a:xfrm>
+            <a:off x="3600431" y="2776060"/>
+            <a:ext cx="546716" cy="128810"/>
+          </a:xfrm>
+          <a:prstGeom prst="rect">
+            <a:avLst/>
+          </a:prstGeom>
+          <a:solidFill>
+            <a:schemeClr val="accent1">
+              <a:lumMod val="75000"/>
+            </a:schemeClr>
+          </a:solidFill>
+          <a:ln>
+            <a:solidFill>
+              <a:schemeClr val="bg1"/>
+            </a:solidFill>
+          </a:ln>
+        </p:spPr>
+        <p:style>
+          <a:lnRef idx="2">
+            <a:schemeClr val="accent1">
+              <a:shade val="50000"/>
+            </a:schemeClr>
+          </a:lnRef>
+          <a:fillRef idx="1">
+            <a:schemeClr val="accent1"/>
+          </a:fillRef>
+          <a:effectRef idx="0">
+            <a:schemeClr val="accent1"/>
+          </a:effectRef>
+          <a:fontRef idx="minor">
+            <a:schemeClr val="lt1"/>
+          </a:fontRef>
+        </p:style>
+        <p:txBody>
+          <a:bodyPr rtlCol="0" anchor="ctr"/>
+          <a:lstStyle/>
+          <a:p>
+            <a:pPr algn="ctr"/>
+            <a:endParaRPr lang="ko-KR" altLang="en-US"/>
+          </a:p>
+        </p:txBody>
+      </p:sp>
+      <p:sp>
+        <p:nvSpPr>
+          <p:cNvPr id="92" name="직사각형 91">
+            <a:extLst>
+              <a:ext uri="{FF2B5EF4-FFF2-40B4-BE49-F238E27FC236}">
+                <a16:creationId xmlns:a16="http://schemas.microsoft.com/office/drawing/2014/main" id="{12CEE06E-8B9F-4BB1-9EEB-9862DE2D2DA1}"/>
+              </a:ext>
+            </a:extLst>
+          </p:cNvPr>
+          <p:cNvSpPr/>
+          <p:nvPr/>
+        </p:nvSpPr>
+        <p:spPr>
+          <a:xfrm>
+            <a:off x="4261693" y="3070468"/>
+            <a:ext cx="905553" cy="128810"/>
+          </a:xfrm>
+          <a:prstGeom prst="rect">
+            <a:avLst/>
+          </a:prstGeom>
+          <a:solidFill>
+            <a:schemeClr val="bg2">
+              <a:lumMod val="75000"/>
+            </a:schemeClr>
+          </a:solidFill>
+          <a:ln>
+            <a:solidFill>
+              <a:schemeClr val="bg1"/>
+            </a:solidFill>
+          </a:ln>
+        </p:spPr>
+        <p:style>
+          <a:lnRef idx="2">
+            <a:schemeClr val="accent1">
+              <a:shade val="50000"/>
+            </a:schemeClr>
+          </a:lnRef>
+          <a:fillRef idx="1">
+            <a:schemeClr val="accent1"/>
+          </a:fillRef>
+          <a:effectRef idx="0">
+            <a:schemeClr val="accent1"/>
+          </a:effectRef>
+          <a:fontRef idx="minor">
+            <a:schemeClr val="lt1"/>
+          </a:fontRef>
+        </p:style>
+        <p:txBody>
+          <a:bodyPr rtlCol="0" anchor="ctr"/>
+          <a:lstStyle/>
+          <a:p>
+            <a:pPr algn="ctr"/>
+            <a:endParaRPr lang="ko-KR" altLang="en-US"/>
+          </a:p>
+        </p:txBody>
+      </p:sp>
+      <p:sp>
+        <p:nvSpPr>
+          <p:cNvPr id="93" name="직사각형 92">
+            <a:extLst>
+              <a:ext uri="{FF2B5EF4-FFF2-40B4-BE49-F238E27FC236}">
+                <a16:creationId xmlns:a16="http://schemas.microsoft.com/office/drawing/2014/main" id="{308C4508-0DE6-4375-A23F-9EE1C7B6F0D6}"/>
+              </a:ext>
+            </a:extLst>
+          </p:cNvPr>
+          <p:cNvSpPr/>
+          <p:nvPr/>
+        </p:nvSpPr>
+        <p:spPr>
+          <a:xfrm>
+            <a:off x="6517105" y="2508267"/>
+            <a:ext cx="4862383" cy="4017254"/>
+          </a:xfrm>
+          <a:prstGeom prst="rect">
+            <a:avLst/>
+          </a:prstGeom>
+          <a:solidFill>
+            <a:schemeClr val="bg1">
+              <a:lumMod val="95000"/>
+            </a:schemeClr>
+          </a:solidFill>
+          <a:ln w="28575">
+            <a:solidFill>
+              <a:schemeClr val="tx1"/>
+            </a:solidFill>
+          </a:ln>
+        </p:spPr>
+        <p:style>
+          <a:lnRef idx="2">
+            <a:schemeClr val="accent1">
+              <a:shade val="50000"/>
+            </a:schemeClr>
+          </a:lnRef>
+          <a:fillRef idx="1">
+            <a:schemeClr val="accent1"/>
+          </a:fillRef>
+          <a:effectRef idx="0">
+            <a:schemeClr val="accent1"/>
+          </a:effectRef>
+          <a:fontRef idx="minor">
+            <a:schemeClr val="lt1"/>
+          </a:fontRef>
+        </p:style>
+        <p:txBody>
+          <a:bodyPr rtlCol="0" anchor="ctr"/>
+          <a:lstStyle/>
+          <a:p>
+            <a:pPr algn="ctr"/>
+            <a:endParaRPr lang="ko-KR" altLang="en-US" dirty="0"/>
+          </a:p>
+        </p:txBody>
+      </p:sp>
+      <p:sp>
+        <p:nvSpPr>
+          <p:cNvPr id="94" name="직사각형 93">
+            <a:extLst>
+              <a:ext uri="{FF2B5EF4-FFF2-40B4-BE49-F238E27FC236}">
+                <a16:creationId xmlns:a16="http://schemas.microsoft.com/office/drawing/2014/main" id="{A57EDCF0-4527-4F95-A751-3E818B2EA14E}"/>
+              </a:ext>
+            </a:extLst>
+          </p:cNvPr>
+          <p:cNvSpPr/>
+          <p:nvPr/>
+        </p:nvSpPr>
+        <p:spPr>
+          <a:xfrm>
+            <a:off x="6536453" y="2508267"/>
+            <a:ext cx="275560" cy="298738"/>
+          </a:xfrm>
+          <a:prstGeom prst="rect">
+            <a:avLst/>
+          </a:prstGeom>
+          <a:solidFill>
+            <a:schemeClr val="accent2"/>
+          </a:solidFill>
+          <a:ln>
+            <a:solidFill>
+              <a:schemeClr val="bg1"/>
+            </a:solidFill>
+          </a:ln>
+        </p:spPr>
+        <p:style>
+          <a:lnRef idx="2">
+            <a:schemeClr val="accent1">
+              <a:shade val="50000"/>
+            </a:schemeClr>
+          </a:lnRef>
+          <a:fillRef idx="1">
+            <a:schemeClr val="accent1"/>
+          </a:fillRef>
+          <a:effectRef idx="0">
+            <a:schemeClr val="accent1"/>
+          </a:effectRef>
+          <a:fontRef idx="minor">
+            <a:schemeClr val="lt1"/>
+          </a:fontRef>
+        </p:style>
+        <p:txBody>
+          <a:bodyPr rtlCol="0" anchor="ctr"/>
+          <a:lstStyle/>
+          <a:p>
+            <a:pPr algn="ctr"/>
+            <a:r>
+              <a:rPr lang="en-US" altLang="ko-KR" dirty="0"/>
+              <a:t>2</a:t>
+            </a:r>
+            <a:endParaRPr lang="ko-KR" altLang="en-US" dirty="0"/>
+          </a:p>
+        </p:txBody>
+      </p:sp>
+      <p:sp>
+        <p:nvSpPr>
+          <p:cNvPr id="95" name="직사각형 94">
+            <a:extLst>
+              <a:ext uri="{FF2B5EF4-FFF2-40B4-BE49-F238E27FC236}">
+                <a16:creationId xmlns:a16="http://schemas.microsoft.com/office/drawing/2014/main" id="{606E01FD-17FA-4C5F-AE0B-93476B1AAC91}"/>
+              </a:ext>
+            </a:extLst>
+          </p:cNvPr>
+          <p:cNvSpPr/>
+          <p:nvPr/>
+        </p:nvSpPr>
+        <p:spPr>
+          <a:xfrm>
+            <a:off x="7333098" y="4871323"/>
+            <a:ext cx="744787" cy="128810"/>
+          </a:xfrm>
+          <a:prstGeom prst="rect">
+            <a:avLst/>
+          </a:prstGeom>
+          <a:solidFill>
+            <a:schemeClr val="bg2"/>
+          </a:solidFill>
+          <a:ln>
+            <a:solidFill>
+              <a:schemeClr val="tx1"/>
+            </a:solidFill>
+            <a:prstDash val="sysDot"/>
+          </a:ln>
+        </p:spPr>
+        <p:style>
+          <a:lnRef idx="2">
+            <a:schemeClr val="accent1">
+              <a:shade val="50000"/>
+            </a:schemeClr>
+          </a:lnRef>
+          <a:fillRef idx="1">
+            <a:schemeClr val="accent1"/>
+          </a:fillRef>
+          <a:effectRef idx="0">
+            <a:schemeClr val="accent1"/>
+          </a:effectRef>
+          <a:fontRef idx="minor">
+            <a:schemeClr val="lt1"/>
+          </a:fontRef>
+        </p:style>
+        <p:txBody>
+          <a:bodyPr rtlCol="0" anchor="ctr"/>
+          <a:lstStyle/>
+          <a:p>
+            <a:pPr algn="ctr"/>
+            <a:endParaRPr lang="ko-KR" altLang="en-US"/>
+          </a:p>
+        </p:txBody>
+      </p:sp>
+      <p:sp>
+        <p:nvSpPr>
+          <p:cNvPr id="96" name="직사각형 95">
+            <a:extLst>
+              <a:ext uri="{FF2B5EF4-FFF2-40B4-BE49-F238E27FC236}">
+                <a16:creationId xmlns:a16="http://schemas.microsoft.com/office/drawing/2014/main" id="{6CDD3859-EF37-499E-A9A4-5BABF9EAE87D}"/>
+              </a:ext>
+            </a:extLst>
+          </p:cNvPr>
+          <p:cNvSpPr/>
+          <p:nvPr/>
+        </p:nvSpPr>
+        <p:spPr>
+          <a:xfrm>
+            <a:off x="9988426" y="4593296"/>
+            <a:ext cx="447995" cy="128810"/>
+          </a:xfrm>
+          <a:prstGeom prst="rect">
+            <a:avLst/>
+          </a:prstGeom>
+          <a:solidFill>
+            <a:schemeClr val="bg2"/>
+          </a:solidFill>
+          <a:ln>
+            <a:solidFill>
+              <a:schemeClr val="tx1"/>
+            </a:solidFill>
+            <a:prstDash val="sysDot"/>
+          </a:ln>
+        </p:spPr>
+        <p:style>
+          <a:lnRef idx="2">
+            <a:schemeClr val="accent1">
+              <a:shade val="50000"/>
+            </a:schemeClr>
+          </a:lnRef>
+          <a:fillRef idx="1">
+            <a:schemeClr val="accent1"/>
+          </a:fillRef>
+          <a:effectRef idx="0">
+            <a:schemeClr val="accent1"/>
+          </a:effectRef>
+          <a:fontRef idx="minor">
+            <a:schemeClr val="lt1"/>
+          </a:fontRef>
+        </p:style>
+        <p:txBody>
+          <a:bodyPr rtlCol="0" anchor="ctr"/>
+          <a:lstStyle/>
+          <a:p>
+            <a:pPr algn="ctr"/>
+            <a:endParaRPr lang="ko-KR" altLang="en-US"/>
+          </a:p>
+        </p:txBody>
+      </p:sp>
+      <p:sp>
+        <p:nvSpPr>
+          <p:cNvPr id="97" name="직사각형 96">
+            <a:extLst>
+              <a:ext uri="{FF2B5EF4-FFF2-40B4-BE49-F238E27FC236}">
+                <a16:creationId xmlns:a16="http://schemas.microsoft.com/office/drawing/2014/main" id="{3226AE05-A07F-4BEE-A573-2F5EF3B5BE5C}"/>
+              </a:ext>
+            </a:extLst>
+          </p:cNvPr>
+          <p:cNvSpPr/>
+          <p:nvPr/>
+        </p:nvSpPr>
+        <p:spPr>
+          <a:xfrm>
+            <a:off x="6674233" y="6224700"/>
+            <a:ext cx="905553" cy="128810"/>
+          </a:xfrm>
+          <a:prstGeom prst="rect">
+            <a:avLst/>
+          </a:prstGeom>
+          <a:solidFill>
+            <a:schemeClr val="bg2">
+              <a:lumMod val="75000"/>
+            </a:schemeClr>
+          </a:solidFill>
+          <a:ln>
+            <a:solidFill>
+              <a:schemeClr val="bg1"/>
+            </a:solidFill>
+          </a:ln>
+        </p:spPr>
+        <p:style>
+          <a:lnRef idx="2">
+            <a:schemeClr val="accent1">
+              <a:shade val="50000"/>
+            </a:schemeClr>
+          </a:lnRef>
+          <a:fillRef idx="1">
+            <a:schemeClr val="accent1"/>
+          </a:fillRef>
+          <a:effectRef idx="0">
+            <a:schemeClr val="accent1"/>
+          </a:effectRef>
+          <a:fontRef idx="minor">
+            <a:schemeClr val="lt1"/>
+          </a:fontRef>
+        </p:style>
+        <p:txBody>
+          <a:bodyPr rtlCol="0" anchor="ctr"/>
+          <a:lstStyle/>
+          <a:p>
+            <a:pPr algn="ctr"/>
+            <a:endParaRPr lang="ko-KR" altLang="en-US"/>
+          </a:p>
+        </p:txBody>
+      </p:sp>
+      <p:pic>
+        <p:nvPicPr>
+          <p:cNvPr id="98" name="그림 97" descr="텍스트이(가) 표시된 사진&#10;&#10;자동 생성된 설명">
+            <a:extLst>
+              <a:ext uri="{FF2B5EF4-FFF2-40B4-BE49-F238E27FC236}">
+                <a16:creationId xmlns:a16="http://schemas.microsoft.com/office/drawing/2014/main" id="{B7CC06D3-65FE-4229-8F7C-88A550E179A7}"/>
+              </a:ext>
+            </a:extLst>
+          </p:cNvPr>
+          <p:cNvPicPr>
+            <a:picLocks noChangeAspect="1"/>
+          </p:cNvPicPr>
+          <p:nvPr/>
+        </p:nvPicPr>
+        <p:blipFill>
+          <a:blip r:embed="rId2">
+            <a:extLst>
+              <a:ext uri="{28A0092B-C50C-407E-A947-70E740481C1C}">
+                <a14:useLocalDpi xmlns:a14="http://schemas.microsoft.com/office/drawing/2010/main" val="0"/>
+              </a:ext>
+            </a:extLst>
+          </a:blip>
+          <a:stretch>
+            <a:fillRect/>
+          </a:stretch>
+        </p:blipFill>
+        <p:spPr>
+          <a:xfrm flipH="1">
+            <a:off x="7070179" y="5790758"/>
+            <a:ext cx="433942" cy="433942"/>
+          </a:xfrm>
+          <a:prstGeom prst="rect">
+            <a:avLst/>
+          </a:prstGeom>
+        </p:spPr>
+      </p:pic>
+      <p:sp>
+        <p:nvSpPr>
+          <p:cNvPr id="99" name="나누기 기호 98">
+            <a:extLst>
+              <a:ext uri="{FF2B5EF4-FFF2-40B4-BE49-F238E27FC236}">
+                <a16:creationId xmlns:a16="http://schemas.microsoft.com/office/drawing/2014/main" id="{7E6128B2-29BA-496C-AB31-72016275150A}"/>
+              </a:ext>
+            </a:extLst>
+          </p:cNvPr>
+          <p:cNvSpPr/>
+          <p:nvPr/>
+        </p:nvSpPr>
+        <p:spPr>
+          <a:xfrm rot="5400000">
+            <a:off x="6735681" y="5492593"/>
+            <a:ext cx="433942" cy="379985"/>
+          </a:xfrm>
+          <a:prstGeom prst="mathDivide">
+            <a:avLst/>
+          </a:prstGeom>
+          <a:solidFill>
+            <a:srgbClr val="00B0F0"/>
+          </a:solidFill>
+          <a:ln>
+            <a:solidFill>
+              <a:schemeClr val="tx1"/>
+            </a:solidFill>
+          </a:ln>
+        </p:spPr>
+        <p:style>
+          <a:lnRef idx="2">
+            <a:schemeClr val="accent1">
+              <a:shade val="50000"/>
+            </a:schemeClr>
+          </a:lnRef>
+          <a:fillRef idx="1">
+            <a:schemeClr val="accent1"/>
+          </a:fillRef>
+          <a:effectRef idx="0">
+            <a:schemeClr val="accent1"/>
+          </a:effectRef>
+          <a:fontRef idx="minor">
+            <a:schemeClr val="lt1"/>
+          </a:fontRef>
+        </p:style>
+        <p:txBody>
+          <a:bodyPr rtlCol="0" anchor="ctr"/>
+          <a:lstStyle/>
+          <a:p>
+            <a:pPr algn="ctr"/>
+            <a:endParaRPr lang="ko-KR" altLang="en-US" dirty="0"/>
+          </a:p>
+        </p:txBody>
+      </p:sp>
+      <p:sp>
+        <p:nvSpPr>
+          <p:cNvPr id="100" name="직사각형 99">
+            <a:extLst>
+              <a:ext uri="{FF2B5EF4-FFF2-40B4-BE49-F238E27FC236}">
+                <a16:creationId xmlns:a16="http://schemas.microsoft.com/office/drawing/2014/main" id="{E84E0D46-28DA-4A6C-9889-FAF04631C135}"/>
+              </a:ext>
+            </a:extLst>
+          </p:cNvPr>
+          <p:cNvSpPr/>
+          <p:nvPr/>
+        </p:nvSpPr>
+        <p:spPr>
+          <a:xfrm>
+            <a:off x="6674233" y="4369319"/>
+            <a:ext cx="238818" cy="1855381"/>
+          </a:xfrm>
+          <a:prstGeom prst="rect">
+            <a:avLst/>
+          </a:prstGeom>
+          <a:solidFill>
+            <a:schemeClr val="bg2">
+              <a:lumMod val="75000"/>
+            </a:schemeClr>
+          </a:solidFill>
+          <a:ln>
+            <a:solidFill>
+              <a:schemeClr val="bg1"/>
+            </a:solidFill>
+          </a:ln>
+        </p:spPr>
+        <p:style>
+          <a:lnRef idx="2">
+            <a:schemeClr val="accent1">
+              <a:shade val="50000"/>
+            </a:schemeClr>
+          </a:lnRef>
+          <a:fillRef idx="1">
+            <a:schemeClr val="accent1"/>
+          </a:fillRef>
+          <a:effectRef idx="0">
+            <a:schemeClr val="accent1"/>
+          </a:effectRef>
+          <a:fontRef idx="minor">
+            <a:schemeClr val="lt1"/>
+          </a:fontRef>
+        </p:style>
+        <p:txBody>
+          <a:bodyPr rtlCol="0" anchor="ctr"/>
+          <a:lstStyle/>
+          <a:p>
+            <a:pPr algn="ctr"/>
+            <a:endParaRPr lang="ko-KR" altLang="en-US"/>
+          </a:p>
+        </p:txBody>
+      </p:sp>
+      <p:sp>
+        <p:nvSpPr>
+          <p:cNvPr id="101" name="직사각형 100">
+            <a:extLst>
+              <a:ext uri="{FF2B5EF4-FFF2-40B4-BE49-F238E27FC236}">
+                <a16:creationId xmlns:a16="http://schemas.microsoft.com/office/drawing/2014/main" id="{E9FB198E-D4DF-4B50-88A9-7738931BE8C2}"/>
+              </a:ext>
+            </a:extLst>
+          </p:cNvPr>
+          <p:cNvSpPr/>
+          <p:nvPr/>
+        </p:nvSpPr>
+        <p:spPr>
+          <a:xfrm>
+            <a:off x="8112227" y="4593296"/>
+            <a:ext cx="744787" cy="128810"/>
+          </a:xfrm>
+          <a:prstGeom prst="rect">
+            <a:avLst/>
+          </a:prstGeom>
+          <a:solidFill>
+            <a:schemeClr val="bg2"/>
+          </a:solidFill>
+          <a:ln>
+            <a:solidFill>
+              <a:schemeClr val="tx1"/>
+            </a:solidFill>
+            <a:prstDash val="sysDot"/>
+          </a:ln>
+        </p:spPr>
+        <p:style>
+          <a:lnRef idx="2">
+            <a:schemeClr val="accent1">
+              <a:shade val="50000"/>
+            </a:schemeClr>
+          </a:lnRef>
+          <a:fillRef idx="1">
+            <a:schemeClr val="accent1"/>
+          </a:fillRef>
+          <a:effectRef idx="0">
+            <a:schemeClr val="accent1"/>
+          </a:effectRef>
+          <a:fontRef idx="minor">
+            <a:schemeClr val="lt1"/>
+          </a:fontRef>
+        </p:style>
+        <p:txBody>
+          <a:bodyPr rtlCol="0" anchor="ctr"/>
+          <a:lstStyle/>
+          <a:p>
+            <a:pPr algn="ctr"/>
+            <a:endParaRPr lang="ko-KR" altLang="en-US"/>
+          </a:p>
+        </p:txBody>
+      </p:sp>
+      <p:sp>
+        <p:nvSpPr>
+          <p:cNvPr id="102" name="직사각형 101">
+            <a:extLst>
+              <a:ext uri="{FF2B5EF4-FFF2-40B4-BE49-F238E27FC236}">
+                <a16:creationId xmlns:a16="http://schemas.microsoft.com/office/drawing/2014/main" id="{EC57CC53-D522-46A2-B88F-102122E1AE5A}"/>
+              </a:ext>
+            </a:extLst>
+          </p:cNvPr>
+          <p:cNvSpPr/>
+          <p:nvPr/>
+        </p:nvSpPr>
+        <p:spPr>
+          <a:xfrm>
+            <a:off x="9113124" y="4657701"/>
+            <a:ext cx="744787" cy="128810"/>
+          </a:xfrm>
+          <a:prstGeom prst="rect">
+            <a:avLst/>
+          </a:prstGeom>
+          <a:solidFill>
+            <a:schemeClr val="bg2"/>
+          </a:solidFill>
+          <a:ln>
+            <a:solidFill>
+              <a:schemeClr val="tx1"/>
+            </a:solidFill>
+            <a:prstDash val="sysDot"/>
+          </a:ln>
+        </p:spPr>
+        <p:style>
+          <a:lnRef idx="2">
+            <a:schemeClr val="accent1">
+              <a:shade val="50000"/>
+            </a:schemeClr>
+          </a:lnRef>
+          <a:fillRef idx="1">
+            <a:schemeClr val="accent1"/>
+          </a:fillRef>
+          <a:effectRef idx="0">
+            <a:schemeClr val="accent1"/>
+          </a:effectRef>
+          <a:fontRef idx="minor">
+            <a:schemeClr val="lt1"/>
+          </a:fontRef>
+        </p:style>
+        <p:txBody>
+          <a:bodyPr rtlCol="0" anchor="ctr"/>
+          <a:lstStyle/>
+          <a:p>
+            <a:pPr algn="ctr"/>
+            <a:endParaRPr lang="ko-KR" altLang="en-US"/>
+          </a:p>
+        </p:txBody>
+      </p:sp>
+      <p:sp>
+        <p:nvSpPr>
+          <p:cNvPr id="103" name="직사각형 102">
+            <a:extLst>
+              <a:ext uri="{FF2B5EF4-FFF2-40B4-BE49-F238E27FC236}">
+                <a16:creationId xmlns:a16="http://schemas.microsoft.com/office/drawing/2014/main" id="{7E37633B-15FC-443F-B31C-C38B17CE353F}"/>
+              </a:ext>
+            </a:extLst>
+          </p:cNvPr>
+          <p:cNvSpPr/>
+          <p:nvPr/>
+        </p:nvSpPr>
+        <p:spPr>
+          <a:xfrm rot="10800000" flipV="1">
+            <a:off x="10566364" y="2582715"/>
+            <a:ext cx="637962" cy="446549"/>
+          </a:xfrm>
+          <a:prstGeom prst="rect">
+            <a:avLst/>
+          </a:prstGeom>
+          <a:solidFill>
+            <a:schemeClr val="accent5">
+              <a:lumMod val="20000"/>
+              <a:lumOff val="80000"/>
+            </a:schemeClr>
+          </a:solidFill>
+          <a:ln>
+            <a:solidFill>
+              <a:schemeClr val="bg1"/>
+            </a:solidFill>
+          </a:ln>
+        </p:spPr>
+        <p:style>
+          <a:lnRef idx="2">
+            <a:schemeClr val="accent1">
+              <a:shade val="50000"/>
+            </a:schemeClr>
+          </a:lnRef>
+          <a:fillRef idx="1">
+            <a:schemeClr val="accent1"/>
+          </a:fillRef>
+          <a:effectRef idx="0">
+            <a:schemeClr val="accent1"/>
+          </a:effectRef>
+          <a:fontRef idx="minor">
+            <a:schemeClr val="lt1"/>
+          </a:fontRef>
+        </p:style>
+        <p:txBody>
+          <a:bodyPr rtlCol="0" anchor="ctr"/>
+          <a:lstStyle/>
+          <a:p>
+            <a:pPr algn="ctr"/>
+            <a:r>
+              <a:rPr lang="en-US" altLang="ko-KR" b="1" dirty="0">
+                <a:solidFill>
+                  <a:schemeClr val="tx1"/>
+                </a:solidFill>
+              </a:rPr>
+              <a:t>Exit</a:t>
+            </a:r>
+            <a:endParaRPr lang="ko-KR" altLang="en-US" b="1" dirty="0">
+              <a:solidFill>
+                <a:schemeClr val="tx1"/>
+              </a:solidFill>
+            </a:endParaRPr>
+          </a:p>
+        </p:txBody>
+      </p:sp>
+      <p:sp>
+        <p:nvSpPr>
+          <p:cNvPr id="104" name="직사각형 103">
+            <a:extLst>
+              <a:ext uri="{FF2B5EF4-FFF2-40B4-BE49-F238E27FC236}">
+                <a16:creationId xmlns:a16="http://schemas.microsoft.com/office/drawing/2014/main" id="{1E29D548-F42E-496A-B8DD-D2A4ED30051D}"/>
+              </a:ext>
+            </a:extLst>
+          </p:cNvPr>
+          <p:cNvSpPr/>
+          <p:nvPr/>
+        </p:nvSpPr>
+        <p:spPr>
+          <a:xfrm>
+            <a:off x="10436421" y="4206858"/>
+            <a:ext cx="447995" cy="128810"/>
+          </a:xfrm>
+          <a:prstGeom prst="rect">
+            <a:avLst/>
+          </a:prstGeom>
+          <a:solidFill>
+            <a:schemeClr val="bg2"/>
+          </a:solidFill>
+          <a:ln>
+            <a:solidFill>
+              <a:schemeClr val="tx1"/>
+            </a:solidFill>
+            <a:prstDash val="sysDot"/>
+          </a:ln>
+        </p:spPr>
+        <p:style>
+          <a:lnRef idx="2">
+            <a:schemeClr val="accent1">
+              <a:shade val="50000"/>
+            </a:schemeClr>
+          </a:lnRef>
+          <a:fillRef idx="1">
+            <a:schemeClr val="accent1"/>
+          </a:fillRef>
+          <a:effectRef idx="0">
+            <a:schemeClr val="accent1"/>
+          </a:effectRef>
+          <a:fontRef idx="minor">
+            <a:schemeClr val="lt1"/>
+          </a:fontRef>
+        </p:style>
+        <p:txBody>
+          <a:bodyPr rtlCol="0" anchor="ctr"/>
+          <a:lstStyle/>
+          <a:p>
+            <a:pPr algn="ctr"/>
+            <a:endParaRPr lang="ko-KR" altLang="en-US"/>
+          </a:p>
+        </p:txBody>
+      </p:sp>
+      <p:sp>
+        <p:nvSpPr>
+          <p:cNvPr id="105" name="직사각형 104">
+            <a:extLst>
+              <a:ext uri="{FF2B5EF4-FFF2-40B4-BE49-F238E27FC236}">
+                <a16:creationId xmlns:a16="http://schemas.microsoft.com/office/drawing/2014/main" id="{EDBA0F16-7818-4CD4-9799-475A98C3D623}"/>
+              </a:ext>
+            </a:extLst>
+          </p:cNvPr>
+          <p:cNvSpPr/>
+          <p:nvPr/>
+        </p:nvSpPr>
+        <p:spPr>
+          <a:xfrm>
+            <a:off x="9857911" y="3939130"/>
+            <a:ext cx="447995" cy="128810"/>
+          </a:xfrm>
+          <a:prstGeom prst="rect">
+            <a:avLst/>
+          </a:prstGeom>
+          <a:solidFill>
+            <a:schemeClr val="bg2"/>
+          </a:solidFill>
+          <a:ln>
+            <a:solidFill>
+              <a:schemeClr val="tx1"/>
+            </a:solidFill>
+            <a:prstDash val="sysDot"/>
+          </a:ln>
+        </p:spPr>
+        <p:style>
+          <a:lnRef idx="2">
+            <a:schemeClr val="accent1">
+              <a:shade val="50000"/>
+            </a:schemeClr>
+          </a:lnRef>
+          <a:fillRef idx="1">
+            <a:schemeClr val="accent1"/>
+          </a:fillRef>
+          <a:effectRef idx="0">
+            <a:schemeClr val="accent1"/>
+          </a:effectRef>
+          <a:fontRef idx="minor">
+            <a:schemeClr val="lt1"/>
+          </a:fontRef>
+        </p:style>
+        <p:txBody>
+          <a:bodyPr rtlCol="0" anchor="ctr"/>
+          <a:lstStyle/>
+          <a:p>
+            <a:pPr algn="ctr"/>
+            <a:endParaRPr lang="ko-KR" altLang="en-US"/>
+          </a:p>
+        </p:txBody>
+      </p:sp>
+      <p:sp>
+        <p:nvSpPr>
+          <p:cNvPr id="106" name="직사각형 105">
+            <a:extLst>
+              <a:ext uri="{FF2B5EF4-FFF2-40B4-BE49-F238E27FC236}">
+                <a16:creationId xmlns:a16="http://schemas.microsoft.com/office/drawing/2014/main" id="{43191731-7E7E-4297-9E29-53349A81E367}"/>
+              </a:ext>
+            </a:extLst>
+          </p:cNvPr>
+          <p:cNvSpPr/>
+          <p:nvPr/>
+        </p:nvSpPr>
+        <p:spPr>
+          <a:xfrm>
+            <a:off x="9113124" y="3717234"/>
+            <a:ext cx="447995" cy="128810"/>
+          </a:xfrm>
+          <a:prstGeom prst="rect">
+            <a:avLst/>
+          </a:prstGeom>
+          <a:solidFill>
+            <a:schemeClr val="bg2"/>
+          </a:solidFill>
+          <a:ln>
+            <a:solidFill>
+              <a:schemeClr val="tx1"/>
+            </a:solidFill>
+            <a:prstDash val="sysDot"/>
+          </a:ln>
+        </p:spPr>
+        <p:style>
+          <a:lnRef idx="2">
+            <a:schemeClr val="accent1">
+              <a:shade val="50000"/>
+            </a:schemeClr>
+          </a:lnRef>
+          <a:fillRef idx="1">
+            <a:schemeClr val="accent1"/>
+          </a:fillRef>
+          <a:effectRef idx="0">
+            <a:schemeClr val="accent1"/>
+          </a:effectRef>
+          <a:fontRef idx="minor">
+            <a:schemeClr val="lt1"/>
+          </a:fontRef>
+        </p:style>
+        <p:txBody>
+          <a:bodyPr rtlCol="0" anchor="ctr"/>
+          <a:lstStyle/>
+          <a:p>
+            <a:pPr algn="ctr"/>
+            <a:endParaRPr lang="ko-KR" altLang="en-US"/>
+          </a:p>
+        </p:txBody>
+      </p:sp>
+      <p:sp>
+        <p:nvSpPr>
+          <p:cNvPr id="107" name="직사각형 106">
+            <a:extLst>
+              <a:ext uri="{FF2B5EF4-FFF2-40B4-BE49-F238E27FC236}">
+                <a16:creationId xmlns:a16="http://schemas.microsoft.com/office/drawing/2014/main" id="{4C289E5B-1C23-4D62-ABC6-A8AF4CC1B8AD}"/>
+              </a:ext>
+            </a:extLst>
+          </p:cNvPr>
+          <p:cNvSpPr/>
+          <p:nvPr/>
+        </p:nvSpPr>
+        <p:spPr>
+          <a:xfrm>
+            <a:off x="8303987" y="3497069"/>
+            <a:ext cx="546716" cy="128810"/>
+          </a:xfrm>
+          <a:prstGeom prst="rect">
+            <a:avLst/>
+          </a:prstGeom>
+          <a:solidFill>
+            <a:schemeClr val="bg2"/>
+          </a:solidFill>
+          <a:ln>
+            <a:solidFill>
+              <a:schemeClr val="tx1"/>
+            </a:solidFill>
+            <a:prstDash val="sysDot"/>
+          </a:ln>
+        </p:spPr>
+        <p:style>
+          <a:lnRef idx="2">
+            <a:schemeClr val="accent1">
+              <a:shade val="50000"/>
+            </a:schemeClr>
+          </a:lnRef>
+          <a:fillRef idx="1">
+            <a:schemeClr val="accent1"/>
+          </a:fillRef>
+          <a:effectRef idx="0">
+            <a:schemeClr val="accent1"/>
+          </a:effectRef>
+          <a:fontRef idx="minor">
+            <a:schemeClr val="lt1"/>
+          </a:fontRef>
+        </p:style>
+        <p:txBody>
+          <a:bodyPr rtlCol="0" anchor="ctr"/>
+          <a:lstStyle/>
+          <a:p>
+            <a:pPr algn="ctr"/>
+            <a:endParaRPr lang="ko-KR" altLang="en-US"/>
+          </a:p>
+        </p:txBody>
+      </p:sp>
+      <p:sp>
+        <p:nvSpPr>
+          <p:cNvPr id="108" name="직사각형 107">
+            <a:extLst>
+              <a:ext uri="{FF2B5EF4-FFF2-40B4-BE49-F238E27FC236}">
+                <a16:creationId xmlns:a16="http://schemas.microsoft.com/office/drawing/2014/main" id="{76BBA679-7522-4264-883D-526003487974}"/>
+              </a:ext>
+            </a:extLst>
+          </p:cNvPr>
+          <p:cNvSpPr/>
+          <p:nvPr/>
+        </p:nvSpPr>
+        <p:spPr>
+          <a:xfrm>
+            <a:off x="7705491" y="4013635"/>
+            <a:ext cx="546716" cy="128810"/>
+          </a:xfrm>
+          <a:prstGeom prst="rect">
+            <a:avLst/>
+          </a:prstGeom>
+          <a:solidFill>
+            <a:schemeClr val="bg2"/>
+          </a:solidFill>
+          <a:ln>
+            <a:solidFill>
+              <a:schemeClr val="tx1"/>
+            </a:solidFill>
+            <a:prstDash val="sysDot"/>
+          </a:ln>
+        </p:spPr>
+        <p:style>
+          <a:lnRef idx="2">
+            <a:schemeClr val="accent1">
+              <a:shade val="50000"/>
+            </a:schemeClr>
+          </a:lnRef>
+          <a:fillRef idx="1">
+            <a:schemeClr val="accent1"/>
+          </a:fillRef>
+          <a:effectRef idx="0">
+            <a:schemeClr val="accent1"/>
+          </a:effectRef>
+          <a:fontRef idx="minor">
+            <a:schemeClr val="lt1"/>
+          </a:fontRef>
+        </p:style>
+        <p:txBody>
+          <a:bodyPr rtlCol="0" anchor="ctr"/>
+          <a:lstStyle/>
+          <a:p>
+            <a:pPr algn="ctr"/>
+            <a:endParaRPr lang="ko-KR" altLang="en-US"/>
+          </a:p>
+        </p:txBody>
+      </p:sp>
+      <p:sp>
+        <p:nvSpPr>
+          <p:cNvPr id="109" name="직사각형 108">
+            <a:extLst>
+              <a:ext uri="{FF2B5EF4-FFF2-40B4-BE49-F238E27FC236}">
+                <a16:creationId xmlns:a16="http://schemas.microsoft.com/office/drawing/2014/main" id="{DBD025B8-33B2-4808-AA9A-CFE913D669E6}"/>
+              </a:ext>
+            </a:extLst>
+          </p:cNvPr>
+          <p:cNvSpPr/>
+          <p:nvPr/>
+        </p:nvSpPr>
+        <p:spPr>
+          <a:xfrm>
+            <a:off x="7091036" y="3625390"/>
+            <a:ext cx="546716" cy="128810"/>
+          </a:xfrm>
+          <a:prstGeom prst="rect">
+            <a:avLst/>
+          </a:prstGeom>
+          <a:solidFill>
+            <a:schemeClr val="bg2"/>
+          </a:solidFill>
+          <a:ln>
+            <a:solidFill>
+              <a:schemeClr val="tx1"/>
+            </a:solidFill>
+            <a:prstDash val="sysDot"/>
+          </a:ln>
+        </p:spPr>
+        <p:style>
+          <a:lnRef idx="2">
+            <a:schemeClr val="accent1">
+              <a:shade val="50000"/>
+            </a:schemeClr>
+          </a:lnRef>
+          <a:fillRef idx="1">
+            <a:schemeClr val="accent1"/>
+          </a:fillRef>
+          <a:effectRef idx="0">
+            <a:schemeClr val="accent1"/>
+          </a:effectRef>
+          <a:fontRef idx="minor">
+            <a:schemeClr val="lt1"/>
+          </a:fontRef>
+        </p:style>
+        <p:txBody>
+          <a:bodyPr rtlCol="0" anchor="ctr"/>
+          <a:lstStyle/>
+          <a:p>
+            <a:pPr algn="ctr"/>
+            <a:endParaRPr lang="ko-KR" altLang="en-US"/>
+          </a:p>
+        </p:txBody>
+      </p:sp>
+      <p:sp>
+        <p:nvSpPr>
+          <p:cNvPr id="110" name="직사각형 109">
+            <a:extLst>
+              <a:ext uri="{FF2B5EF4-FFF2-40B4-BE49-F238E27FC236}">
+                <a16:creationId xmlns:a16="http://schemas.microsoft.com/office/drawing/2014/main" id="{804FE53C-C525-4B11-8652-83839A1CB59E}"/>
+              </a:ext>
+            </a:extLst>
+          </p:cNvPr>
+          <p:cNvSpPr/>
+          <p:nvPr/>
+        </p:nvSpPr>
+        <p:spPr>
+          <a:xfrm>
+            <a:off x="6639693" y="3322261"/>
+            <a:ext cx="546716" cy="128810"/>
+          </a:xfrm>
+          <a:prstGeom prst="rect">
+            <a:avLst/>
+          </a:prstGeom>
+          <a:solidFill>
+            <a:schemeClr val="bg2"/>
+          </a:solidFill>
+          <a:ln>
+            <a:solidFill>
+              <a:schemeClr val="tx1"/>
+            </a:solidFill>
+            <a:prstDash val="sysDot"/>
+          </a:ln>
+        </p:spPr>
+        <p:style>
+          <a:lnRef idx="2">
+            <a:schemeClr val="accent1">
+              <a:shade val="50000"/>
+            </a:schemeClr>
+          </a:lnRef>
+          <a:fillRef idx="1">
+            <a:schemeClr val="accent1"/>
+          </a:fillRef>
+          <a:effectRef idx="0">
+            <a:schemeClr val="accent1"/>
+          </a:effectRef>
+          <a:fontRef idx="minor">
+            <a:schemeClr val="lt1"/>
+          </a:fontRef>
+        </p:style>
+        <p:txBody>
+          <a:bodyPr rtlCol="0" anchor="ctr"/>
+          <a:lstStyle/>
+          <a:p>
+            <a:pPr algn="ctr"/>
+            <a:endParaRPr lang="ko-KR" altLang="en-US"/>
+          </a:p>
+        </p:txBody>
+      </p:sp>
+      <p:sp>
+        <p:nvSpPr>
+          <p:cNvPr id="111" name="직사각형 110">
+            <a:extLst>
+              <a:ext uri="{FF2B5EF4-FFF2-40B4-BE49-F238E27FC236}">
+                <a16:creationId xmlns:a16="http://schemas.microsoft.com/office/drawing/2014/main" id="{D3F80FBE-F5A4-4640-8134-84F059DB56F9}"/>
+              </a:ext>
+            </a:extLst>
+          </p:cNvPr>
+          <p:cNvSpPr/>
+          <p:nvPr/>
+        </p:nvSpPr>
+        <p:spPr>
+          <a:xfrm>
+            <a:off x="7190933" y="2864909"/>
+            <a:ext cx="546716" cy="128810"/>
+          </a:xfrm>
+          <a:prstGeom prst="rect">
+            <a:avLst/>
+          </a:prstGeom>
+          <a:solidFill>
+            <a:schemeClr val="bg2"/>
+          </a:solidFill>
+          <a:ln>
+            <a:solidFill>
+              <a:schemeClr val="tx1"/>
+            </a:solidFill>
+            <a:prstDash val="sysDot"/>
+          </a:ln>
+        </p:spPr>
+        <p:style>
+          <a:lnRef idx="2">
+            <a:schemeClr val="accent1">
+              <a:shade val="50000"/>
+            </a:schemeClr>
+          </a:lnRef>
+          <a:fillRef idx="1">
+            <a:schemeClr val="accent1"/>
+          </a:fillRef>
+          <a:effectRef idx="0">
+            <a:schemeClr val="accent1"/>
+          </a:effectRef>
+          <a:fontRef idx="minor">
+            <a:schemeClr val="lt1"/>
+          </a:fontRef>
+        </p:style>
+        <p:txBody>
+          <a:bodyPr rtlCol="0" anchor="ctr"/>
+          <a:lstStyle/>
+          <a:p>
+            <a:pPr algn="ctr"/>
+            <a:endParaRPr lang="ko-KR" altLang="en-US"/>
+          </a:p>
+        </p:txBody>
+      </p:sp>
+      <p:sp>
+        <p:nvSpPr>
+          <p:cNvPr id="112" name="직사각형 111">
+            <a:extLst>
+              <a:ext uri="{FF2B5EF4-FFF2-40B4-BE49-F238E27FC236}">
+                <a16:creationId xmlns:a16="http://schemas.microsoft.com/office/drawing/2014/main" id="{2752EF82-A63A-42CA-8518-38C60EC83CCD}"/>
+              </a:ext>
+            </a:extLst>
+          </p:cNvPr>
+          <p:cNvSpPr/>
+          <p:nvPr/>
+        </p:nvSpPr>
+        <p:spPr>
+          <a:xfrm>
+            <a:off x="7987388" y="2692568"/>
+            <a:ext cx="546716" cy="128810"/>
+          </a:xfrm>
+          <a:prstGeom prst="rect">
+            <a:avLst/>
+          </a:prstGeom>
+          <a:solidFill>
+            <a:schemeClr val="bg2"/>
+          </a:solidFill>
+          <a:ln>
+            <a:solidFill>
+              <a:schemeClr val="tx1"/>
+            </a:solidFill>
+            <a:prstDash val="sysDot"/>
+          </a:ln>
+        </p:spPr>
+        <p:style>
+          <a:lnRef idx="2">
+            <a:schemeClr val="accent1">
+              <a:shade val="50000"/>
+            </a:schemeClr>
+          </a:lnRef>
+          <a:fillRef idx="1">
+            <a:schemeClr val="accent1"/>
+          </a:fillRef>
+          <a:effectRef idx="0">
+            <a:schemeClr val="accent1"/>
+          </a:effectRef>
+          <a:fontRef idx="minor">
+            <a:schemeClr val="lt1"/>
+          </a:fontRef>
+        </p:style>
+        <p:txBody>
+          <a:bodyPr rtlCol="0" anchor="ctr"/>
+          <a:lstStyle/>
+          <a:p>
+            <a:pPr algn="ctr"/>
+            <a:endParaRPr lang="ko-KR" altLang="en-US"/>
+          </a:p>
+        </p:txBody>
+      </p:sp>
+      <p:sp>
+        <p:nvSpPr>
+          <p:cNvPr id="113" name="직사각형 112">
+            <a:extLst>
+              <a:ext uri="{FF2B5EF4-FFF2-40B4-BE49-F238E27FC236}">
+                <a16:creationId xmlns:a16="http://schemas.microsoft.com/office/drawing/2014/main" id="{15F13E3A-39A0-4CD0-9B02-A11EEE4D2021}"/>
+              </a:ext>
+            </a:extLst>
+          </p:cNvPr>
+          <p:cNvSpPr/>
+          <p:nvPr/>
+        </p:nvSpPr>
+        <p:spPr>
+          <a:xfrm>
+            <a:off x="8839766" y="2902346"/>
+            <a:ext cx="546716" cy="128810"/>
+          </a:xfrm>
+          <a:prstGeom prst="rect">
+            <a:avLst/>
+          </a:prstGeom>
+          <a:solidFill>
+            <a:schemeClr val="bg2"/>
+          </a:solidFill>
+          <a:ln>
+            <a:solidFill>
+              <a:schemeClr val="tx1"/>
+            </a:solidFill>
+            <a:prstDash val="sysDot"/>
+          </a:ln>
+        </p:spPr>
+        <p:style>
+          <a:lnRef idx="2">
+            <a:schemeClr val="accent1">
+              <a:shade val="50000"/>
+            </a:schemeClr>
+          </a:lnRef>
+          <a:fillRef idx="1">
+            <a:schemeClr val="accent1"/>
+          </a:fillRef>
+          <a:effectRef idx="0">
+            <a:schemeClr val="accent1"/>
+          </a:effectRef>
+          <a:fontRef idx="minor">
+            <a:schemeClr val="lt1"/>
+          </a:fontRef>
+        </p:style>
+        <p:txBody>
+          <a:bodyPr rtlCol="0" anchor="ctr"/>
+          <a:lstStyle/>
+          <a:p>
+            <a:pPr algn="ctr"/>
+            <a:endParaRPr lang="ko-KR" altLang="en-US"/>
+          </a:p>
+        </p:txBody>
+      </p:sp>
+      <p:sp>
+        <p:nvSpPr>
+          <p:cNvPr id="114" name="직사각형 113">
+            <a:extLst>
+              <a:ext uri="{FF2B5EF4-FFF2-40B4-BE49-F238E27FC236}">
+                <a16:creationId xmlns:a16="http://schemas.microsoft.com/office/drawing/2014/main" id="{F6CFCD25-9644-4ED9-AFCC-3BE7229AB544}"/>
+              </a:ext>
+            </a:extLst>
+          </p:cNvPr>
+          <p:cNvSpPr/>
+          <p:nvPr/>
+        </p:nvSpPr>
+        <p:spPr>
+          <a:xfrm>
+            <a:off x="9759190" y="2741126"/>
+            <a:ext cx="546716" cy="128810"/>
+          </a:xfrm>
+          <a:prstGeom prst="rect">
+            <a:avLst/>
+          </a:prstGeom>
+          <a:solidFill>
+            <a:schemeClr val="bg2"/>
+          </a:solidFill>
+          <a:ln>
+            <a:solidFill>
+              <a:schemeClr val="tx1"/>
+            </a:solidFill>
+            <a:prstDash val="sysDot"/>
+          </a:ln>
+        </p:spPr>
+        <p:style>
+          <a:lnRef idx="2">
+            <a:schemeClr val="accent1">
+              <a:shade val="50000"/>
+            </a:schemeClr>
+          </a:lnRef>
+          <a:fillRef idx="1">
+            <a:schemeClr val="accent1"/>
+          </a:fillRef>
+          <a:effectRef idx="0">
+            <a:schemeClr val="accent1"/>
+          </a:effectRef>
+          <a:fontRef idx="minor">
+            <a:schemeClr val="lt1"/>
+          </a:fontRef>
+        </p:style>
+        <p:txBody>
+          <a:bodyPr rtlCol="0" anchor="ctr"/>
+          <a:lstStyle/>
+          <a:p>
+            <a:pPr algn="ctr"/>
+            <a:endParaRPr lang="ko-KR" altLang="en-US"/>
+          </a:p>
+        </p:txBody>
+      </p:sp>
+      <p:sp>
+        <p:nvSpPr>
+          <p:cNvPr id="115" name="직사각형 114">
+            <a:extLst>
+              <a:ext uri="{FF2B5EF4-FFF2-40B4-BE49-F238E27FC236}">
+                <a16:creationId xmlns:a16="http://schemas.microsoft.com/office/drawing/2014/main" id="{6F3BF438-2EF2-4223-B913-22D5BBB26B35}"/>
+              </a:ext>
+            </a:extLst>
+          </p:cNvPr>
+          <p:cNvSpPr/>
+          <p:nvPr/>
+        </p:nvSpPr>
+        <p:spPr>
+          <a:xfrm>
+            <a:off x="10420452" y="3035534"/>
+            <a:ext cx="905553" cy="128810"/>
+          </a:xfrm>
+          <a:prstGeom prst="rect">
+            <a:avLst/>
+          </a:prstGeom>
+          <a:solidFill>
+            <a:schemeClr val="bg2">
+              <a:lumMod val="75000"/>
+            </a:schemeClr>
+          </a:solidFill>
+          <a:ln>
+            <a:solidFill>
+              <a:schemeClr val="bg1"/>
+            </a:solidFill>
+          </a:ln>
+        </p:spPr>
+        <p:style>
+          <a:lnRef idx="2">
+            <a:schemeClr val="accent1">
+              <a:shade val="50000"/>
+            </a:schemeClr>
+          </a:lnRef>
+          <a:fillRef idx="1">
+            <a:schemeClr val="accent1"/>
+          </a:fillRef>
+          <a:effectRef idx="0">
+            <a:schemeClr val="accent1"/>
+          </a:effectRef>
+          <a:fontRef idx="minor">
+            <a:schemeClr val="lt1"/>
+          </a:fontRef>
+        </p:style>
+        <p:txBody>
+          <a:bodyPr rtlCol="0" anchor="ctr"/>
+          <a:lstStyle/>
+          <a:p>
+            <a:pPr algn="ctr"/>
+            <a:endParaRPr lang="ko-KR" altLang="en-US"/>
+          </a:p>
+        </p:txBody>
+      </p:sp>
+      <p:sp>
+        <p:nvSpPr>
+          <p:cNvPr id="116" name="TextBox 115">
+            <a:extLst>
+              <a:ext uri="{FF2B5EF4-FFF2-40B4-BE49-F238E27FC236}">
+                <a16:creationId xmlns:a16="http://schemas.microsoft.com/office/drawing/2014/main" id="{90BFE7F7-9FBC-4242-9E1D-E0509BB13901}"/>
+              </a:ext>
+            </a:extLst>
+          </p:cNvPr>
+          <p:cNvSpPr txBox="1"/>
+          <p:nvPr/>
+        </p:nvSpPr>
+        <p:spPr>
+          <a:xfrm>
+            <a:off x="5325225" y="3941439"/>
+            <a:ext cx="1119414" cy="523220"/>
+          </a:xfrm>
+          <a:prstGeom prst="rect">
+            <a:avLst/>
+          </a:prstGeom>
+          <a:noFill/>
+        </p:spPr>
+        <p:txBody>
+          <a:bodyPr wrap="square" rtlCol="0">
+            <a:spAutoFit/>
+          </a:bodyPr>
+          <a:lstStyle/>
+          <a:p>
+            <a:r>
+              <a:rPr lang="en-US" altLang="ko-KR" sz="1400" b="1" dirty="0"/>
+              <a:t>5</a:t>
+            </a:r>
+            <a:r>
+              <a:rPr lang="ko-KR" altLang="en-US" sz="1400" b="1" dirty="0" err="1"/>
+              <a:t>초뒤</a:t>
+            </a:r>
+            <a:r>
+              <a:rPr lang="ko-KR" altLang="en-US" sz="1400" b="1" dirty="0"/>
+              <a:t> 발판 사라짐</a:t>
+            </a:r>
+          </a:p>
+        </p:txBody>
+      </p:sp>
+      <p:sp>
+        <p:nvSpPr>
+          <p:cNvPr id="117" name="직사각형 116">
+            <a:extLst>
+              <a:ext uri="{FF2B5EF4-FFF2-40B4-BE49-F238E27FC236}">
+                <a16:creationId xmlns:a16="http://schemas.microsoft.com/office/drawing/2014/main" id="{6F982201-A9DA-4EEC-9A62-8F3EF3F13852}"/>
+              </a:ext>
+            </a:extLst>
+          </p:cNvPr>
+          <p:cNvSpPr/>
+          <p:nvPr/>
+        </p:nvSpPr>
+        <p:spPr>
+          <a:xfrm>
+            <a:off x="133841" y="1085766"/>
+            <a:ext cx="275560" cy="298738"/>
+          </a:xfrm>
+          <a:prstGeom prst="rect">
+            <a:avLst/>
+          </a:prstGeom>
+          <a:solidFill>
+            <a:schemeClr val="accent2"/>
+          </a:solidFill>
+          <a:ln>
+            <a:solidFill>
+              <a:schemeClr val="bg1"/>
+            </a:solidFill>
+          </a:ln>
+        </p:spPr>
+        <p:style>
+          <a:lnRef idx="2">
+            <a:schemeClr val="accent1">
+              <a:shade val="50000"/>
+            </a:schemeClr>
+          </a:lnRef>
+          <a:fillRef idx="1">
+            <a:schemeClr val="accent1"/>
+          </a:fillRef>
+          <a:effectRef idx="0">
+            <a:schemeClr val="accent1"/>
+          </a:effectRef>
+          <a:fontRef idx="minor">
+            <a:schemeClr val="lt1"/>
+          </a:fontRef>
+        </p:style>
+        <p:txBody>
+          <a:bodyPr rtlCol="0" anchor="ctr"/>
+          <a:lstStyle/>
+          <a:p>
+            <a:pPr algn="ctr"/>
+            <a:r>
+              <a:rPr lang="en-US" altLang="ko-KR" dirty="0"/>
+              <a:t>2</a:t>
+            </a:r>
+            <a:endParaRPr lang="ko-KR" altLang="en-US" dirty="0"/>
+          </a:p>
+        </p:txBody>
+      </p:sp>
+      <p:sp>
+        <p:nvSpPr>
+          <p:cNvPr id="118" name="TextBox 117">
+            <a:extLst>
+              <a:ext uri="{FF2B5EF4-FFF2-40B4-BE49-F238E27FC236}">
+                <a16:creationId xmlns:a16="http://schemas.microsoft.com/office/drawing/2014/main" id="{621A40B1-EDBC-4440-8F1B-7C3F63F6D0DB}"/>
+              </a:ext>
+            </a:extLst>
+          </p:cNvPr>
+          <p:cNvSpPr txBox="1"/>
+          <p:nvPr/>
+        </p:nvSpPr>
+        <p:spPr>
+          <a:xfrm>
+            <a:off x="430082" y="1098241"/>
+            <a:ext cx="3067071" cy="738664"/>
+          </a:xfrm>
+          <a:prstGeom prst="rect">
+            <a:avLst/>
+          </a:prstGeom>
+          <a:noFill/>
+        </p:spPr>
+        <p:txBody>
+          <a:bodyPr wrap="square" rtlCol="0">
+            <a:spAutoFit/>
+          </a:bodyPr>
+          <a:lstStyle/>
+          <a:p>
+            <a:r>
+              <a:rPr lang="ko-KR" altLang="en-US" sz="1400" b="1" dirty="0"/>
+              <a:t>투명해 보이지않을 뿐이지 줄타기는 여전히 가능한 상태</a:t>
+            </a:r>
+            <a:r>
+              <a:rPr lang="en-US" altLang="ko-KR" sz="1400" b="1" dirty="0"/>
+              <a:t>,</a:t>
+            </a:r>
+            <a:r>
+              <a:rPr lang="ko-KR" altLang="en-US" sz="1400" b="1" dirty="0"/>
+              <a:t> 출구까지 이동하면 클리어</a:t>
+            </a:r>
+          </a:p>
+        </p:txBody>
+      </p:sp>
+    </p:spTree>
+    <p:extLst>
+      <p:ext uri="{BB962C8B-B14F-4D97-AF65-F5344CB8AC3E}">
+        <p14:creationId xmlns:p14="http://schemas.microsoft.com/office/powerpoint/2010/main" val="2044329365"/>
+      </p:ext>
+    </p:extLst>
+  </p:cSld>
+  <p:clrMapOvr>
+    <a:masterClrMapping/>
+  </p:clrMapOvr>
+</p:sld>
+</file>
+
+<file path=ppt/slides/slide4.xml><?xml version="1.0" encoding="utf-8"?>
+<p:sld xmlns:a="http://schemas.openxmlformats.org/drawingml/2006/main" xmlns:r="http://schemas.openxmlformats.org/officeDocument/2006/relationships" xmlns:p="http://schemas.openxmlformats.org/presentationml/2006/main">
+  <p:cSld>
+    <p:spTree>
+      <p:nvGrpSpPr>
+        <p:cNvPr id="1" name=""/>
+        <p:cNvGrpSpPr/>
+        <p:nvPr/>
+      </p:nvGrpSpPr>
+      <p:grpSpPr>
+        <a:xfrm>
+          <a:off x="0" y="0"/>
+          <a:ext cx="0" cy="0"/>
+          <a:chOff x="0" y="0"/>
+          <a:chExt cx="0" cy="0"/>
+        </a:xfrm>
+      </p:grpSpPr>
+      <p:sp>
+        <p:nvSpPr>
+          <p:cNvPr id="3" name="직사각형 2">
+            <a:extLst>
+              <a:ext uri="{FF2B5EF4-FFF2-40B4-BE49-F238E27FC236}">
+                <a16:creationId xmlns:a16="http://schemas.microsoft.com/office/drawing/2014/main" id="{5D6C3E00-A08F-43AE-890C-9C57367E8BEA}"/>
+              </a:ext>
+            </a:extLst>
+          </p:cNvPr>
+          <p:cNvSpPr/>
+          <p:nvPr/>
+        </p:nvSpPr>
+        <p:spPr>
+          <a:xfrm>
+            <a:off x="4036347" y="433470"/>
+            <a:ext cx="3385072" cy="801665"/>
+          </a:xfrm>
+          <a:prstGeom prst="rect">
+            <a:avLst/>
+          </a:prstGeom>
+          <a:solidFill>
+            <a:schemeClr val="bg1">
+              <a:lumMod val="95000"/>
+            </a:schemeClr>
+          </a:solidFill>
+          <a:ln w="28575">
+            <a:solidFill>
+              <a:schemeClr val="tx1"/>
+            </a:solidFill>
+          </a:ln>
+        </p:spPr>
+        <p:style>
+          <a:lnRef idx="2">
+            <a:schemeClr val="accent1">
+              <a:shade val="50000"/>
+            </a:schemeClr>
+          </a:lnRef>
+          <a:fillRef idx="1">
+            <a:schemeClr val="accent1"/>
+          </a:fillRef>
+          <a:effectRef idx="0">
+            <a:schemeClr val="accent1"/>
+          </a:effectRef>
+          <a:fontRef idx="minor">
+            <a:schemeClr val="lt1"/>
+          </a:fontRef>
+        </p:style>
+        <p:txBody>
+          <a:bodyPr rtlCol="0" anchor="ctr"/>
+          <a:lstStyle/>
+          <a:p>
+            <a:pPr algn="ctr"/>
+            <a:r>
+              <a:rPr lang="en-US" altLang="ko-KR" sz="2800" b="1" dirty="0">
+                <a:solidFill>
+                  <a:schemeClr val="tx1"/>
+                </a:solidFill>
+              </a:rPr>
+              <a:t>4-3 Infinite Storm</a:t>
+            </a:r>
             <a:endParaRPr lang="ko-KR" altLang="en-US" sz="2800" b="1" dirty="0">
               <a:solidFill>
                 <a:schemeClr val="tx1"/>
@@ -13120,54 +15887,19 @@
       </p:sp>
       <p:sp>
         <p:nvSpPr>
-          <p:cNvPr id="21" name="TextBox 20">
-            <a:extLst>
-              <a:ext uri="{FF2B5EF4-FFF2-40B4-BE49-F238E27FC236}">
-                <a16:creationId xmlns:a16="http://schemas.microsoft.com/office/drawing/2014/main" id="{0008B94E-BAC8-49A1-8FF8-4301A25C9A04}"/>
-              </a:ext>
-            </a:extLst>
-          </p:cNvPr>
-          <p:cNvSpPr txBox="1"/>
-          <p:nvPr/>
-        </p:nvSpPr>
-        <p:spPr>
-          <a:xfrm>
-            <a:off x="7832849" y="79838"/>
-            <a:ext cx="489497" cy="307777"/>
-          </a:xfrm>
-          <a:prstGeom prst="rect">
-            <a:avLst/>
-          </a:prstGeom>
-          <a:noFill/>
-        </p:spPr>
-        <p:txBody>
-          <a:bodyPr wrap="square" rtlCol="0">
-            <a:spAutoFit/>
-          </a:bodyPr>
-          <a:lstStyle/>
-          <a:p>
-            <a:r>
-              <a:rPr lang="en-US" altLang="ko-KR" sz="1400" b="1" dirty="0"/>
-              <a:t>EX)</a:t>
-            </a:r>
-          </a:p>
-        </p:txBody>
-      </p:sp>
-      <p:sp>
-        <p:nvSpPr>
-          <p:cNvPr id="31" name="직사각형 30">
-            <a:extLst>
-              <a:ext uri="{FF2B5EF4-FFF2-40B4-BE49-F238E27FC236}">
-                <a16:creationId xmlns:a16="http://schemas.microsoft.com/office/drawing/2014/main" id="{67D70105-EDE3-464C-BB96-D176A3C27FFE}"/>
-              </a:ext>
-            </a:extLst>
-          </p:cNvPr>
-          <p:cNvSpPr/>
-          <p:nvPr/>
-        </p:nvSpPr>
-        <p:spPr>
-          <a:xfrm>
-            <a:off x="6393562" y="2407276"/>
+          <p:cNvPr id="4" name="직사각형 3">
+            <a:extLst>
+              <a:ext uri="{FF2B5EF4-FFF2-40B4-BE49-F238E27FC236}">
+                <a16:creationId xmlns:a16="http://schemas.microsoft.com/office/drawing/2014/main" id="{EFD5C482-B5CC-4C45-A4A2-C4330433343E}"/>
+              </a:ext>
+            </a:extLst>
+          </p:cNvPr>
+          <p:cNvSpPr/>
+          <p:nvPr/>
+        </p:nvSpPr>
+        <p:spPr>
+          <a:xfrm>
+            <a:off x="1078035" y="2407276"/>
             <a:ext cx="4216018" cy="4017254"/>
           </a:xfrm>
           <a:prstGeom prst="rect">
@@ -13211,6 +15943,751 @@
       </p:sp>
       <p:sp>
         <p:nvSpPr>
+          <p:cNvPr id="5" name="직사각형 4">
+            <a:extLst>
+              <a:ext uri="{FF2B5EF4-FFF2-40B4-BE49-F238E27FC236}">
+                <a16:creationId xmlns:a16="http://schemas.microsoft.com/office/drawing/2014/main" id="{652230BC-33EB-4928-A9E3-5BF130FBD827}"/>
+              </a:ext>
+            </a:extLst>
+          </p:cNvPr>
+          <p:cNvSpPr/>
+          <p:nvPr/>
+        </p:nvSpPr>
+        <p:spPr>
+          <a:xfrm>
+            <a:off x="1481771" y="2778757"/>
+            <a:ext cx="960582" cy="960582"/>
+          </a:xfrm>
+          <a:prstGeom prst="rect">
+            <a:avLst/>
+          </a:prstGeom>
+        </p:spPr>
+        <p:style>
+          <a:lnRef idx="2">
+            <a:schemeClr val="accent1">
+              <a:shade val="50000"/>
+            </a:schemeClr>
+          </a:lnRef>
+          <a:fillRef idx="1">
+            <a:schemeClr val="accent1"/>
+          </a:fillRef>
+          <a:effectRef idx="0">
+            <a:schemeClr val="accent1"/>
+          </a:effectRef>
+          <a:fontRef idx="minor">
+            <a:schemeClr val="lt1"/>
+          </a:fontRef>
+        </p:style>
+        <p:txBody>
+          <a:bodyPr rtlCol="0" anchor="ctr"/>
+          <a:lstStyle/>
+          <a:p>
+            <a:pPr algn="ctr"/>
+            <a:r>
+              <a:rPr lang="en-US" altLang="ko-KR" dirty="0"/>
+              <a:t>1</a:t>
+            </a:r>
+            <a:endParaRPr lang="ko-KR" altLang="en-US" dirty="0"/>
+          </a:p>
+        </p:txBody>
+      </p:sp>
+      <p:sp>
+        <p:nvSpPr>
+          <p:cNvPr id="6" name="직사각형 5">
+            <a:extLst>
+              <a:ext uri="{FF2B5EF4-FFF2-40B4-BE49-F238E27FC236}">
+                <a16:creationId xmlns:a16="http://schemas.microsoft.com/office/drawing/2014/main" id="{5E65A949-8AF2-47BD-8CB5-98DCD8F21F77}"/>
+              </a:ext>
+            </a:extLst>
+          </p:cNvPr>
+          <p:cNvSpPr/>
+          <p:nvPr/>
+        </p:nvSpPr>
+        <p:spPr>
+          <a:xfrm rot="16200000">
+            <a:off x="2645553" y="2778757"/>
+            <a:ext cx="960582" cy="960582"/>
+          </a:xfrm>
+          <a:prstGeom prst="rect">
+            <a:avLst/>
+          </a:prstGeom>
+        </p:spPr>
+        <p:style>
+          <a:lnRef idx="2">
+            <a:schemeClr val="accent1">
+              <a:shade val="50000"/>
+            </a:schemeClr>
+          </a:lnRef>
+          <a:fillRef idx="1">
+            <a:schemeClr val="accent1"/>
+          </a:fillRef>
+          <a:effectRef idx="0">
+            <a:schemeClr val="accent1"/>
+          </a:effectRef>
+          <a:fontRef idx="minor">
+            <a:schemeClr val="lt1"/>
+          </a:fontRef>
+        </p:style>
+        <p:txBody>
+          <a:bodyPr rtlCol="0" anchor="ctr"/>
+          <a:lstStyle/>
+          <a:p>
+            <a:pPr algn="ctr"/>
+            <a:r>
+              <a:rPr lang="en-US" altLang="ko-KR" dirty="0"/>
+              <a:t>2</a:t>
+            </a:r>
+            <a:endParaRPr lang="ko-KR" altLang="en-US" dirty="0"/>
+          </a:p>
+        </p:txBody>
+      </p:sp>
+      <p:sp>
+        <p:nvSpPr>
+          <p:cNvPr id="7" name="직사각형 6">
+            <a:extLst>
+              <a:ext uri="{FF2B5EF4-FFF2-40B4-BE49-F238E27FC236}">
+                <a16:creationId xmlns:a16="http://schemas.microsoft.com/office/drawing/2014/main" id="{A8FD3558-C4A8-4D2E-8148-E2FAB835DC89}"/>
+              </a:ext>
+            </a:extLst>
+          </p:cNvPr>
+          <p:cNvSpPr/>
+          <p:nvPr/>
+        </p:nvSpPr>
+        <p:spPr>
+          <a:xfrm rot="5400000">
+            <a:off x="3809335" y="2778757"/>
+            <a:ext cx="960582" cy="960582"/>
+          </a:xfrm>
+          <a:prstGeom prst="rect">
+            <a:avLst/>
+          </a:prstGeom>
+        </p:spPr>
+        <p:style>
+          <a:lnRef idx="2">
+            <a:schemeClr val="accent1">
+              <a:shade val="50000"/>
+            </a:schemeClr>
+          </a:lnRef>
+          <a:fillRef idx="1">
+            <a:schemeClr val="accent1"/>
+          </a:fillRef>
+          <a:effectRef idx="0">
+            <a:schemeClr val="accent1"/>
+          </a:effectRef>
+          <a:fontRef idx="minor">
+            <a:schemeClr val="lt1"/>
+          </a:fontRef>
+        </p:style>
+        <p:txBody>
+          <a:bodyPr rtlCol="0" anchor="ctr"/>
+          <a:lstStyle/>
+          <a:p>
+            <a:pPr algn="ctr"/>
+            <a:r>
+              <a:rPr lang="en-US" altLang="ko-KR" dirty="0"/>
+              <a:t>3</a:t>
+            </a:r>
+            <a:endParaRPr lang="ko-KR" altLang="en-US" dirty="0"/>
+          </a:p>
+        </p:txBody>
+      </p:sp>
+      <p:sp>
+        <p:nvSpPr>
+          <p:cNvPr id="8" name="직사각형 7">
+            <a:extLst>
+              <a:ext uri="{FF2B5EF4-FFF2-40B4-BE49-F238E27FC236}">
+                <a16:creationId xmlns:a16="http://schemas.microsoft.com/office/drawing/2014/main" id="{83196648-9BB8-4AE0-8C6E-5D8893A3522F}"/>
+              </a:ext>
+            </a:extLst>
+          </p:cNvPr>
+          <p:cNvSpPr/>
+          <p:nvPr/>
+        </p:nvSpPr>
+        <p:spPr>
+          <a:xfrm>
+            <a:off x="1481771" y="3905593"/>
+            <a:ext cx="960582" cy="960582"/>
+          </a:xfrm>
+          <a:prstGeom prst="rect">
+            <a:avLst/>
+          </a:prstGeom>
+        </p:spPr>
+        <p:style>
+          <a:lnRef idx="2">
+            <a:schemeClr val="accent1">
+              <a:shade val="50000"/>
+            </a:schemeClr>
+          </a:lnRef>
+          <a:fillRef idx="1">
+            <a:schemeClr val="accent1"/>
+          </a:fillRef>
+          <a:effectRef idx="0">
+            <a:schemeClr val="accent1"/>
+          </a:effectRef>
+          <a:fontRef idx="minor">
+            <a:schemeClr val="lt1"/>
+          </a:fontRef>
+        </p:style>
+        <p:txBody>
+          <a:bodyPr rtlCol="0" anchor="ctr"/>
+          <a:lstStyle/>
+          <a:p>
+            <a:pPr algn="ctr"/>
+            <a:r>
+              <a:rPr lang="en-US" altLang="ko-KR" dirty="0"/>
+              <a:t>4</a:t>
+            </a:r>
+            <a:endParaRPr lang="ko-KR" altLang="en-US" dirty="0"/>
+          </a:p>
+        </p:txBody>
+      </p:sp>
+      <p:sp>
+        <p:nvSpPr>
+          <p:cNvPr id="9" name="직사각형 8">
+            <a:extLst>
+              <a:ext uri="{FF2B5EF4-FFF2-40B4-BE49-F238E27FC236}">
+                <a16:creationId xmlns:a16="http://schemas.microsoft.com/office/drawing/2014/main" id="{24D436D7-96A5-4B42-AA7E-6E09DFF81E89}"/>
+              </a:ext>
+            </a:extLst>
+          </p:cNvPr>
+          <p:cNvSpPr/>
+          <p:nvPr/>
+        </p:nvSpPr>
+        <p:spPr>
+          <a:xfrm>
+            <a:off x="2645553" y="3905593"/>
+            <a:ext cx="960582" cy="960582"/>
+          </a:xfrm>
+          <a:prstGeom prst="rect">
+            <a:avLst/>
+          </a:prstGeom>
+        </p:spPr>
+        <p:style>
+          <a:lnRef idx="2">
+            <a:schemeClr val="accent1">
+              <a:shade val="50000"/>
+            </a:schemeClr>
+          </a:lnRef>
+          <a:fillRef idx="1">
+            <a:schemeClr val="accent1"/>
+          </a:fillRef>
+          <a:effectRef idx="0">
+            <a:schemeClr val="accent1"/>
+          </a:effectRef>
+          <a:fontRef idx="minor">
+            <a:schemeClr val="lt1"/>
+          </a:fontRef>
+        </p:style>
+        <p:txBody>
+          <a:bodyPr rtlCol="0" anchor="ctr"/>
+          <a:lstStyle/>
+          <a:p>
+            <a:pPr algn="ctr"/>
+            <a:r>
+              <a:rPr lang="en-US" altLang="ko-KR" dirty="0"/>
+              <a:t>5</a:t>
+            </a:r>
+            <a:endParaRPr lang="ko-KR" altLang="en-US" dirty="0"/>
+          </a:p>
+        </p:txBody>
+      </p:sp>
+      <p:sp>
+        <p:nvSpPr>
+          <p:cNvPr id="10" name="직사각형 9">
+            <a:extLst>
+              <a:ext uri="{FF2B5EF4-FFF2-40B4-BE49-F238E27FC236}">
+                <a16:creationId xmlns:a16="http://schemas.microsoft.com/office/drawing/2014/main" id="{E8722F72-1DC9-494B-BA80-1E197049ADC6}"/>
+              </a:ext>
+            </a:extLst>
+          </p:cNvPr>
+          <p:cNvSpPr/>
+          <p:nvPr/>
+        </p:nvSpPr>
+        <p:spPr>
+          <a:xfrm>
+            <a:off x="3809335" y="3905593"/>
+            <a:ext cx="960582" cy="960582"/>
+          </a:xfrm>
+          <a:prstGeom prst="rect">
+            <a:avLst/>
+          </a:prstGeom>
+        </p:spPr>
+        <p:style>
+          <a:lnRef idx="2">
+            <a:schemeClr val="accent1">
+              <a:shade val="50000"/>
+            </a:schemeClr>
+          </a:lnRef>
+          <a:fillRef idx="1">
+            <a:schemeClr val="accent1"/>
+          </a:fillRef>
+          <a:effectRef idx="0">
+            <a:schemeClr val="accent1"/>
+          </a:effectRef>
+          <a:fontRef idx="minor">
+            <a:schemeClr val="lt1"/>
+          </a:fontRef>
+        </p:style>
+        <p:txBody>
+          <a:bodyPr rtlCol="0" anchor="ctr"/>
+          <a:lstStyle/>
+          <a:p>
+            <a:pPr algn="ctr"/>
+            <a:r>
+              <a:rPr lang="en-US" altLang="ko-KR" dirty="0"/>
+              <a:t>6</a:t>
+            </a:r>
+            <a:endParaRPr lang="ko-KR" altLang="en-US" dirty="0"/>
+          </a:p>
+        </p:txBody>
+      </p:sp>
+      <p:sp>
+        <p:nvSpPr>
+          <p:cNvPr id="11" name="직사각형 10">
+            <a:extLst>
+              <a:ext uri="{FF2B5EF4-FFF2-40B4-BE49-F238E27FC236}">
+                <a16:creationId xmlns:a16="http://schemas.microsoft.com/office/drawing/2014/main" id="{2F024C20-A540-4C41-89E1-A64B288A0F84}"/>
+              </a:ext>
+            </a:extLst>
+          </p:cNvPr>
+          <p:cNvSpPr/>
+          <p:nvPr/>
+        </p:nvSpPr>
+        <p:spPr>
+          <a:xfrm>
+            <a:off x="1481771" y="5032429"/>
+            <a:ext cx="960582" cy="960582"/>
+          </a:xfrm>
+          <a:prstGeom prst="rect">
+            <a:avLst/>
+          </a:prstGeom>
+        </p:spPr>
+        <p:style>
+          <a:lnRef idx="2">
+            <a:schemeClr val="accent1">
+              <a:shade val="50000"/>
+            </a:schemeClr>
+          </a:lnRef>
+          <a:fillRef idx="1">
+            <a:schemeClr val="accent1"/>
+          </a:fillRef>
+          <a:effectRef idx="0">
+            <a:schemeClr val="accent1"/>
+          </a:effectRef>
+          <a:fontRef idx="minor">
+            <a:schemeClr val="lt1"/>
+          </a:fontRef>
+        </p:style>
+        <p:txBody>
+          <a:bodyPr rtlCol="0" anchor="ctr"/>
+          <a:lstStyle/>
+          <a:p>
+            <a:pPr algn="ctr"/>
+            <a:r>
+              <a:rPr lang="en-US" altLang="ko-KR" dirty="0"/>
+              <a:t>7</a:t>
+            </a:r>
+            <a:endParaRPr lang="ko-KR" altLang="en-US" dirty="0"/>
+          </a:p>
+        </p:txBody>
+      </p:sp>
+      <p:sp>
+        <p:nvSpPr>
+          <p:cNvPr id="12" name="직사각형 11">
+            <a:extLst>
+              <a:ext uri="{FF2B5EF4-FFF2-40B4-BE49-F238E27FC236}">
+                <a16:creationId xmlns:a16="http://schemas.microsoft.com/office/drawing/2014/main" id="{78352CC3-7136-47E2-929F-4C3DF76392AC}"/>
+              </a:ext>
+            </a:extLst>
+          </p:cNvPr>
+          <p:cNvSpPr/>
+          <p:nvPr/>
+        </p:nvSpPr>
+        <p:spPr>
+          <a:xfrm>
+            <a:off x="3809335" y="5032429"/>
+            <a:ext cx="960582" cy="960582"/>
+          </a:xfrm>
+          <a:prstGeom prst="rect">
+            <a:avLst/>
+          </a:prstGeom>
+        </p:spPr>
+        <p:style>
+          <a:lnRef idx="2">
+            <a:schemeClr val="accent1">
+              <a:shade val="50000"/>
+            </a:schemeClr>
+          </a:lnRef>
+          <a:fillRef idx="1">
+            <a:schemeClr val="accent1"/>
+          </a:fillRef>
+          <a:effectRef idx="0">
+            <a:schemeClr val="accent1"/>
+          </a:effectRef>
+          <a:fontRef idx="minor">
+            <a:schemeClr val="lt1"/>
+          </a:fontRef>
+        </p:style>
+        <p:txBody>
+          <a:bodyPr rtlCol="0" anchor="ctr"/>
+          <a:lstStyle/>
+          <a:p>
+            <a:pPr algn="ctr"/>
+            <a:r>
+              <a:rPr lang="en-US" altLang="ko-KR" dirty="0"/>
+              <a:t>9</a:t>
+            </a:r>
+            <a:endParaRPr lang="ko-KR" altLang="en-US" dirty="0"/>
+          </a:p>
+        </p:txBody>
+      </p:sp>
+      <p:sp>
+        <p:nvSpPr>
+          <p:cNvPr id="14" name="직사각형 13">
+            <a:extLst>
+              <a:ext uri="{FF2B5EF4-FFF2-40B4-BE49-F238E27FC236}">
+                <a16:creationId xmlns:a16="http://schemas.microsoft.com/office/drawing/2014/main" id="{EF6AE546-A39F-42A8-9D75-F17E561E55DC}"/>
+              </a:ext>
+            </a:extLst>
+          </p:cNvPr>
+          <p:cNvSpPr/>
+          <p:nvPr/>
+        </p:nvSpPr>
+        <p:spPr>
+          <a:xfrm>
+            <a:off x="32215" y="33686"/>
+            <a:ext cx="3435401" cy="2197337"/>
+          </a:xfrm>
+          <a:prstGeom prst="rect">
+            <a:avLst/>
+          </a:prstGeom>
+          <a:solidFill>
+            <a:schemeClr val="bg1">
+              <a:lumMod val="95000"/>
+            </a:schemeClr>
+          </a:solidFill>
+          <a:ln w="28575">
+            <a:solidFill>
+              <a:schemeClr val="tx1"/>
+            </a:solidFill>
+          </a:ln>
+        </p:spPr>
+        <p:style>
+          <a:lnRef idx="2">
+            <a:schemeClr val="accent1">
+              <a:shade val="50000"/>
+            </a:schemeClr>
+          </a:lnRef>
+          <a:fillRef idx="1">
+            <a:schemeClr val="accent1"/>
+          </a:fillRef>
+          <a:effectRef idx="0">
+            <a:schemeClr val="accent1"/>
+          </a:effectRef>
+          <a:fontRef idx="minor">
+            <a:schemeClr val="lt1"/>
+          </a:fontRef>
+        </p:style>
+        <p:txBody>
+          <a:bodyPr rtlCol="0" anchor="ctr"/>
+          <a:lstStyle/>
+          <a:p>
+            <a:pPr algn="ctr"/>
+            <a:endParaRPr lang="ko-KR" altLang="en-US" sz="2800" b="1" dirty="0">
+              <a:solidFill>
+                <a:schemeClr val="tx1"/>
+              </a:solidFill>
+            </a:endParaRPr>
+          </a:p>
+        </p:txBody>
+      </p:sp>
+      <p:sp>
+        <p:nvSpPr>
+          <p:cNvPr id="15" name="TextBox 14">
+            <a:extLst>
+              <a:ext uri="{FF2B5EF4-FFF2-40B4-BE49-F238E27FC236}">
+                <a16:creationId xmlns:a16="http://schemas.microsoft.com/office/drawing/2014/main" id="{E6A61AF8-F7FC-4D95-BCF8-5357750DBEE9}"/>
+              </a:ext>
+            </a:extLst>
+          </p:cNvPr>
+          <p:cNvSpPr txBox="1"/>
+          <p:nvPr/>
+        </p:nvSpPr>
+        <p:spPr>
+          <a:xfrm>
+            <a:off x="1078035" y="112755"/>
+            <a:ext cx="2192991" cy="369332"/>
+          </a:xfrm>
+          <a:prstGeom prst="rect">
+            <a:avLst/>
+          </a:prstGeom>
+          <a:noFill/>
+        </p:spPr>
+        <p:txBody>
+          <a:bodyPr wrap="square" rtlCol="0">
+            <a:spAutoFit/>
+          </a:bodyPr>
+          <a:lstStyle/>
+          <a:p>
+            <a:r>
+              <a:rPr lang="ko-KR" altLang="en-US" b="1" dirty="0" err="1"/>
+              <a:t>그림조각맞추기</a:t>
+            </a:r>
+            <a:endParaRPr lang="ko-KR" altLang="en-US" b="1" dirty="0"/>
+          </a:p>
+        </p:txBody>
+      </p:sp>
+      <p:sp>
+        <p:nvSpPr>
+          <p:cNvPr id="16" name="TextBox 15">
+            <a:extLst>
+              <a:ext uri="{FF2B5EF4-FFF2-40B4-BE49-F238E27FC236}">
+                <a16:creationId xmlns:a16="http://schemas.microsoft.com/office/drawing/2014/main" id="{B63D7A06-CBCE-44BC-B9B3-DD4E18BEC40F}"/>
+              </a:ext>
+            </a:extLst>
+          </p:cNvPr>
+          <p:cNvSpPr txBox="1"/>
+          <p:nvPr/>
+        </p:nvSpPr>
+        <p:spPr>
+          <a:xfrm>
+            <a:off x="17639" y="125693"/>
+            <a:ext cx="1335956" cy="307777"/>
+          </a:xfrm>
+          <a:prstGeom prst="rect">
+            <a:avLst/>
+          </a:prstGeom>
+          <a:noFill/>
+        </p:spPr>
+        <p:txBody>
+          <a:bodyPr wrap="square" rtlCol="0">
+            <a:spAutoFit/>
+          </a:bodyPr>
+          <a:lstStyle/>
+          <a:p>
+            <a:r>
+              <a:rPr lang="ko-KR" altLang="en-US" sz="1400" b="1" dirty="0">
+                <a:solidFill>
+                  <a:srgbClr val="FF0000"/>
+                </a:solidFill>
+              </a:rPr>
+              <a:t>테마 </a:t>
+            </a:r>
+            <a:r>
+              <a:rPr lang="en-US" altLang="ko-KR" sz="1400" b="1" dirty="0">
+                <a:solidFill>
+                  <a:srgbClr val="FF0000"/>
+                </a:solidFill>
+              </a:rPr>
+              <a:t>: </a:t>
+            </a:r>
+            <a:r>
+              <a:rPr lang="ko-KR" altLang="en-US" sz="1400" b="1" dirty="0">
+                <a:solidFill>
+                  <a:srgbClr val="FF0000"/>
+                </a:solidFill>
+              </a:rPr>
+              <a:t>바람</a:t>
+            </a:r>
+          </a:p>
+        </p:txBody>
+      </p:sp>
+      <p:sp>
+        <p:nvSpPr>
+          <p:cNvPr id="18" name="TextBox 17">
+            <a:extLst>
+              <a:ext uri="{FF2B5EF4-FFF2-40B4-BE49-F238E27FC236}">
+                <a16:creationId xmlns:a16="http://schemas.microsoft.com/office/drawing/2014/main" id="{CF0FAB2D-7934-4280-B678-397F51740209}"/>
+              </a:ext>
+            </a:extLst>
+          </p:cNvPr>
+          <p:cNvSpPr txBox="1"/>
+          <p:nvPr/>
+        </p:nvSpPr>
+        <p:spPr>
+          <a:xfrm>
+            <a:off x="609838" y="490569"/>
+            <a:ext cx="2548178" cy="523220"/>
+          </a:xfrm>
+          <a:prstGeom prst="rect">
+            <a:avLst/>
+          </a:prstGeom>
+          <a:noFill/>
+        </p:spPr>
+        <p:txBody>
+          <a:bodyPr wrap="square" rtlCol="0">
+            <a:spAutoFit/>
+          </a:bodyPr>
+          <a:lstStyle/>
+          <a:p>
+            <a:r>
+              <a:rPr lang="ko-KR" altLang="en-US" sz="1400" b="1" dirty="0"/>
+              <a:t>모든 이미지들이 </a:t>
+            </a:r>
+            <a:r>
+              <a:rPr lang="en-US" altLang="ko-KR" sz="1400" b="1" dirty="0"/>
+              <a:t>0</a:t>
+            </a:r>
+            <a:r>
+              <a:rPr lang="ko-KR" altLang="en-US" sz="1400" b="1" dirty="0"/>
+              <a:t>도의 상태로 맞춰지면 클리어</a:t>
+            </a:r>
+          </a:p>
+        </p:txBody>
+      </p:sp>
+      <p:sp>
+        <p:nvSpPr>
+          <p:cNvPr id="19" name="직사각형 18">
+            <a:extLst>
+              <a:ext uri="{FF2B5EF4-FFF2-40B4-BE49-F238E27FC236}">
+                <a16:creationId xmlns:a16="http://schemas.microsoft.com/office/drawing/2014/main" id="{29B03BF8-C2B1-4D79-9F49-5CD0F5909F39}"/>
+              </a:ext>
+            </a:extLst>
+          </p:cNvPr>
+          <p:cNvSpPr/>
+          <p:nvPr/>
+        </p:nvSpPr>
+        <p:spPr>
+          <a:xfrm>
+            <a:off x="7772456" y="17772"/>
+            <a:ext cx="4401905" cy="1415620"/>
+          </a:xfrm>
+          <a:prstGeom prst="rect">
+            <a:avLst/>
+          </a:prstGeom>
+          <a:solidFill>
+            <a:schemeClr val="bg1">
+              <a:lumMod val="95000"/>
+            </a:schemeClr>
+          </a:solidFill>
+          <a:ln w="28575">
+            <a:solidFill>
+              <a:schemeClr val="tx1"/>
+            </a:solidFill>
+          </a:ln>
+        </p:spPr>
+        <p:style>
+          <a:lnRef idx="2">
+            <a:schemeClr val="accent1">
+              <a:shade val="50000"/>
+            </a:schemeClr>
+          </a:lnRef>
+          <a:fillRef idx="1">
+            <a:schemeClr val="accent1"/>
+          </a:fillRef>
+          <a:effectRef idx="0">
+            <a:schemeClr val="accent1"/>
+          </a:effectRef>
+          <a:fontRef idx="minor">
+            <a:schemeClr val="lt1"/>
+          </a:fontRef>
+        </p:style>
+        <p:txBody>
+          <a:bodyPr rtlCol="0" anchor="ctr"/>
+          <a:lstStyle/>
+          <a:p>
+            <a:pPr algn="ctr"/>
+            <a:endParaRPr lang="ko-KR" altLang="en-US" sz="2800" b="1" dirty="0">
+              <a:solidFill>
+                <a:schemeClr val="tx1"/>
+              </a:solidFill>
+            </a:endParaRPr>
+          </a:p>
+        </p:txBody>
+      </p:sp>
+      <p:sp>
+        <p:nvSpPr>
+          <p:cNvPr id="21" name="TextBox 20">
+            <a:extLst>
+              <a:ext uri="{FF2B5EF4-FFF2-40B4-BE49-F238E27FC236}">
+                <a16:creationId xmlns:a16="http://schemas.microsoft.com/office/drawing/2014/main" id="{0008B94E-BAC8-49A1-8FF8-4301A25C9A04}"/>
+              </a:ext>
+            </a:extLst>
+          </p:cNvPr>
+          <p:cNvSpPr txBox="1"/>
+          <p:nvPr/>
+        </p:nvSpPr>
+        <p:spPr>
+          <a:xfrm>
+            <a:off x="7832849" y="79838"/>
+            <a:ext cx="489497" cy="307777"/>
+          </a:xfrm>
+          <a:prstGeom prst="rect">
+            <a:avLst/>
+          </a:prstGeom>
+          <a:noFill/>
+        </p:spPr>
+        <p:txBody>
+          <a:bodyPr wrap="square" rtlCol="0">
+            <a:spAutoFit/>
+          </a:bodyPr>
+          <a:lstStyle/>
+          <a:p>
+            <a:r>
+              <a:rPr lang="en-US" altLang="ko-KR" sz="1400" b="1" dirty="0"/>
+              <a:t>EX)</a:t>
+            </a:r>
+          </a:p>
+        </p:txBody>
+      </p:sp>
+      <p:sp>
+        <p:nvSpPr>
+          <p:cNvPr id="31" name="직사각형 30">
+            <a:extLst>
+              <a:ext uri="{FF2B5EF4-FFF2-40B4-BE49-F238E27FC236}">
+                <a16:creationId xmlns:a16="http://schemas.microsoft.com/office/drawing/2014/main" id="{67D70105-EDE3-464C-BB96-D176A3C27FFE}"/>
+              </a:ext>
+            </a:extLst>
+          </p:cNvPr>
+          <p:cNvSpPr/>
+          <p:nvPr/>
+        </p:nvSpPr>
+        <p:spPr>
+          <a:xfrm>
+            <a:off x="6393562" y="2407276"/>
+            <a:ext cx="4216018" cy="4017254"/>
+          </a:xfrm>
+          <a:prstGeom prst="rect">
+            <a:avLst/>
+          </a:prstGeom>
+          <a:solidFill>
+            <a:schemeClr val="bg1">
+              <a:lumMod val="95000"/>
+            </a:schemeClr>
+          </a:solidFill>
+          <a:ln w="28575">
+            <a:solidFill>
+              <a:schemeClr val="tx1"/>
+            </a:solidFill>
+          </a:ln>
+        </p:spPr>
+        <p:style>
+          <a:lnRef idx="2">
+            <a:schemeClr val="accent1">
+              <a:shade val="50000"/>
+            </a:schemeClr>
+          </a:lnRef>
+          <a:fillRef idx="1">
+            <a:schemeClr val="accent1"/>
+          </a:fillRef>
+          <a:effectRef idx="0">
+            <a:schemeClr val="accent1"/>
+          </a:effectRef>
+          <a:fontRef idx="minor">
+            <a:schemeClr val="lt1"/>
+          </a:fontRef>
+        </p:style>
+        <p:txBody>
+          <a:bodyPr rtlCol="0" anchor="ctr"/>
+          <a:lstStyle/>
+          <a:p>
+            <a:pPr algn="ctr"/>
+            <a:endParaRPr lang="ko-KR" altLang="en-US" dirty="0"/>
+          </a:p>
+        </p:txBody>
+      </p:sp>
+      <p:sp>
+        <p:nvSpPr>
           <p:cNvPr id="32" name="직사각형 31">
             <a:extLst>
               <a:ext uri="{FF2B5EF4-FFF2-40B4-BE49-F238E27FC236}">
@@ -13573,7 +17050,7 @@
         </p:nvSpPr>
         <p:spPr>
           <a:xfrm>
-            <a:off x="7961080" y="5066784"/>
+            <a:off x="7970629" y="5032429"/>
             <a:ext cx="960582" cy="960582"/>
           </a:xfrm>
           <a:prstGeom prst="rect">
@@ -13622,8 +17099,8 @@
           <p:nvPr/>
         </p:nvSpPr>
         <p:spPr>
-          <a:xfrm>
-            <a:off x="2687808" y="5392647"/>
+          <a:xfrm rot="10800000">
+            <a:off x="5425718" y="4175757"/>
             <a:ext cx="779808" cy="240146"/>
           </a:xfrm>
           <a:prstGeom prst="leftArrow">
@@ -13866,12 +17343,16 @@
           <a:lstStyle/>
           <a:p>
             <a:r>
+              <a:rPr lang="en-US" altLang="ko-KR" sz="1400" b="1" dirty="0"/>
+              <a:t>2</a:t>
+            </a:r>
+            <a:r>
               <a:rPr lang="ko-KR" altLang="en-US" sz="1400" b="1" dirty="0"/>
-              <a:t>해당 상황에서 </a:t>
+              <a:t>번을 </a:t>
             </a:r>
             <a:r>
               <a:rPr lang="en-US" altLang="ko-KR" sz="1400" b="1" dirty="0"/>
-              <a:t>5</a:t>
+              <a:t>1</a:t>
             </a:r>
             <a:r>
               <a:rPr lang="ko-KR" altLang="en-US" sz="1400" b="1" dirty="0"/>
@@ -13879,7 +17360,31 @@
             </a:r>
             <a:r>
               <a:rPr lang="en-US" altLang="ko-KR" sz="1400" b="1" dirty="0"/>
-              <a:t>, 7</a:t>
+              <a:t>(90</a:t>
+            </a:r>
+            <a:r>
+              <a:rPr lang="ko-KR" altLang="en-US" sz="1400" b="1" dirty="0"/>
+              <a:t>도</a:t>
+            </a:r>
+            <a:r>
+              <a:rPr lang="en-US" altLang="ko-KR" sz="1400" b="1" dirty="0"/>
+              <a:t>)</a:t>
+            </a:r>
+            <a:r>
+              <a:rPr lang="ko-KR" altLang="en-US" sz="1400" b="1" dirty="0"/>
+              <a:t> 터치</a:t>
+            </a:r>
+            <a:r>
+              <a:rPr lang="en-US" altLang="ko-KR" sz="1400" b="1" dirty="0"/>
+              <a:t>, 3</a:t>
+            </a:r>
+            <a:r>
+              <a:rPr lang="ko-KR" altLang="en-US" sz="1400" b="1" dirty="0"/>
+              <a:t>번을 </a:t>
+            </a:r>
+            <a:r>
+              <a:rPr lang="en-US" altLang="ko-KR" sz="1400" b="1" dirty="0"/>
+              <a:t>3</a:t>
             </a:r>
             <a:r>
               <a:rPr lang="ko-KR" altLang="en-US" sz="1400" b="1" dirty="0"/>
@@ -13887,11 +17392,19 @@
             </a:r>
             <a:r>
               <a:rPr lang="en-US" altLang="ko-KR" sz="1400" b="1" dirty="0"/>
-              <a:t>, 8</a:t>
+              <a:t>(270</a:t>
             </a:r>
             <a:r>
               <a:rPr lang="ko-KR" altLang="en-US" sz="1400" b="1" dirty="0"/>
-              <a:t>번만이 이동할 수 있음</a:t>
+              <a:t>도</a:t>
+            </a:r>
+            <a:r>
+              <a:rPr lang="en-US" altLang="ko-KR" sz="1400" b="1" dirty="0"/>
+              <a:t>)</a:t>
+            </a:r>
+            <a:r>
+              <a:rPr lang="ko-KR" altLang="en-US" sz="1400" b="1" dirty="0"/>
+              <a:t> 터치</a:t>
             </a:r>
             <a:endParaRPr lang="en-US" altLang="ko-KR" sz="1400" b="1" dirty="0"/>
           </a:p>
@@ -13985,27 +17498,11 @@
           <a:p>
             <a:r>
               <a:rPr lang="en-US" altLang="ko-KR" sz="1400" b="1" dirty="0"/>
-              <a:t>8</a:t>
+              <a:t>2</a:t>
             </a:r>
             <a:r>
               <a:rPr lang="ko-KR" altLang="en-US" sz="1400" b="1" dirty="0"/>
-              <a:t>번을 클릭하면</a:t>
-            </a:r>
-            <a:r>
-              <a:rPr lang="en-US" altLang="ko-KR" sz="1400" b="1" dirty="0"/>
-              <a:t>,</a:t>
-            </a:r>
-            <a:r>
-              <a:rPr lang="ko-KR" altLang="en-US" sz="1400" b="1" dirty="0"/>
-              <a:t> </a:t>
-            </a:r>
-            <a:r>
-              <a:rPr lang="en-US" altLang="ko-KR" sz="1400" b="1" dirty="0"/>
-              <a:t>8</a:t>
-            </a:r>
-            <a:r>
-              <a:rPr lang="ko-KR" altLang="en-US" sz="1400" b="1" dirty="0"/>
-              <a:t>번째 순서에 배치되어 클리어</a:t>
+              <a:t>번그림이 완성되어 클리어</a:t>
             </a:r>
             <a:endParaRPr lang="en-US" altLang="ko-KR" sz="1400" b="1" dirty="0"/>
           </a:p>
@@ -14025,8 +17522,8 @@
         </p:nvSpPr>
         <p:spPr>
           <a:xfrm>
-            <a:off x="574664" y="1131008"/>
-            <a:ext cx="2350501" cy="523220"/>
+            <a:off x="645793" y="1023214"/>
+            <a:ext cx="2789144" cy="738664"/>
           </a:xfrm>
           <a:prstGeom prst="rect">
             <a:avLst/>
@@ -14040,9 +17537,37 @@
           <a:lstStyle/>
           <a:p>
             <a:r>
+              <a:rPr lang="en-US" altLang="ko-KR" sz="1400" b="1" dirty="0"/>
+              <a:t>1. </a:t>
+            </a:r>
+            <a:r>
               <a:rPr lang="ko-KR" altLang="en-US" sz="1400" b="1" dirty="0"/>
-              <a:t>각 오브젝트는 난수를 통해 랜덤으로 배치된다</a:t>
-            </a:r>
+              <a:t>각 오브젝트는 난수를 통해 랜덤으로 각도가 설정 </a:t>
+            </a:r>
+            <a:endParaRPr lang="en-US" altLang="ko-KR" sz="1400" b="1" dirty="0"/>
+          </a:p>
+          <a:p>
+            <a:r>
+              <a:rPr lang="en-US" altLang="ko-KR" sz="1400" b="1" dirty="0"/>
+              <a:t>(</a:t>
+            </a:r>
+            <a:r>
+              <a:rPr lang="ko-KR" altLang="en-US" sz="1400" b="1" dirty="0"/>
+              <a:t>각도는 </a:t>
+            </a:r>
+            <a:r>
+              <a:rPr lang="en-US" altLang="ko-KR" sz="1400" b="1" dirty="0"/>
+              <a:t>90*n</a:t>
+            </a:r>
+            <a:r>
+              <a:rPr lang="ko-KR" altLang="en-US" sz="1400" b="1" dirty="0"/>
+              <a:t>으로만 설정됨</a:t>
+            </a:r>
+            <a:r>
+              <a:rPr lang="en-US" altLang="ko-KR" sz="1400" b="1" dirty="0"/>
+              <a:t>)</a:t>
+            </a:r>
+            <a:endParaRPr lang="ko-KR" altLang="en-US" sz="1400" b="1" dirty="0"/>
           </a:p>
         </p:txBody>
       </p:sp>
@@ -14081,6 +17606,627 @@
             <a:r>
               <a:rPr lang="en-US" altLang="ko-KR" sz="1400" b="1" dirty="0"/>
               <a:t>:</a:t>
+            </a:r>
+            <a:endParaRPr lang="ko-KR" altLang="en-US" sz="1400" b="1" dirty="0"/>
+          </a:p>
+        </p:txBody>
+      </p:sp>
+      <p:sp>
+        <p:nvSpPr>
+          <p:cNvPr id="49" name="TextBox 48">
+            <a:extLst>
+              <a:ext uri="{FF2B5EF4-FFF2-40B4-BE49-F238E27FC236}">
+                <a16:creationId xmlns:a16="http://schemas.microsoft.com/office/drawing/2014/main" id="{5E015029-6170-44AF-A4C4-DF78724D57EA}"/>
+              </a:ext>
+            </a:extLst>
+          </p:cNvPr>
+          <p:cNvSpPr txBox="1"/>
+          <p:nvPr/>
+        </p:nvSpPr>
+        <p:spPr>
+          <a:xfrm>
+            <a:off x="609838" y="1731728"/>
+            <a:ext cx="2789144" cy="523220"/>
+          </a:xfrm>
+          <a:prstGeom prst="rect">
+            <a:avLst/>
+          </a:prstGeom>
+          <a:noFill/>
+        </p:spPr>
+        <p:txBody>
+          <a:bodyPr wrap="square" rtlCol="0">
+            <a:spAutoFit/>
+          </a:bodyPr>
+          <a:lstStyle/>
+          <a:p>
+            <a:r>
+              <a:rPr lang="en-US" altLang="ko-KR" sz="1400" b="1" dirty="0"/>
+              <a:t>2. </a:t>
+            </a:r>
+            <a:r>
+              <a:rPr lang="ko-KR" altLang="en-US" sz="1400" b="1" dirty="0"/>
+              <a:t>이미지 터치 시</a:t>
+            </a:r>
+            <a:r>
+              <a:rPr lang="en-US" altLang="ko-KR" sz="1400" b="1" dirty="0"/>
+              <a:t>,</a:t>
+            </a:r>
+            <a:r>
+              <a:rPr lang="ko-KR" altLang="en-US" sz="1400" b="1" dirty="0"/>
+              <a:t> 시계방향으로 회전한다</a:t>
+            </a:r>
+          </a:p>
+        </p:txBody>
+      </p:sp>
+      <p:sp>
+        <p:nvSpPr>
+          <p:cNvPr id="50" name="TextBox 49">
+            <a:extLst>
+              <a:ext uri="{FF2B5EF4-FFF2-40B4-BE49-F238E27FC236}">
+                <a16:creationId xmlns:a16="http://schemas.microsoft.com/office/drawing/2014/main" id="{1E90D156-5DB3-40D0-86B0-91F601973B7E}"/>
+              </a:ext>
+            </a:extLst>
+          </p:cNvPr>
+          <p:cNvSpPr txBox="1"/>
+          <p:nvPr/>
+        </p:nvSpPr>
+        <p:spPr>
+          <a:xfrm>
+            <a:off x="83028" y="490984"/>
+            <a:ext cx="562765" cy="307777"/>
+          </a:xfrm>
+          <a:prstGeom prst="rect">
+            <a:avLst/>
+          </a:prstGeom>
+          <a:noFill/>
+        </p:spPr>
+        <p:txBody>
+          <a:bodyPr wrap="square" rtlCol="0">
+            <a:spAutoFit/>
+          </a:bodyPr>
+          <a:lstStyle/>
+          <a:p>
+            <a:r>
+              <a:rPr lang="ko-KR" altLang="en-US" sz="1400" b="1" dirty="0"/>
+              <a:t>성공</a:t>
+            </a:r>
+            <a:r>
+              <a:rPr lang="en-US" altLang="ko-KR" sz="1400" b="1" dirty="0"/>
+              <a:t>:</a:t>
+            </a:r>
+            <a:endParaRPr lang="ko-KR" altLang="en-US" sz="1400" b="1" dirty="0"/>
+          </a:p>
+        </p:txBody>
+      </p:sp>
+      <p:sp>
+        <p:nvSpPr>
+          <p:cNvPr id="51" name="직사각형 50">
+            <a:extLst>
+              <a:ext uri="{FF2B5EF4-FFF2-40B4-BE49-F238E27FC236}">
+                <a16:creationId xmlns:a16="http://schemas.microsoft.com/office/drawing/2014/main" id="{8EA8C696-74BD-4DCF-A9F9-9B0EBB82F76F}"/>
+              </a:ext>
+            </a:extLst>
+          </p:cNvPr>
+          <p:cNvSpPr/>
+          <p:nvPr/>
+        </p:nvSpPr>
+        <p:spPr>
+          <a:xfrm>
+            <a:off x="2630389" y="5015013"/>
+            <a:ext cx="960582" cy="960582"/>
+          </a:xfrm>
+          <a:prstGeom prst="rect">
+            <a:avLst/>
+          </a:prstGeom>
+        </p:spPr>
+        <p:style>
+          <a:lnRef idx="2">
+            <a:schemeClr val="accent1">
+              <a:shade val="50000"/>
+            </a:schemeClr>
+          </a:lnRef>
+          <a:fillRef idx="1">
+            <a:schemeClr val="accent1"/>
+          </a:fillRef>
+          <a:effectRef idx="0">
+            <a:schemeClr val="accent1"/>
+          </a:effectRef>
+          <a:fontRef idx="minor">
+            <a:schemeClr val="lt1"/>
+          </a:fontRef>
+        </p:style>
+        <p:txBody>
+          <a:bodyPr rtlCol="0" anchor="ctr"/>
+          <a:lstStyle/>
+          <a:p>
+            <a:pPr algn="ctr"/>
+            <a:r>
+              <a:rPr lang="en-US" altLang="ko-KR" dirty="0"/>
+              <a:t>8</a:t>
+            </a:r>
+            <a:endParaRPr lang="ko-KR" altLang="en-US" dirty="0"/>
+          </a:p>
+        </p:txBody>
+      </p:sp>
+      <p:sp>
+        <p:nvSpPr>
+          <p:cNvPr id="52" name="직사각형 51">
+            <a:extLst>
+              <a:ext uri="{FF2B5EF4-FFF2-40B4-BE49-F238E27FC236}">
+                <a16:creationId xmlns:a16="http://schemas.microsoft.com/office/drawing/2014/main" id="{10E069F6-D89A-4181-A11B-D11C6C5FB3FF}"/>
+              </a:ext>
+            </a:extLst>
+          </p:cNvPr>
+          <p:cNvSpPr/>
+          <p:nvPr/>
+        </p:nvSpPr>
+        <p:spPr>
+          <a:xfrm>
+            <a:off x="9124862" y="5032429"/>
+            <a:ext cx="960582" cy="960582"/>
+          </a:xfrm>
+          <a:prstGeom prst="rect">
+            <a:avLst/>
+          </a:prstGeom>
+        </p:spPr>
+        <p:style>
+          <a:lnRef idx="2">
+            <a:schemeClr val="accent1">
+              <a:shade val="50000"/>
+            </a:schemeClr>
+          </a:lnRef>
+          <a:fillRef idx="1">
+            <a:schemeClr val="accent1"/>
+          </a:fillRef>
+          <a:effectRef idx="0">
+            <a:schemeClr val="accent1"/>
+          </a:effectRef>
+          <a:fontRef idx="minor">
+            <a:schemeClr val="lt1"/>
+          </a:fontRef>
+        </p:style>
+        <p:txBody>
+          <a:bodyPr rtlCol="0" anchor="ctr"/>
+          <a:lstStyle/>
+          <a:p>
+            <a:pPr algn="ctr"/>
+            <a:r>
+              <a:rPr lang="en-US" altLang="ko-KR" dirty="0"/>
+              <a:t>9</a:t>
+            </a:r>
+            <a:endParaRPr lang="ko-KR" altLang="en-US" dirty="0"/>
+          </a:p>
+        </p:txBody>
+      </p:sp>
+      <p:sp>
+        <p:nvSpPr>
+          <p:cNvPr id="2" name="직사각형 1">
+            <a:extLst>
+              <a:ext uri="{FF2B5EF4-FFF2-40B4-BE49-F238E27FC236}">
+                <a16:creationId xmlns:a16="http://schemas.microsoft.com/office/drawing/2014/main" id="{1520C922-67B6-4D31-8C0A-357F29F4665D}"/>
+              </a:ext>
+            </a:extLst>
+          </p:cNvPr>
+          <p:cNvSpPr/>
+          <p:nvPr/>
+        </p:nvSpPr>
+        <p:spPr>
+          <a:xfrm>
+            <a:off x="2630389" y="2751406"/>
+            <a:ext cx="960582" cy="1005349"/>
+          </a:xfrm>
+          <a:prstGeom prst="rect">
+            <a:avLst/>
+          </a:prstGeom>
+          <a:noFill/>
+          <a:ln w="38100">
+            <a:solidFill>
+              <a:srgbClr val="FF0000"/>
+            </a:solidFill>
+          </a:ln>
+        </p:spPr>
+        <p:style>
+          <a:lnRef idx="2">
+            <a:schemeClr val="accent1">
+              <a:shade val="50000"/>
+            </a:schemeClr>
+          </a:lnRef>
+          <a:fillRef idx="1">
+            <a:schemeClr val="accent1"/>
+          </a:fillRef>
+          <a:effectRef idx="0">
+            <a:schemeClr val="accent1"/>
+          </a:effectRef>
+          <a:fontRef idx="minor">
+            <a:schemeClr val="lt1"/>
+          </a:fontRef>
+        </p:style>
+        <p:txBody>
+          <a:bodyPr rtlCol="0" anchor="ctr"/>
+          <a:lstStyle/>
+          <a:p>
+            <a:pPr algn="ctr"/>
+            <a:endParaRPr lang="ko-KR" altLang="en-US" dirty="0">
+              <a:ln>
+                <a:solidFill>
+                  <a:srgbClr val="FF0000"/>
+                </a:solidFill>
+              </a:ln>
+              <a:noFill/>
+            </a:endParaRPr>
+          </a:p>
+        </p:txBody>
+      </p:sp>
+      <p:sp>
+        <p:nvSpPr>
+          <p:cNvPr id="53" name="직사각형 52">
+            <a:extLst>
+              <a:ext uri="{FF2B5EF4-FFF2-40B4-BE49-F238E27FC236}">
+                <a16:creationId xmlns:a16="http://schemas.microsoft.com/office/drawing/2014/main" id="{A825F9F6-165C-4381-9EB8-51F11354C49D}"/>
+              </a:ext>
+            </a:extLst>
+          </p:cNvPr>
+          <p:cNvSpPr/>
+          <p:nvPr/>
+        </p:nvSpPr>
+        <p:spPr>
+          <a:xfrm>
+            <a:off x="3809335" y="2752647"/>
+            <a:ext cx="960582" cy="1005349"/>
+          </a:xfrm>
+          <a:prstGeom prst="rect">
+            <a:avLst/>
+          </a:prstGeom>
+          <a:noFill/>
+          <a:ln w="38100">
+            <a:solidFill>
+              <a:srgbClr val="FF0000"/>
+            </a:solidFill>
+          </a:ln>
+        </p:spPr>
+        <p:style>
+          <a:lnRef idx="2">
+            <a:schemeClr val="accent1">
+              <a:shade val="50000"/>
+            </a:schemeClr>
+          </a:lnRef>
+          <a:fillRef idx="1">
+            <a:schemeClr val="accent1"/>
+          </a:fillRef>
+          <a:effectRef idx="0">
+            <a:schemeClr val="accent1"/>
+          </a:effectRef>
+          <a:fontRef idx="minor">
+            <a:schemeClr val="lt1"/>
+          </a:fontRef>
+        </p:style>
+        <p:txBody>
+          <a:bodyPr rtlCol="0" anchor="ctr"/>
+          <a:lstStyle/>
+          <a:p>
+            <a:pPr algn="ctr"/>
+            <a:endParaRPr lang="ko-KR" altLang="en-US" dirty="0">
+              <a:ln>
+                <a:solidFill>
+                  <a:srgbClr val="FF0000"/>
+                </a:solidFill>
+              </a:ln>
+              <a:noFill/>
+            </a:endParaRPr>
+          </a:p>
+        </p:txBody>
+      </p:sp>
+      <p:sp>
+        <p:nvSpPr>
+          <p:cNvPr id="57" name="직사각형 56">
+            <a:extLst>
+              <a:ext uri="{FF2B5EF4-FFF2-40B4-BE49-F238E27FC236}">
+                <a16:creationId xmlns:a16="http://schemas.microsoft.com/office/drawing/2014/main" id="{7BAB2097-6625-4C1F-BD37-F054CFD152DC}"/>
+              </a:ext>
+            </a:extLst>
+          </p:cNvPr>
+          <p:cNvSpPr/>
+          <p:nvPr/>
+        </p:nvSpPr>
+        <p:spPr>
+          <a:xfrm>
+            <a:off x="7945916" y="2751406"/>
+            <a:ext cx="960582" cy="1005349"/>
+          </a:xfrm>
+          <a:prstGeom prst="rect">
+            <a:avLst/>
+          </a:prstGeom>
+          <a:noFill/>
+          <a:ln w="38100">
+            <a:solidFill>
+              <a:srgbClr val="FF0000"/>
+            </a:solidFill>
+          </a:ln>
+        </p:spPr>
+        <p:style>
+          <a:lnRef idx="2">
+            <a:schemeClr val="accent1">
+              <a:shade val="50000"/>
+            </a:schemeClr>
+          </a:lnRef>
+          <a:fillRef idx="1">
+            <a:schemeClr val="accent1"/>
+          </a:fillRef>
+          <a:effectRef idx="0">
+            <a:schemeClr val="accent1"/>
+          </a:effectRef>
+          <a:fontRef idx="minor">
+            <a:schemeClr val="lt1"/>
+          </a:fontRef>
+        </p:style>
+        <p:txBody>
+          <a:bodyPr rtlCol="0" anchor="ctr"/>
+          <a:lstStyle/>
+          <a:p>
+            <a:pPr algn="ctr"/>
+            <a:endParaRPr lang="ko-KR" altLang="en-US" dirty="0">
+              <a:ln>
+                <a:solidFill>
+                  <a:srgbClr val="FF0000"/>
+                </a:solidFill>
+              </a:ln>
+              <a:noFill/>
+            </a:endParaRPr>
+          </a:p>
+        </p:txBody>
+      </p:sp>
+      <p:sp>
+        <p:nvSpPr>
+          <p:cNvPr id="58" name="직사각형 57">
+            <a:extLst>
+              <a:ext uri="{FF2B5EF4-FFF2-40B4-BE49-F238E27FC236}">
+                <a16:creationId xmlns:a16="http://schemas.microsoft.com/office/drawing/2014/main" id="{0F72842D-0B7E-4410-A79A-6AEAC9E261E5}"/>
+              </a:ext>
+            </a:extLst>
+          </p:cNvPr>
+          <p:cNvSpPr/>
+          <p:nvPr/>
+        </p:nvSpPr>
+        <p:spPr>
+          <a:xfrm>
+            <a:off x="9124862" y="2751406"/>
+            <a:ext cx="960582" cy="1005349"/>
+          </a:xfrm>
+          <a:prstGeom prst="rect">
+            <a:avLst/>
+          </a:prstGeom>
+          <a:noFill/>
+          <a:ln w="38100">
+            <a:solidFill>
+              <a:srgbClr val="FF0000"/>
+            </a:solidFill>
+          </a:ln>
+        </p:spPr>
+        <p:style>
+          <a:lnRef idx="2">
+            <a:schemeClr val="accent1">
+              <a:shade val="50000"/>
+            </a:schemeClr>
+          </a:lnRef>
+          <a:fillRef idx="1">
+            <a:schemeClr val="accent1"/>
+          </a:fillRef>
+          <a:effectRef idx="0">
+            <a:schemeClr val="accent1"/>
+          </a:effectRef>
+          <a:fontRef idx="minor">
+            <a:schemeClr val="lt1"/>
+          </a:fontRef>
+        </p:style>
+        <p:txBody>
+          <a:bodyPr rtlCol="0" anchor="ctr"/>
+          <a:lstStyle/>
+          <a:p>
+            <a:pPr algn="ctr"/>
+            <a:endParaRPr lang="ko-KR" altLang="en-US" dirty="0">
+              <a:ln>
+                <a:solidFill>
+                  <a:srgbClr val="FF0000"/>
+                </a:solidFill>
+              </a:ln>
+              <a:noFill/>
+            </a:endParaRPr>
+          </a:p>
+        </p:txBody>
+      </p:sp>
+      <p:sp>
+        <p:nvSpPr>
+          <p:cNvPr id="13" name="화살표: U자형 12">
+            <a:extLst>
+              <a:ext uri="{FF2B5EF4-FFF2-40B4-BE49-F238E27FC236}">
+                <a16:creationId xmlns:a16="http://schemas.microsoft.com/office/drawing/2014/main" id="{C1E241F6-14A7-478E-B373-9DBDE52EDE03}"/>
+              </a:ext>
+            </a:extLst>
+          </p:cNvPr>
+          <p:cNvSpPr/>
+          <p:nvPr/>
+        </p:nvSpPr>
+        <p:spPr>
+          <a:xfrm>
+            <a:off x="2516502" y="2529359"/>
+            <a:ext cx="1161169" cy="220706"/>
+          </a:xfrm>
+          <a:prstGeom prst="uturnArrow">
+            <a:avLst/>
+          </a:prstGeom>
+          <a:solidFill>
+            <a:srgbClr val="FF0000"/>
+          </a:solidFill>
+          <a:ln>
+            <a:solidFill>
+              <a:srgbClr val="FFFF00"/>
+            </a:solidFill>
+          </a:ln>
+        </p:spPr>
+        <p:style>
+          <a:lnRef idx="2">
+            <a:schemeClr val="accent1">
+              <a:shade val="50000"/>
+            </a:schemeClr>
+          </a:lnRef>
+          <a:fillRef idx="1">
+            <a:schemeClr val="accent1"/>
+          </a:fillRef>
+          <a:effectRef idx="0">
+            <a:schemeClr val="accent1"/>
+          </a:effectRef>
+          <a:fontRef idx="minor">
+            <a:schemeClr val="lt1"/>
+          </a:fontRef>
+        </p:style>
+        <p:txBody>
+          <a:bodyPr rtlCol="0" anchor="ctr"/>
+          <a:lstStyle/>
+          <a:p>
+            <a:pPr algn="ctr"/>
+            <a:endParaRPr lang="ko-KR" altLang="en-US">
+              <a:ln>
+                <a:solidFill>
+                  <a:schemeClr val="tx1"/>
+                </a:solidFill>
+              </a:ln>
+              <a:solidFill>
+                <a:schemeClr val="bg1"/>
+              </a:solidFill>
+            </a:endParaRPr>
+          </a:p>
+        </p:txBody>
+      </p:sp>
+      <p:sp>
+        <p:nvSpPr>
+          <p:cNvPr id="59" name="화살표: U자형 58">
+            <a:extLst>
+              <a:ext uri="{FF2B5EF4-FFF2-40B4-BE49-F238E27FC236}">
+                <a16:creationId xmlns:a16="http://schemas.microsoft.com/office/drawing/2014/main" id="{410496E9-505D-4426-828A-05C96670311D}"/>
+              </a:ext>
+            </a:extLst>
+          </p:cNvPr>
+          <p:cNvSpPr/>
+          <p:nvPr/>
+        </p:nvSpPr>
+        <p:spPr>
+          <a:xfrm>
+            <a:off x="3709041" y="2529359"/>
+            <a:ext cx="1161169" cy="220706"/>
+          </a:xfrm>
+          <a:prstGeom prst="uturnArrow">
+            <a:avLst/>
+          </a:prstGeom>
+          <a:solidFill>
+            <a:srgbClr val="FF0000"/>
+          </a:solidFill>
+          <a:ln>
+            <a:solidFill>
+              <a:srgbClr val="FFFF00"/>
+            </a:solidFill>
+          </a:ln>
+        </p:spPr>
+        <p:style>
+          <a:lnRef idx="2">
+            <a:schemeClr val="accent1">
+              <a:shade val="50000"/>
+            </a:schemeClr>
+          </a:lnRef>
+          <a:fillRef idx="1">
+            <a:schemeClr val="accent1"/>
+          </a:fillRef>
+          <a:effectRef idx="0">
+            <a:schemeClr val="accent1"/>
+          </a:effectRef>
+          <a:fontRef idx="minor">
+            <a:schemeClr val="lt1"/>
+          </a:fontRef>
+        </p:style>
+        <p:txBody>
+          <a:bodyPr rtlCol="0" anchor="ctr"/>
+          <a:lstStyle/>
+          <a:p>
+            <a:pPr algn="ctr"/>
+            <a:endParaRPr lang="ko-KR" altLang="en-US">
+              <a:ln>
+                <a:solidFill>
+                  <a:schemeClr val="tx1"/>
+                </a:solidFill>
+              </a:ln>
+              <a:solidFill>
+                <a:schemeClr val="bg1"/>
+              </a:solidFill>
+            </a:endParaRPr>
+          </a:p>
+        </p:txBody>
+      </p:sp>
+      <p:sp>
+        <p:nvSpPr>
+          <p:cNvPr id="60" name="TextBox 59">
+            <a:extLst>
+              <a:ext uri="{FF2B5EF4-FFF2-40B4-BE49-F238E27FC236}">
+                <a16:creationId xmlns:a16="http://schemas.microsoft.com/office/drawing/2014/main" id="{1668C84D-F0FC-47CC-861D-3913FC994C59}"/>
+              </a:ext>
+            </a:extLst>
+          </p:cNvPr>
+          <p:cNvSpPr txBox="1"/>
+          <p:nvPr/>
+        </p:nvSpPr>
+        <p:spPr>
+          <a:xfrm>
+            <a:off x="2912333" y="2421202"/>
+            <a:ext cx="427021" cy="307777"/>
+          </a:xfrm>
+          <a:prstGeom prst="rect">
+            <a:avLst/>
+          </a:prstGeom>
+          <a:noFill/>
+        </p:spPr>
+        <p:txBody>
+          <a:bodyPr wrap="square" rtlCol="0">
+            <a:spAutoFit/>
+          </a:bodyPr>
+          <a:lstStyle/>
+          <a:p>
+            <a:r>
+              <a:rPr lang="en-US" altLang="ko-KR" sz="1400" b="1" dirty="0"/>
+              <a:t>X1</a:t>
+            </a:r>
+            <a:endParaRPr lang="ko-KR" altLang="en-US" sz="1400" b="1" dirty="0"/>
+          </a:p>
+        </p:txBody>
+      </p:sp>
+      <p:sp>
+        <p:nvSpPr>
+          <p:cNvPr id="61" name="TextBox 60">
+            <a:extLst>
+              <a:ext uri="{FF2B5EF4-FFF2-40B4-BE49-F238E27FC236}">
+                <a16:creationId xmlns:a16="http://schemas.microsoft.com/office/drawing/2014/main" id="{7798E38F-52D6-4718-AD25-9EF4366F3420}"/>
+              </a:ext>
+            </a:extLst>
+          </p:cNvPr>
+          <p:cNvSpPr txBox="1"/>
+          <p:nvPr/>
+        </p:nvSpPr>
+        <p:spPr>
+          <a:xfrm>
+            <a:off x="4132255" y="2421202"/>
+            <a:ext cx="427021" cy="307777"/>
+          </a:xfrm>
+          <a:prstGeom prst="rect">
+            <a:avLst/>
+          </a:prstGeom>
+          <a:noFill/>
+        </p:spPr>
+        <p:txBody>
+          <a:bodyPr wrap="square" rtlCol="0">
+            <a:spAutoFit/>
+          </a:bodyPr>
+          <a:lstStyle/>
+          <a:p>
+            <a:r>
+              <a:rPr lang="en-US" altLang="ko-KR" sz="1400" b="1" dirty="0"/>
+              <a:t>X3</a:t>
             </a:r>
             <a:endParaRPr lang="ko-KR" altLang="en-US" sz="1400" b="1" dirty="0"/>
           </a:p>

--- a/개인작업폴더/유건희/Infinite Strom.pptx
+++ b/개인작업폴더/유건희/Infinite Strom.pptx
@@ -18229,6 +18229,42 @@
               <a:t>X3</a:t>
             </a:r>
             <a:endParaRPr lang="ko-KR" altLang="en-US" sz="1400" b="1" dirty="0"/>
+          </a:p>
+        </p:txBody>
+      </p:sp>
+      <p:sp>
+        <p:nvSpPr>
+          <p:cNvPr id="54" name="TextBox 53">
+            <a:extLst>
+              <a:ext uri="{FF2B5EF4-FFF2-40B4-BE49-F238E27FC236}">
+                <a16:creationId xmlns:a16="http://schemas.microsoft.com/office/drawing/2014/main" id="{699B2746-DF23-4793-9534-7804917C2C15}"/>
+              </a:ext>
+            </a:extLst>
+          </p:cNvPr>
+          <p:cNvSpPr txBox="1"/>
+          <p:nvPr/>
+        </p:nvSpPr>
+        <p:spPr>
+          <a:xfrm>
+            <a:off x="4055720" y="1550148"/>
+            <a:ext cx="4080560" cy="523220"/>
+          </a:xfrm>
+          <a:prstGeom prst="rect">
+            <a:avLst/>
+          </a:prstGeom>
+          <a:noFill/>
+        </p:spPr>
+        <p:txBody>
+          <a:bodyPr wrap="square" rtlCol="0">
+            <a:spAutoFit/>
+          </a:bodyPr>
+          <a:lstStyle/>
+          <a:p>
+            <a:r>
+              <a:rPr lang="en-US" altLang="ko-KR" sz="1400" b="1"/>
+              <a:t>https://www.youtube.com/watch?v=TMQrO3Hy_LE&amp;ab_channel=AlexanderZotov</a:t>
+            </a:r>
+            <a:endParaRPr lang="en-US" altLang="ko-KR" sz="1400" b="1" dirty="0"/>
           </a:p>
         </p:txBody>
       </p:sp>

--- a/개인작업폴더/유건희/Infinite Strom.pptx
+++ b/개인작업폴더/유건희/Infinite Strom.pptx
@@ -262,7 +262,7 @@
           <a:p>
             <a:fld id="{DEE44FA5-1D27-4C1F-B41C-703A784E8162}" type="datetimeFigureOut">
               <a:rPr lang="ko-KR" altLang="en-US" smtClean="0"/>
-              <a:t>2021-01-25</a:t>
+              <a:t>2021-01-26</a:t>
             </a:fld>
             <a:endParaRPr lang="ko-KR" altLang="en-US"/>
           </a:p>
@@ -460,7 +460,7 @@
           <a:p>
             <a:fld id="{DEE44FA5-1D27-4C1F-B41C-703A784E8162}" type="datetimeFigureOut">
               <a:rPr lang="ko-KR" altLang="en-US" smtClean="0"/>
-              <a:t>2021-01-25</a:t>
+              <a:t>2021-01-26</a:t>
             </a:fld>
             <a:endParaRPr lang="ko-KR" altLang="en-US"/>
           </a:p>
@@ -668,7 +668,7 @@
           <a:p>
             <a:fld id="{DEE44FA5-1D27-4C1F-B41C-703A784E8162}" type="datetimeFigureOut">
               <a:rPr lang="ko-KR" altLang="en-US" smtClean="0"/>
-              <a:t>2021-01-25</a:t>
+              <a:t>2021-01-26</a:t>
             </a:fld>
             <a:endParaRPr lang="ko-KR" altLang="en-US"/>
           </a:p>
@@ -866,7 +866,7 @@
           <a:p>
             <a:fld id="{DEE44FA5-1D27-4C1F-B41C-703A784E8162}" type="datetimeFigureOut">
               <a:rPr lang="ko-KR" altLang="en-US" smtClean="0"/>
-              <a:t>2021-01-25</a:t>
+              <a:t>2021-01-26</a:t>
             </a:fld>
             <a:endParaRPr lang="ko-KR" altLang="en-US"/>
           </a:p>
@@ -1141,7 +1141,7 @@
           <a:p>
             <a:fld id="{DEE44FA5-1D27-4C1F-B41C-703A784E8162}" type="datetimeFigureOut">
               <a:rPr lang="ko-KR" altLang="en-US" smtClean="0"/>
-              <a:t>2021-01-25</a:t>
+              <a:t>2021-01-26</a:t>
             </a:fld>
             <a:endParaRPr lang="ko-KR" altLang="en-US"/>
           </a:p>
@@ -1406,7 +1406,7 @@
           <a:p>
             <a:fld id="{DEE44FA5-1D27-4C1F-B41C-703A784E8162}" type="datetimeFigureOut">
               <a:rPr lang="ko-KR" altLang="en-US" smtClean="0"/>
-              <a:t>2021-01-25</a:t>
+              <a:t>2021-01-26</a:t>
             </a:fld>
             <a:endParaRPr lang="ko-KR" altLang="en-US"/>
           </a:p>
@@ -1818,7 +1818,7 @@
           <a:p>
             <a:fld id="{DEE44FA5-1D27-4C1F-B41C-703A784E8162}" type="datetimeFigureOut">
               <a:rPr lang="ko-KR" altLang="en-US" smtClean="0"/>
-              <a:t>2021-01-25</a:t>
+              <a:t>2021-01-26</a:t>
             </a:fld>
             <a:endParaRPr lang="ko-KR" altLang="en-US"/>
           </a:p>
@@ -1959,7 +1959,7 @@
           <a:p>
             <a:fld id="{DEE44FA5-1D27-4C1F-B41C-703A784E8162}" type="datetimeFigureOut">
               <a:rPr lang="ko-KR" altLang="en-US" smtClean="0"/>
-              <a:t>2021-01-25</a:t>
+              <a:t>2021-01-26</a:t>
             </a:fld>
             <a:endParaRPr lang="ko-KR" altLang="en-US"/>
           </a:p>
@@ -2072,7 +2072,7 @@
           <a:p>
             <a:fld id="{DEE44FA5-1D27-4C1F-B41C-703A784E8162}" type="datetimeFigureOut">
               <a:rPr lang="ko-KR" altLang="en-US" smtClean="0"/>
-              <a:t>2021-01-25</a:t>
+              <a:t>2021-01-26</a:t>
             </a:fld>
             <a:endParaRPr lang="ko-KR" altLang="en-US"/>
           </a:p>
@@ -2383,7 +2383,7 @@
           <a:p>
             <a:fld id="{DEE44FA5-1D27-4C1F-B41C-703A784E8162}" type="datetimeFigureOut">
               <a:rPr lang="ko-KR" altLang="en-US" smtClean="0"/>
-              <a:t>2021-01-25</a:t>
+              <a:t>2021-01-26</a:t>
             </a:fld>
             <a:endParaRPr lang="ko-KR" altLang="en-US"/>
           </a:p>
@@ -2671,7 +2671,7 @@
           <a:p>
             <a:fld id="{DEE44FA5-1D27-4C1F-B41C-703A784E8162}" type="datetimeFigureOut">
               <a:rPr lang="ko-KR" altLang="en-US" smtClean="0"/>
-              <a:t>2021-01-25</a:t>
+              <a:t>2021-01-26</a:t>
             </a:fld>
             <a:endParaRPr lang="ko-KR" altLang="en-US"/>
           </a:p>
@@ -2912,7 +2912,7 @@
           <a:p>
             <a:fld id="{DEE44FA5-1D27-4C1F-B41C-703A784E8162}" type="datetimeFigureOut">
               <a:rPr lang="ko-KR" altLang="en-US" smtClean="0"/>
-              <a:t>2021-01-25</a:t>
+              <a:t>2021-01-26</a:t>
             </a:fld>
             <a:endParaRPr lang="ko-KR" altLang="en-US"/>
           </a:p>
@@ -13315,60 +13315,6 @@
       </p:pic>
       <p:sp>
         <p:nvSpPr>
-          <p:cNvPr id="2" name="나누기 기호 1">
-            <a:extLst>
-              <a:ext uri="{FF2B5EF4-FFF2-40B4-BE49-F238E27FC236}">
-                <a16:creationId xmlns:a16="http://schemas.microsoft.com/office/drawing/2014/main" id="{A94AF730-522F-41FD-AD10-E5D9592F41E1}"/>
-              </a:ext>
-            </a:extLst>
-          </p:cNvPr>
-          <p:cNvSpPr/>
-          <p:nvPr/>
-        </p:nvSpPr>
-        <p:spPr>
-          <a:xfrm rot="5400000">
-            <a:off x="576922" y="5527527"/>
-            <a:ext cx="433942" cy="379985"/>
-          </a:xfrm>
-          <a:prstGeom prst="mathDivide">
-            <a:avLst/>
-          </a:prstGeom>
-          <a:solidFill>
-            <a:srgbClr val="00B0F0"/>
-          </a:solidFill>
-          <a:ln>
-            <a:solidFill>
-              <a:schemeClr val="tx1"/>
-            </a:solidFill>
-          </a:ln>
-        </p:spPr>
-        <p:style>
-          <a:lnRef idx="2">
-            <a:schemeClr val="accent1">
-              <a:shade val="50000"/>
-            </a:schemeClr>
-          </a:lnRef>
-          <a:fillRef idx="1">
-            <a:schemeClr val="accent1"/>
-          </a:fillRef>
-          <a:effectRef idx="0">
-            <a:schemeClr val="accent1"/>
-          </a:effectRef>
-          <a:fontRef idx="minor">
-            <a:schemeClr val="lt1"/>
-          </a:fontRef>
-        </p:style>
-        <p:txBody>
-          <a:bodyPr rtlCol="0" anchor="ctr"/>
-          <a:lstStyle/>
-          <a:p>
-            <a:pPr algn="ctr"/>
-            <a:endParaRPr lang="ko-KR" altLang="en-US" dirty="0"/>
-          </a:p>
-        </p:txBody>
-      </p:sp>
-      <p:sp>
-        <p:nvSpPr>
           <p:cNvPr id="53" name="직사각형 52">
             <a:extLst>
               <a:ext uri="{FF2B5EF4-FFF2-40B4-BE49-F238E27FC236}">
@@ -14695,60 +14641,6 @@
       </p:pic>
       <p:sp>
         <p:nvSpPr>
-          <p:cNvPr id="99" name="나누기 기호 98">
-            <a:extLst>
-              <a:ext uri="{FF2B5EF4-FFF2-40B4-BE49-F238E27FC236}">
-                <a16:creationId xmlns:a16="http://schemas.microsoft.com/office/drawing/2014/main" id="{7E6128B2-29BA-496C-AB31-72016275150A}"/>
-              </a:ext>
-            </a:extLst>
-          </p:cNvPr>
-          <p:cNvSpPr/>
-          <p:nvPr/>
-        </p:nvSpPr>
-        <p:spPr>
-          <a:xfrm rot="5400000">
-            <a:off x="6735681" y="5492593"/>
-            <a:ext cx="433942" cy="379985"/>
-          </a:xfrm>
-          <a:prstGeom prst="mathDivide">
-            <a:avLst/>
-          </a:prstGeom>
-          <a:solidFill>
-            <a:srgbClr val="00B0F0"/>
-          </a:solidFill>
-          <a:ln>
-            <a:solidFill>
-              <a:schemeClr val="tx1"/>
-            </a:solidFill>
-          </a:ln>
-        </p:spPr>
-        <p:style>
-          <a:lnRef idx="2">
-            <a:schemeClr val="accent1">
-              <a:shade val="50000"/>
-            </a:schemeClr>
-          </a:lnRef>
-          <a:fillRef idx="1">
-            <a:schemeClr val="accent1"/>
-          </a:fillRef>
-          <a:effectRef idx="0">
-            <a:schemeClr val="accent1"/>
-          </a:effectRef>
-          <a:fontRef idx="minor">
-            <a:schemeClr val="lt1"/>
-          </a:fontRef>
-        </p:style>
-        <p:txBody>
-          <a:bodyPr rtlCol="0" anchor="ctr"/>
-          <a:lstStyle/>
-          <a:p>
-            <a:pPr algn="ctr"/>
-            <a:endParaRPr lang="ko-KR" altLang="en-US" dirty="0"/>
-          </a:p>
-        </p:txBody>
-      </p:sp>
-      <p:sp>
-        <p:nvSpPr>
           <p:cNvPr id="100" name="직사각형 99">
             <a:extLst>
               <a:ext uri="{FF2B5EF4-FFF2-40B4-BE49-F238E27FC236}">
@@ -15784,6 +15676,402 @@
               <a:rPr lang="ko-KR" altLang="en-US" sz="1400" b="1" dirty="0"/>
               <a:t> 출구까지 이동하면 클리어</a:t>
             </a:r>
+          </a:p>
+        </p:txBody>
+      </p:sp>
+      <p:grpSp>
+        <p:nvGrpSpPr>
+          <p:cNvPr id="13" name="그룹 12">
+            <a:extLst>
+              <a:ext uri="{FF2B5EF4-FFF2-40B4-BE49-F238E27FC236}">
+                <a16:creationId xmlns:a16="http://schemas.microsoft.com/office/drawing/2014/main" id="{21EAF21F-C123-44D2-8981-17C18B09FAB3}"/>
+              </a:ext>
+            </a:extLst>
+          </p:cNvPr>
+          <p:cNvGrpSpPr/>
+          <p:nvPr/>
+        </p:nvGrpSpPr>
+        <p:grpSpPr>
+          <a:xfrm>
+            <a:off x="672587" y="5699603"/>
+            <a:ext cx="433942" cy="346424"/>
+            <a:chOff x="5551055" y="1465499"/>
+            <a:chExt cx="605532" cy="769456"/>
+          </a:xfrm>
+        </p:grpSpPr>
+        <p:sp>
+          <p:nvSpPr>
+            <p:cNvPr id="9" name="직사각형 8">
+              <a:extLst>
+                <a:ext uri="{FF2B5EF4-FFF2-40B4-BE49-F238E27FC236}">
+                  <a16:creationId xmlns:a16="http://schemas.microsoft.com/office/drawing/2014/main" id="{50547E7B-AEB8-4A0B-AD04-C3953C5D9E24}"/>
+                </a:ext>
+              </a:extLst>
+            </p:cNvPr>
+            <p:cNvSpPr/>
+            <p:nvPr/>
+          </p:nvSpPr>
+          <p:spPr>
+            <a:xfrm rot="19416166">
+              <a:off x="5581695" y="1735695"/>
+              <a:ext cx="351037" cy="118941"/>
+            </a:xfrm>
+            <a:prstGeom prst="rect">
+              <a:avLst/>
+            </a:prstGeom>
+            <a:solidFill>
+              <a:schemeClr val="accent3"/>
+            </a:solidFill>
+            <a:ln>
+              <a:noFill/>
+            </a:ln>
+          </p:spPr>
+          <p:style>
+            <a:lnRef idx="2">
+              <a:schemeClr val="accent1">
+                <a:shade val="50000"/>
+              </a:schemeClr>
+            </a:lnRef>
+            <a:fillRef idx="1">
+              <a:schemeClr val="accent1"/>
+            </a:fillRef>
+            <a:effectRef idx="0">
+              <a:schemeClr val="accent1"/>
+            </a:effectRef>
+            <a:fontRef idx="minor">
+              <a:schemeClr val="lt1"/>
+            </a:fontRef>
+          </p:style>
+          <p:txBody>
+            <a:bodyPr rtlCol="0" anchor="ctr"/>
+            <a:lstStyle/>
+            <a:p>
+              <a:pPr algn="ctr"/>
+              <a:endParaRPr lang="ko-KR" altLang="en-US"/>
+            </a:p>
+          </p:txBody>
+        </p:sp>
+        <p:sp>
+          <p:nvSpPr>
+            <p:cNvPr id="10" name="타원 9">
+              <a:extLst>
+                <a:ext uri="{FF2B5EF4-FFF2-40B4-BE49-F238E27FC236}">
+                  <a16:creationId xmlns:a16="http://schemas.microsoft.com/office/drawing/2014/main" id="{CE5A5E28-4128-4C99-B06A-F4CBC9212423}"/>
+                </a:ext>
+              </a:extLst>
+            </p:cNvPr>
+            <p:cNvSpPr/>
+            <p:nvPr/>
+          </p:nvSpPr>
+          <p:spPr>
+            <a:xfrm>
+              <a:off x="5853525" y="1465499"/>
+              <a:ext cx="303062" cy="303062"/>
+            </a:xfrm>
+            <a:prstGeom prst="ellipse">
+              <a:avLst/>
+            </a:prstGeom>
+            <a:solidFill>
+              <a:srgbClr val="FF0000"/>
+            </a:solidFill>
+            <a:ln>
+              <a:noFill/>
+            </a:ln>
+          </p:spPr>
+          <p:style>
+            <a:lnRef idx="2">
+              <a:schemeClr val="accent1">
+                <a:shade val="50000"/>
+              </a:schemeClr>
+            </a:lnRef>
+            <a:fillRef idx="1">
+              <a:schemeClr val="accent1"/>
+            </a:fillRef>
+            <a:effectRef idx="0">
+              <a:schemeClr val="accent1"/>
+            </a:effectRef>
+            <a:fontRef idx="minor">
+              <a:schemeClr val="lt1"/>
+            </a:fontRef>
+          </p:style>
+          <p:txBody>
+            <a:bodyPr rtlCol="0" anchor="ctr"/>
+            <a:lstStyle/>
+            <a:p>
+              <a:pPr algn="ctr"/>
+              <a:endParaRPr lang="ko-KR" altLang="en-US" dirty="0"/>
+            </a:p>
+          </p:txBody>
+        </p:sp>
+        <p:sp>
+          <p:nvSpPr>
+            <p:cNvPr id="8" name="직사각형 7">
+              <a:extLst>
+                <a:ext uri="{FF2B5EF4-FFF2-40B4-BE49-F238E27FC236}">
+                  <a16:creationId xmlns:a16="http://schemas.microsoft.com/office/drawing/2014/main" id="{21EA7D79-6BD5-4E6A-98CE-775C5DC7570A}"/>
+                </a:ext>
+              </a:extLst>
+            </p:cNvPr>
+            <p:cNvSpPr/>
+            <p:nvPr/>
+          </p:nvSpPr>
+          <p:spPr>
+            <a:xfrm>
+              <a:off x="5551055" y="1496291"/>
+              <a:ext cx="166254" cy="738664"/>
+            </a:xfrm>
+            <a:prstGeom prst="rect">
+              <a:avLst/>
+            </a:prstGeom>
+            <a:solidFill>
+              <a:schemeClr val="tx1"/>
+            </a:solidFill>
+            <a:ln>
+              <a:noFill/>
+            </a:ln>
+          </p:spPr>
+          <p:style>
+            <a:lnRef idx="2">
+              <a:schemeClr val="accent1">
+                <a:shade val="50000"/>
+              </a:schemeClr>
+            </a:lnRef>
+            <a:fillRef idx="1">
+              <a:schemeClr val="accent1"/>
+            </a:fillRef>
+            <a:effectRef idx="0">
+              <a:schemeClr val="accent1"/>
+            </a:effectRef>
+            <a:fontRef idx="minor">
+              <a:schemeClr val="lt1"/>
+            </a:fontRef>
+          </p:style>
+          <p:txBody>
+            <a:bodyPr rtlCol="0" anchor="ctr"/>
+            <a:lstStyle/>
+            <a:p>
+              <a:pPr algn="ctr"/>
+              <a:endParaRPr lang="ko-KR" altLang="en-US"/>
+            </a:p>
+          </p:txBody>
+        </p:sp>
+      </p:grpSp>
+      <p:grpSp>
+        <p:nvGrpSpPr>
+          <p:cNvPr id="12" name="그룹 11">
+            <a:extLst>
+              <a:ext uri="{FF2B5EF4-FFF2-40B4-BE49-F238E27FC236}">
+                <a16:creationId xmlns:a16="http://schemas.microsoft.com/office/drawing/2014/main" id="{389BB87B-0E9A-4B92-A290-2B940ABD11E4}"/>
+              </a:ext>
+            </a:extLst>
+          </p:cNvPr>
+          <p:cNvGrpSpPr/>
+          <p:nvPr/>
+        </p:nvGrpSpPr>
+        <p:grpSpPr>
+          <a:xfrm>
+            <a:off x="6787387" y="5580633"/>
+            <a:ext cx="386122" cy="276327"/>
+            <a:chOff x="6391566" y="1496291"/>
+            <a:chExt cx="552764" cy="738664"/>
+          </a:xfrm>
+        </p:grpSpPr>
+        <p:sp>
+          <p:nvSpPr>
+            <p:cNvPr id="66" name="직사각형 65">
+              <a:extLst>
+                <a:ext uri="{FF2B5EF4-FFF2-40B4-BE49-F238E27FC236}">
+                  <a16:creationId xmlns:a16="http://schemas.microsoft.com/office/drawing/2014/main" id="{7DBE901F-C358-421B-BC74-61E4324D0C48}"/>
+                </a:ext>
+              </a:extLst>
+            </p:cNvPr>
+            <p:cNvSpPr/>
+            <p:nvPr/>
+          </p:nvSpPr>
+          <p:spPr>
+            <a:xfrm rot="2550776">
+              <a:off x="6438687" y="1838439"/>
+              <a:ext cx="351037" cy="118941"/>
+            </a:xfrm>
+            <a:prstGeom prst="rect">
+              <a:avLst/>
+            </a:prstGeom>
+            <a:solidFill>
+              <a:schemeClr val="accent3"/>
+            </a:solidFill>
+            <a:ln>
+              <a:noFill/>
+            </a:ln>
+          </p:spPr>
+          <p:style>
+            <a:lnRef idx="2">
+              <a:schemeClr val="accent1">
+                <a:shade val="50000"/>
+              </a:schemeClr>
+            </a:lnRef>
+            <a:fillRef idx="1">
+              <a:schemeClr val="accent1"/>
+            </a:fillRef>
+            <a:effectRef idx="0">
+              <a:schemeClr val="accent1"/>
+            </a:effectRef>
+            <a:fontRef idx="minor">
+              <a:schemeClr val="lt1"/>
+            </a:fontRef>
+          </p:style>
+          <p:txBody>
+            <a:bodyPr rtlCol="0" anchor="ctr"/>
+            <a:lstStyle/>
+            <a:p>
+              <a:pPr algn="ctr"/>
+              <a:endParaRPr lang="ko-KR" altLang="en-US"/>
+            </a:p>
+          </p:txBody>
+        </p:sp>
+        <p:sp>
+          <p:nvSpPr>
+            <p:cNvPr id="67" name="타원 66">
+              <a:extLst>
+                <a:ext uri="{FF2B5EF4-FFF2-40B4-BE49-F238E27FC236}">
+                  <a16:creationId xmlns:a16="http://schemas.microsoft.com/office/drawing/2014/main" id="{F045CB65-3DB6-455B-B4E0-3A9D4D0E8CB9}"/>
+                </a:ext>
+              </a:extLst>
+            </p:cNvPr>
+            <p:cNvSpPr/>
+            <p:nvPr/>
+          </p:nvSpPr>
+          <p:spPr>
+            <a:xfrm>
+              <a:off x="6641268" y="1897612"/>
+              <a:ext cx="303062" cy="303062"/>
+            </a:xfrm>
+            <a:prstGeom prst="ellipse">
+              <a:avLst/>
+            </a:prstGeom>
+            <a:solidFill>
+              <a:srgbClr val="FF0000"/>
+            </a:solidFill>
+            <a:ln>
+              <a:noFill/>
+            </a:ln>
+          </p:spPr>
+          <p:style>
+            <a:lnRef idx="2">
+              <a:schemeClr val="accent1">
+                <a:shade val="50000"/>
+              </a:schemeClr>
+            </a:lnRef>
+            <a:fillRef idx="1">
+              <a:schemeClr val="accent1"/>
+            </a:fillRef>
+            <a:effectRef idx="0">
+              <a:schemeClr val="accent1"/>
+            </a:effectRef>
+            <a:fontRef idx="minor">
+              <a:schemeClr val="lt1"/>
+            </a:fontRef>
+          </p:style>
+          <p:txBody>
+            <a:bodyPr rtlCol="0" anchor="ctr"/>
+            <a:lstStyle/>
+            <a:p>
+              <a:pPr algn="ctr"/>
+              <a:endParaRPr lang="ko-KR" altLang="en-US" dirty="0"/>
+            </a:p>
+          </p:txBody>
+        </p:sp>
+        <p:sp>
+          <p:nvSpPr>
+            <p:cNvPr id="68" name="직사각형 67">
+              <a:extLst>
+                <a:ext uri="{FF2B5EF4-FFF2-40B4-BE49-F238E27FC236}">
+                  <a16:creationId xmlns:a16="http://schemas.microsoft.com/office/drawing/2014/main" id="{CF4E4EC7-8C58-41F3-BEA3-186AF4CE929A}"/>
+                </a:ext>
+              </a:extLst>
+            </p:cNvPr>
+            <p:cNvSpPr/>
+            <p:nvPr/>
+          </p:nvSpPr>
+          <p:spPr>
+            <a:xfrm>
+              <a:off x="6391566" y="1496291"/>
+              <a:ext cx="166254" cy="738664"/>
+            </a:xfrm>
+            <a:prstGeom prst="rect">
+              <a:avLst/>
+            </a:prstGeom>
+            <a:solidFill>
+              <a:schemeClr val="tx1"/>
+            </a:solidFill>
+            <a:ln>
+              <a:noFill/>
+            </a:ln>
+          </p:spPr>
+          <p:style>
+            <a:lnRef idx="2">
+              <a:schemeClr val="accent1">
+                <a:shade val="50000"/>
+              </a:schemeClr>
+            </a:lnRef>
+            <a:fillRef idx="1">
+              <a:schemeClr val="accent1"/>
+            </a:fillRef>
+            <a:effectRef idx="0">
+              <a:schemeClr val="accent1"/>
+            </a:effectRef>
+            <a:fontRef idx="minor">
+              <a:schemeClr val="lt1"/>
+            </a:fontRef>
+          </p:style>
+          <p:txBody>
+            <a:bodyPr rtlCol="0" anchor="ctr"/>
+            <a:lstStyle/>
+            <a:p>
+              <a:pPr algn="ctr"/>
+              <a:endParaRPr lang="ko-KR" altLang="en-US"/>
+            </a:p>
+          </p:txBody>
+        </p:sp>
+      </p:grpSp>
+      <p:sp>
+        <p:nvSpPr>
+          <p:cNvPr id="71" name="TextBox 70">
+            <a:extLst>
+              <a:ext uri="{FF2B5EF4-FFF2-40B4-BE49-F238E27FC236}">
+                <a16:creationId xmlns:a16="http://schemas.microsoft.com/office/drawing/2014/main" id="{AE6FFB3D-92D0-4590-A370-4F8CFD6DA549}"/>
+              </a:ext>
+            </a:extLst>
+          </p:cNvPr>
+          <p:cNvSpPr txBox="1"/>
+          <p:nvPr/>
+        </p:nvSpPr>
+        <p:spPr>
+          <a:xfrm>
+            <a:off x="4374590" y="1587478"/>
+            <a:ext cx="950636" cy="307777"/>
+          </a:xfrm>
+          <a:prstGeom prst="rect">
+            <a:avLst/>
+          </a:prstGeom>
+          <a:noFill/>
+        </p:spPr>
+        <p:txBody>
+          <a:bodyPr wrap="square" rtlCol="0">
+            <a:spAutoFit/>
+          </a:bodyPr>
+          <a:lstStyle/>
+          <a:p>
+            <a:r>
+              <a:rPr lang="en-US" altLang="ko-KR" sz="1400" b="1" dirty="0">
+                <a:latin typeface="메이플스토리" panose="02000300000000000000" pitchFamily="2" charset="-127"/>
+                <a:ea typeface="메이플스토리" panose="02000300000000000000" pitchFamily="2" charset="-127"/>
+              </a:rPr>
+              <a:t>Touch!!</a:t>
+            </a:r>
+            <a:endParaRPr lang="ko-KR" altLang="en-US" sz="1400" b="1" dirty="0">
+              <a:latin typeface="메이플스토리" panose="02000300000000000000" pitchFamily="2" charset="-127"/>
+              <a:ea typeface="메이플스토리" panose="02000300000000000000" pitchFamily="2" charset="-127"/>
+            </a:endParaRPr>
           </a:p>
         </p:txBody>
       </p:sp>

--- a/개인작업폴더/유건희/Infinite Strom.pptx
+++ b/개인작업폴더/유건희/Infinite Strom.pptx
@@ -16047,7 +16047,49 @@
         </p:nvSpPr>
         <p:spPr>
           <a:xfrm>
-            <a:off x="4374590" y="1587478"/>
+            <a:off x="456959" y="5300982"/>
+            <a:ext cx="950636" cy="307777"/>
+          </a:xfrm>
+          <a:prstGeom prst="rect">
+            <a:avLst/>
+          </a:prstGeom>
+          <a:noFill/>
+        </p:spPr>
+        <p:txBody>
+          <a:bodyPr wrap="square" rtlCol="0">
+            <a:spAutoFit/>
+          </a:bodyPr>
+          <a:lstStyle/>
+          <a:p>
+            <a:r>
+              <a:rPr lang="en-US" altLang="ko-KR" sz="1400" b="1" dirty="0">
+                <a:latin typeface="메이플스토리" panose="02000300000000000000" pitchFamily="2" charset="-127"/>
+                <a:ea typeface="메이플스토리" panose="02000300000000000000" pitchFamily="2" charset="-127"/>
+              </a:rPr>
+              <a:t>Touch!!</a:t>
+            </a:r>
+            <a:endParaRPr lang="ko-KR" altLang="en-US" sz="1400" b="1" dirty="0">
+              <a:latin typeface="메이플스토리" panose="02000300000000000000" pitchFamily="2" charset="-127"/>
+              <a:ea typeface="메이플스토리" panose="02000300000000000000" pitchFamily="2" charset="-127"/>
+            </a:endParaRPr>
+          </a:p>
+        </p:txBody>
+      </p:sp>
+      <p:sp>
+        <p:nvSpPr>
+          <p:cNvPr id="69" name="TextBox 68">
+            <a:extLst>
+              <a:ext uri="{FF2B5EF4-FFF2-40B4-BE49-F238E27FC236}">
+                <a16:creationId xmlns:a16="http://schemas.microsoft.com/office/drawing/2014/main" id="{2209F48E-9332-49B2-98BA-B516FFB1D33F}"/>
+              </a:ext>
+            </a:extLst>
+          </p:cNvPr>
+          <p:cNvSpPr txBox="1"/>
+          <p:nvPr/>
+        </p:nvSpPr>
+        <p:spPr>
+          <a:xfrm>
+            <a:off x="6629150" y="5266010"/>
             <a:ext cx="950636" cy="307777"/>
           </a:xfrm>
           <a:prstGeom prst="rect">

--- a/개인작업폴더/유건희/Infinite Strom.pptx
+++ b/개인작업폴더/유건희/Infinite Strom.pptx
@@ -9,6 +9,7 @@
     <p:sldId id="257" r:id="rId3"/>
     <p:sldId id="259" r:id="rId4"/>
     <p:sldId id="258" r:id="rId5"/>
+    <p:sldId id="260" r:id="rId6"/>
   </p:sldIdLst>
   <p:sldSz cx="12192000" cy="6858000"/>
   <p:notesSz cx="6858000" cy="9144000"/>
@@ -262,7 +263,7 @@
           <a:p>
             <a:fld id="{DEE44FA5-1D27-4C1F-B41C-703A784E8162}" type="datetimeFigureOut">
               <a:rPr lang="ko-KR" altLang="en-US" smtClean="0"/>
-              <a:t>2021-01-26</a:t>
+              <a:t>2021-01-27</a:t>
             </a:fld>
             <a:endParaRPr lang="ko-KR" altLang="en-US"/>
           </a:p>
@@ -460,7 +461,7 @@
           <a:p>
             <a:fld id="{DEE44FA5-1D27-4C1F-B41C-703A784E8162}" type="datetimeFigureOut">
               <a:rPr lang="ko-KR" altLang="en-US" smtClean="0"/>
-              <a:t>2021-01-26</a:t>
+              <a:t>2021-01-27</a:t>
             </a:fld>
             <a:endParaRPr lang="ko-KR" altLang="en-US"/>
           </a:p>
@@ -668,7 +669,7 @@
           <a:p>
             <a:fld id="{DEE44FA5-1D27-4C1F-B41C-703A784E8162}" type="datetimeFigureOut">
               <a:rPr lang="ko-KR" altLang="en-US" smtClean="0"/>
-              <a:t>2021-01-26</a:t>
+              <a:t>2021-01-27</a:t>
             </a:fld>
             <a:endParaRPr lang="ko-KR" altLang="en-US"/>
           </a:p>
@@ -866,7 +867,7 @@
           <a:p>
             <a:fld id="{DEE44FA5-1D27-4C1F-B41C-703A784E8162}" type="datetimeFigureOut">
               <a:rPr lang="ko-KR" altLang="en-US" smtClean="0"/>
-              <a:t>2021-01-26</a:t>
+              <a:t>2021-01-27</a:t>
             </a:fld>
             <a:endParaRPr lang="ko-KR" altLang="en-US"/>
           </a:p>
@@ -1141,7 +1142,7 @@
           <a:p>
             <a:fld id="{DEE44FA5-1D27-4C1F-B41C-703A784E8162}" type="datetimeFigureOut">
               <a:rPr lang="ko-KR" altLang="en-US" smtClean="0"/>
-              <a:t>2021-01-26</a:t>
+              <a:t>2021-01-27</a:t>
             </a:fld>
             <a:endParaRPr lang="ko-KR" altLang="en-US"/>
           </a:p>
@@ -1406,7 +1407,7 @@
           <a:p>
             <a:fld id="{DEE44FA5-1D27-4C1F-B41C-703A784E8162}" type="datetimeFigureOut">
               <a:rPr lang="ko-KR" altLang="en-US" smtClean="0"/>
-              <a:t>2021-01-26</a:t>
+              <a:t>2021-01-27</a:t>
             </a:fld>
             <a:endParaRPr lang="ko-KR" altLang="en-US"/>
           </a:p>
@@ -1818,7 +1819,7 @@
           <a:p>
             <a:fld id="{DEE44FA5-1D27-4C1F-B41C-703A784E8162}" type="datetimeFigureOut">
               <a:rPr lang="ko-KR" altLang="en-US" smtClean="0"/>
-              <a:t>2021-01-26</a:t>
+              <a:t>2021-01-27</a:t>
             </a:fld>
             <a:endParaRPr lang="ko-KR" altLang="en-US"/>
           </a:p>
@@ -1959,7 +1960,7 @@
           <a:p>
             <a:fld id="{DEE44FA5-1D27-4C1F-B41C-703A784E8162}" type="datetimeFigureOut">
               <a:rPr lang="ko-KR" altLang="en-US" smtClean="0"/>
-              <a:t>2021-01-26</a:t>
+              <a:t>2021-01-27</a:t>
             </a:fld>
             <a:endParaRPr lang="ko-KR" altLang="en-US"/>
           </a:p>
@@ -2072,7 +2073,7 @@
           <a:p>
             <a:fld id="{DEE44FA5-1D27-4C1F-B41C-703A784E8162}" type="datetimeFigureOut">
               <a:rPr lang="ko-KR" altLang="en-US" smtClean="0"/>
-              <a:t>2021-01-26</a:t>
+              <a:t>2021-01-27</a:t>
             </a:fld>
             <a:endParaRPr lang="ko-KR" altLang="en-US"/>
           </a:p>
@@ -2383,7 +2384,7 @@
           <a:p>
             <a:fld id="{DEE44FA5-1D27-4C1F-B41C-703A784E8162}" type="datetimeFigureOut">
               <a:rPr lang="ko-KR" altLang="en-US" smtClean="0"/>
-              <a:t>2021-01-26</a:t>
+              <a:t>2021-01-27</a:t>
             </a:fld>
             <a:endParaRPr lang="ko-KR" altLang="en-US"/>
           </a:p>
@@ -2671,7 +2672,7 @@
           <a:p>
             <a:fld id="{DEE44FA5-1D27-4C1F-B41C-703A784E8162}" type="datetimeFigureOut">
               <a:rPr lang="ko-KR" altLang="en-US" smtClean="0"/>
-              <a:t>2021-01-26</a:t>
+              <a:t>2021-01-27</a:t>
             </a:fld>
             <a:endParaRPr lang="ko-KR" altLang="en-US"/>
           </a:p>
@@ -2912,7 +2913,7 @@
           <a:p>
             <a:fld id="{DEE44FA5-1D27-4C1F-B41C-703A784E8162}" type="datetimeFigureOut">
               <a:rPr lang="ko-KR" altLang="en-US" smtClean="0"/>
-              <a:t>2021-01-26</a:t>
+              <a:t>2021-01-27</a:t>
             </a:fld>
             <a:endParaRPr lang="ko-KR" altLang="en-US"/>
           </a:p>
@@ -12267,6 +12268,542 @@
           </a:p>
         </p:txBody>
       </p:sp>
+      <p:grpSp>
+        <p:nvGrpSpPr>
+          <p:cNvPr id="129" name="그룹 128">
+            <a:extLst>
+              <a:ext uri="{FF2B5EF4-FFF2-40B4-BE49-F238E27FC236}">
+                <a16:creationId xmlns:a16="http://schemas.microsoft.com/office/drawing/2014/main" id="{23CC749F-B20A-4CFF-8CF1-C86A11EF19D1}"/>
+              </a:ext>
+            </a:extLst>
+          </p:cNvPr>
+          <p:cNvGrpSpPr/>
+          <p:nvPr/>
+        </p:nvGrpSpPr>
+        <p:grpSpPr>
+          <a:xfrm>
+            <a:off x="5000994" y="1570747"/>
+            <a:ext cx="345385" cy="342890"/>
+            <a:chOff x="2583977" y="2018169"/>
+            <a:chExt cx="345385" cy="342890"/>
+          </a:xfrm>
+        </p:grpSpPr>
+        <p:sp>
+          <p:nvSpPr>
+            <p:cNvPr id="141" name="직사각형 140">
+              <a:extLst>
+                <a:ext uri="{FF2B5EF4-FFF2-40B4-BE49-F238E27FC236}">
+                  <a16:creationId xmlns:a16="http://schemas.microsoft.com/office/drawing/2014/main" id="{CCA5D7AC-FA1D-467E-954B-058E55E834FA}"/>
+                </a:ext>
+              </a:extLst>
+            </p:cNvPr>
+            <p:cNvSpPr/>
+            <p:nvPr/>
+          </p:nvSpPr>
+          <p:spPr>
+            <a:xfrm flipV="1">
+              <a:off x="2583977" y="2018169"/>
+              <a:ext cx="345385" cy="342890"/>
+            </a:xfrm>
+            <a:prstGeom prst="rect">
+              <a:avLst/>
+            </a:prstGeom>
+            <a:solidFill>
+              <a:schemeClr val="accent4">
+                <a:lumMod val="40000"/>
+                <a:lumOff val="60000"/>
+              </a:schemeClr>
+            </a:solidFill>
+            <a:ln>
+              <a:solidFill>
+                <a:schemeClr val="bg1"/>
+              </a:solidFill>
+            </a:ln>
+          </p:spPr>
+          <p:style>
+            <a:lnRef idx="2">
+              <a:schemeClr val="accent1">
+                <a:shade val="50000"/>
+              </a:schemeClr>
+            </a:lnRef>
+            <a:fillRef idx="1">
+              <a:schemeClr val="accent1"/>
+            </a:fillRef>
+            <a:effectRef idx="0">
+              <a:schemeClr val="accent1"/>
+            </a:effectRef>
+            <a:fontRef idx="minor">
+              <a:schemeClr val="lt1"/>
+            </a:fontRef>
+          </p:style>
+          <p:txBody>
+            <a:bodyPr rtlCol="0" anchor="ctr"/>
+            <a:lstStyle/>
+            <a:p>
+              <a:pPr algn="ctr"/>
+              <a:endParaRPr lang="ko-KR" altLang="en-US" dirty="0"/>
+            </a:p>
+          </p:txBody>
+        </p:sp>
+        <p:sp>
+          <p:nvSpPr>
+            <p:cNvPr id="146" name="화살표: 위쪽 145">
+              <a:extLst>
+                <a:ext uri="{FF2B5EF4-FFF2-40B4-BE49-F238E27FC236}">
+                  <a16:creationId xmlns:a16="http://schemas.microsoft.com/office/drawing/2014/main" id="{CB5E955A-9569-41EA-8DF0-822038702474}"/>
+                </a:ext>
+              </a:extLst>
+            </p:cNvPr>
+            <p:cNvSpPr/>
+            <p:nvPr/>
+          </p:nvSpPr>
+          <p:spPr>
+            <a:xfrm>
+              <a:off x="2688972" y="2075595"/>
+              <a:ext cx="160014" cy="212768"/>
+            </a:xfrm>
+            <a:prstGeom prst="upArrow">
+              <a:avLst/>
+            </a:prstGeom>
+            <a:solidFill>
+              <a:srgbClr val="FF0000"/>
+            </a:solidFill>
+            <a:ln>
+              <a:solidFill>
+                <a:schemeClr val="bg2">
+                  <a:lumMod val="25000"/>
+                </a:schemeClr>
+              </a:solidFill>
+            </a:ln>
+          </p:spPr>
+          <p:style>
+            <a:lnRef idx="2">
+              <a:schemeClr val="accent1">
+                <a:shade val="50000"/>
+              </a:schemeClr>
+            </a:lnRef>
+            <a:fillRef idx="1">
+              <a:schemeClr val="accent1"/>
+            </a:fillRef>
+            <a:effectRef idx="0">
+              <a:schemeClr val="accent1"/>
+            </a:effectRef>
+            <a:fontRef idx="minor">
+              <a:schemeClr val="lt1"/>
+            </a:fontRef>
+          </p:style>
+          <p:txBody>
+            <a:bodyPr rtlCol="0" anchor="ctr"/>
+            <a:lstStyle/>
+            <a:p>
+              <a:pPr algn="ctr"/>
+              <a:endParaRPr lang="ko-KR" altLang="en-US"/>
+            </a:p>
+          </p:txBody>
+        </p:sp>
+      </p:grpSp>
+      <p:grpSp>
+        <p:nvGrpSpPr>
+          <p:cNvPr id="147" name="그룹 146">
+            <a:extLst>
+              <a:ext uri="{FF2B5EF4-FFF2-40B4-BE49-F238E27FC236}">
+                <a16:creationId xmlns:a16="http://schemas.microsoft.com/office/drawing/2014/main" id="{284CC947-348B-4654-A8CB-F3C0EFE5BEAA}"/>
+              </a:ext>
+            </a:extLst>
+          </p:cNvPr>
+          <p:cNvGrpSpPr/>
+          <p:nvPr/>
+        </p:nvGrpSpPr>
+        <p:grpSpPr>
+          <a:xfrm>
+            <a:off x="5819889" y="1570747"/>
+            <a:ext cx="345385" cy="342890"/>
+            <a:chOff x="3402872" y="2018169"/>
+            <a:chExt cx="345385" cy="342890"/>
+          </a:xfrm>
+        </p:grpSpPr>
+        <p:sp>
+          <p:nvSpPr>
+            <p:cNvPr id="148" name="직사각형 147">
+              <a:extLst>
+                <a:ext uri="{FF2B5EF4-FFF2-40B4-BE49-F238E27FC236}">
+                  <a16:creationId xmlns:a16="http://schemas.microsoft.com/office/drawing/2014/main" id="{4815CB83-1515-4DDB-91E6-351A1DAD6914}"/>
+                </a:ext>
+              </a:extLst>
+            </p:cNvPr>
+            <p:cNvSpPr/>
+            <p:nvPr/>
+          </p:nvSpPr>
+          <p:spPr>
+            <a:xfrm flipV="1">
+              <a:off x="3402872" y="2018169"/>
+              <a:ext cx="345385" cy="342890"/>
+            </a:xfrm>
+            <a:prstGeom prst="rect">
+              <a:avLst/>
+            </a:prstGeom>
+            <a:solidFill>
+              <a:schemeClr val="accent4">
+                <a:lumMod val="40000"/>
+                <a:lumOff val="60000"/>
+              </a:schemeClr>
+            </a:solidFill>
+            <a:ln>
+              <a:solidFill>
+                <a:schemeClr val="bg1"/>
+              </a:solidFill>
+            </a:ln>
+          </p:spPr>
+          <p:style>
+            <a:lnRef idx="2">
+              <a:schemeClr val="accent1">
+                <a:shade val="50000"/>
+              </a:schemeClr>
+            </a:lnRef>
+            <a:fillRef idx="1">
+              <a:schemeClr val="accent1"/>
+            </a:fillRef>
+            <a:effectRef idx="0">
+              <a:schemeClr val="accent1"/>
+            </a:effectRef>
+            <a:fontRef idx="minor">
+              <a:schemeClr val="lt1"/>
+            </a:fontRef>
+          </p:style>
+          <p:txBody>
+            <a:bodyPr rtlCol="0" anchor="ctr"/>
+            <a:lstStyle/>
+            <a:p>
+              <a:pPr algn="ctr"/>
+              <a:endParaRPr lang="ko-KR" altLang="en-US" dirty="0"/>
+            </a:p>
+          </p:txBody>
+        </p:sp>
+        <p:sp>
+          <p:nvSpPr>
+            <p:cNvPr id="165" name="화살표: 위쪽 164">
+              <a:extLst>
+                <a:ext uri="{FF2B5EF4-FFF2-40B4-BE49-F238E27FC236}">
+                  <a16:creationId xmlns:a16="http://schemas.microsoft.com/office/drawing/2014/main" id="{7EC1CA8D-0460-4E10-B1BE-6BACE906B548}"/>
+                </a:ext>
+              </a:extLst>
+            </p:cNvPr>
+            <p:cNvSpPr/>
+            <p:nvPr/>
+          </p:nvSpPr>
+          <p:spPr>
+            <a:xfrm rot="5400000">
+              <a:off x="3462088" y="2106973"/>
+              <a:ext cx="226951" cy="150013"/>
+            </a:xfrm>
+            <a:prstGeom prst="upArrow">
+              <a:avLst/>
+            </a:prstGeom>
+            <a:solidFill>
+              <a:srgbClr val="FF0000"/>
+            </a:solidFill>
+            <a:ln>
+              <a:solidFill>
+                <a:schemeClr val="bg2">
+                  <a:lumMod val="25000"/>
+                </a:schemeClr>
+              </a:solidFill>
+            </a:ln>
+          </p:spPr>
+          <p:style>
+            <a:lnRef idx="2">
+              <a:schemeClr val="accent1">
+                <a:shade val="50000"/>
+              </a:schemeClr>
+            </a:lnRef>
+            <a:fillRef idx="1">
+              <a:schemeClr val="accent1"/>
+            </a:fillRef>
+            <a:effectRef idx="0">
+              <a:schemeClr val="accent1"/>
+            </a:effectRef>
+            <a:fontRef idx="minor">
+              <a:schemeClr val="lt1"/>
+            </a:fontRef>
+          </p:style>
+          <p:txBody>
+            <a:bodyPr rtlCol="0" anchor="ctr"/>
+            <a:lstStyle/>
+            <a:p>
+              <a:pPr algn="ctr"/>
+              <a:endParaRPr lang="ko-KR" altLang="en-US"/>
+            </a:p>
+          </p:txBody>
+        </p:sp>
+      </p:grpSp>
+      <p:grpSp>
+        <p:nvGrpSpPr>
+          <p:cNvPr id="166" name="그룹 165">
+            <a:extLst>
+              <a:ext uri="{FF2B5EF4-FFF2-40B4-BE49-F238E27FC236}">
+                <a16:creationId xmlns:a16="http://schemas.microsoft.com/office/drawing/2014/main" id="{EF86A09A-4195-448E-AD5B-3AFB15FC93A1}"/>
+              </a:ext>
+            </a:extLst>
+          </p:cNvPr>
+          <p:cNvGrpSpPr/>
+          <p:nvPr/>
+        </p:nvGrpSpPr>
+        <p:grpSpPr>
+          <a:xfrm>
+            <a:off x="6594700" y="1570747"/>
+            <a:ext cx="345385" cy="342890"/>
+            <a:chOff x="4177683" y="2018169"/>
+            <a:chExt cx="345385" cy="342890"/>
+          </a:xfrm>
+        </p:grpSpPr>
+        <p:sp>
+          <p:nvSpPr>
+            <p:cNvPr id="167" name="직사각형 166">
+              <a:extLst>
+                <a:ext uri="{FF2B5EF4-FFF2-40B4-BE49-F238E27FC236}">
+                  <a16:creationId xmlns:a16="http://schemas.microsoft.com/office/drawing/2014/main" id="{3B3B69B8-4127-4110-8963-2FAA5C8DFF5E}"/>
+                </a:ext>
+              </a:extLst>
+            </p:cNvPr>
+            <p:cNvSpPr/>
+            <p:nvPr/>
+          </p:nvSpPr>
+          <p:spPr>
+            <a:xfrm flipV="1">
+              <a:off x="4177683" y="2018169"/>
+              <a:ext cx="345385" cy="342890"/>
+            </a:xfrm>
+            <a:prstGeom prst="rect">
+              <a:avLst/>
+            </a:prstGeom>
+            <a:solidFill>
+              <a:schemeClr val="accent4">
+                <a:lumMod val="40000"/>
+                <a:lumOff val="60000"/>
+              </a:schemeClr>
+            </a:solidFill>
+            <a:ln>
+              <a:solidFill>
+                <a:schemeClr val="bg1"/>
+              </a:solidFill>
+            </a:ln>
+          </p:spPr>
+          <p:style>
+            <a:lnRef idx="2">
+              <a:schemeClr val="accent1">
+                <a:shade val="50000"/>
+              </a:schemeClr>
+            </a:lnRef>
+            <a:fillRef idx="1">
+              <a:schemeClr val="accent1"/>
+            </a:fillRef>
+            <a:effectRef idx="0">
+              <a:schemeClr val="accent1"/>
+            </a:effectRef>
+            <a:fontRef idx="minor">
+              <a:schemeClr val="lt1"/>
+            </a:fontRef>
+          </p:style>
+          <p:txBody>
+            <a:bodyPr rtlCol="0" anchor="ctr"/>
+            <a:lstStyle/>
+            <a:p>
+              <a:pPr algn="ctr"/>
+              <a:endParaRPr lang="ko-KR" altLang="en-US" dirty="0"/>
+            </a:p>
+          </p:txBody>
+        </p:sp>
+        <p:sp>
+          <p:nvSpPr>
+            <p:cNvPr id="168" name="화살표: 위쪽 167">
+              <a:extLst>
+                <a:ext uri="{FF2B5EF4-FFF2-40B4-BE49-F238E27FC236}">
+                  <a16:creationId xmlns:a16="http://schemas.microsoft.com/office/drawing/2014/main" id="{D62A772B-2876-4890-92D0-CEFE708F66D7}"/>
+                </a:ext>
+              </a:extLst>
+            </p:cNvPr>
+            <p:cNvSpPr/>
+            <p:nvPr/>
+          </p:nvSpPr>
+          <p:spPr>
+            <a:xfrm rot="10800000">
+              <a:off x="4262040" y="2083230"/>
+              <a:ext cx="160014" cy="212768"/>
+            </a:xfrm>
+            <a:prstGeom prst="upArrow">
+              <a:avLst/>
+            </a:prstGeom>
+            <a:solidFill>
+              <a:srgbClr val="FF0000"/>
+            </a:solidFill>
+            <a:ln>
+              <a:solidFill>
+                <a:schemeClr val="bg2">
+                  <a:lumMod val="25000"/>
+                </a:schemeClr>
+              </a:solidFill>
+            </a:ln>
+          </p:spPr>
+          <p:style>
+            <a:lnRef idx="2">
+              <a:schemeClr val="accent1">
+                <a:shade val="50000"/>
+              </a:schemeClr>
+            </a:lnRef>
+            <a:fillRef idx="1">
+              <a:schemeClr val="accent1"/>
+            </a:fillRef>
+            <a:effectRef idx="0">
+              <a:schemeClr val="accent1"/>
+            </a:effectRef>
+            <a:fontRef idx="minor">
+              <a:schemeClr val="lt1"/>
+            </a:fontRef>
+          </p:style>
+          <p:txBody>
+            <a:bodyPr rtlCol="0" anchor="ctr"/>
+            <a:lstStyle/>
+            <a:p>
+              <a:pPr algn="ctr"/>
+              <a:endParaRPr lang="ko-KR" altLang="en-US"/>
+            </a:p>
+          </p:txBody>
+        </p:sp>
+      </p:grpSp>
+      <p:grpSp>
+        <p:nvGrpSpPr>
+          <p:cNvPr id="169" name="그룹 168">
+            <a:extLst>
+              <a:ext uri="{FF2B5EF4-FFF2-40B4-BE49-F238E27FC236}">
+                <a16:creationId xmlns:a16="http://schemas.microsoft.com/office/drawing/2014/main" id="{9479945A-1812-48AE-9698-955B65CC6F2B}"/>
+              </a:ext>
+            </a:extLst>
+          </p:cNvPr>
+          <p:cNvGrpSpPr/>
+          <p:nvPr/>
+        </p:nvGrpSpPr>
+        <p:grpSpPr>
+          <a:xfrm>
+            <a:off x="4246162" y="1570747"/>
+            <a:ext cx="345385" cy="342890"/>
+            <a:chOff x="1829145" y="2018169"/>
+            <a:chExt cx="345385" cy="342890"/>
+          </a:xfrm>
+        </p:grpSpPr>
+        <p:sp>
+          <p:nvSpPr>
+            <p:cNvPr id="170" name="직사각형 169">
+              <a:extLst>
+                <a:ext uri="{FF2B5EF4-FFF2-40B4-BE49-F238E27FC236}">
+                  <a16:creationId xmlns:a16="http://schemas.microsoft.com/office/drawing/2014/main" id="{64D4F978-8472-4A8F-8D27-92134A42C299}"/>
+                </a:ext>
+              </a:extLst>
+            </p:cNvPr>
+            <p:cNvSpPr/>
+            <p:nvPr/>
+          </p:nvSpPr>
+          <p:spPr>
+            <a:xfrm flipV="1">
+              <a:off x="1829145" y="2018169"/>
+              <a:ext cx="345385" cy="342890"/>
+            </a:xfrm>
+            <a:prstGeom prst="rect">
+              <a:avLst/>
+            </a:prstGeom>
+            <a:solidFill>
+              <a:schemeClr val="accent4">
+                <a:lumMod val="40000"/>
+                <a:lumOff val="60000"/>
+              </a:schemeClr>
+            </a:solidFill>
+            <a:ln>
+              <a:solidFill>
+                <a:schemeClr val="bg1"/>
+              </a:solidFill>
+            </a:ln>
+          </p:spPr>
+          <p:style>
+            <a:lnRef idx="2">
+              <a:schemeClr val="accent1">
+                <a:shade val="50000"/>
+              </a:schemeClr>
+            </a:lnRef>
+            <a:fillRef idx="1">
+              <a:schemeClr val="accent1"/>
+            </a:fillRef>
+            <a:effectRef idx="0">
+              <a:schemeClr val="accent1"/>
+            </a:effectRef>
+            <a:fontRef idx="minor">
+              <a:schemeClr val="lt1"/>
+            </a:fontRef>
+          </p:style>
+          <p:txBody>
+            <a:bodyPr rtlCol="0" anchor="ctr"/>
+            <a:lstStyle/>
+            <a:p>
+              <a:pPr algn="ctr"/>
+              <a:endParaRPr lang="ko-KR" altLang="en-US" dirty="0"/>
+            </a:p>
+          </p:txBody>
+        </p:sp>
+        <p:sp>
+          <p:nvSpPr>
+            <p:cNvPr id="171" name="화살표: 위쪽 170">
+              <a:extLst>
+                <a:ext uri="{FF2B5EF4-FFF2-40B4-BE49-F238E27FC236}">
+                  <a16:creationId xmlns:a16="http://schemas.microsoft.com/office/drawing/2014/main" id="{F0015232-7502-4BB4-B75E-9820E423C00E}"/>
+                </a:ext>
+              </a:extLst>
+            </p:cNvPr>
+            <p:cNvSpPr/>
+            <p:nvPr/>
+          </p:nvSpPr>
+          <p:spPr>
+            <a:xfrm rot="16200000">
+              <a:off x="1888360" y="2115640"/>
+              <a:ext cx="226953" cy="150015"/>
+            </a:xfrm>
+            <a:prstGeom prst="upArrow">
+              <a:avLst/>
+            </a:prstGeom>
+            <a:solidFill>
+              <a:srgbClr val="FF0000"/>
+            </a:solidFill>
+            <a:ln>
+              <a:solidFill>
+                <a:schemeClr val="bg2">
+                  <a:lumMod val="25000"/>
+                </a:schemeClr>
+              </a:solidFill>
+            </a:ln>
+          </p:spPr>
+          <p:style>
+            <a:lnRef idx="2">
+              <a:schemeClr val="accent1">
+                <a:shade val="50000"/>
+              </a:schemeClr>
+            </a:lnRef>
+            <a:fillRef idx="1">
+              <a:schemeClr val="accent1"/>
+            </a:fillRef>
+            <a:effectRef idx="0">
+              <a:schemeClr val="accent1"/>
+            </a:effectRef>
+            <a:fontRef idx="minor">
+              <a:schemeClr val="lt1"/>
+            </a:fontRef>
+          </p:style>
+          <p:txBody>
+            <a:bodyPr rtlCol="0" anchor="ctr"/>
+            <a:lstStyle/>
+            <a:p>
+              <a:pPr algn="ctr"/>
+              <a:endParaRPr lang="ko-KR" altLang="en-US"/>
+            </a:p>
+          </p:txBody>
+        </p:sp>
+      </p:grpSp>
     </p:spTree>
     <p:extLst>
       <p:ext uri="{BB962C8B-B14F-4D97-AF65-F5344CB8AC3E}">
@@ -18602,6 +19139,572 @@
     <p:extLst>
       <p:ext uri="{BB962C8B-B14F-4D97-AF65-F5344CB8AC3E}">
         <p14:creationId xmlns:p14="http://schemas.microsoft.com/office/powerpoint/2010/main" val="3693275655"/>
+      </p:ext>
+    </p:extLst>
+  </p:cSld>
+  <p:clrMapOvr>
+    <a:masterClrMapping/>
+  </p:clrMapOvr>
+</p:sld>
+</file>
+
+<file path=ppt/slides/slide5.xml><?xml version="1.0" encoding="utf-8"?>
+<p:sld xmlns:a="http://schemas.openxmlformats.org/drawingml/2006/main" xmlns:r="http://schemas.openxmlformats.org/officeDocument/2006/relationships" xmlns:p="http://schemas.openxmlformats.org/presentationml/2006/main">
+  <p:cSld>
+    <p:spTree>
+      <p:nvGrpSpPr>
+        <p:cNvPr id="1" name=""/>
+        <p:cNvGrpSpPr/>
+        <p:nvPr/>
+      </p:nvGrpSpPr>
+      <p:grpSpPr>
+        <a:xfrm>
+          <a:off x="0" y="0"/>
+          <a:ext cx="0" cy="0"/>
+          <a:chOff x="0" y="0"/>
+          <a:chExt cx="0" cy="0"/>
+        </a:xfrm>
+      </p:grpSpPr>
+      <p:grpSp>
+        <p:nvGrpSpPr>
+          <p:cNvPr id="28" name="그룹 27">
+            <a:extLst>
+              <a:ext uri="{FF2B5EF4-FFF2-40B4-BE49-F238E27FC236}">
+                <a16:creationId xmlns:a16="http://schemas.microsoft.com/office/drawing/2014/main" id="{2817541D-9F93-4186-B2BE-AEE8B5DBF0F4}"/>
+              </a:ext>
+            </a:extLst>
+          </p:cNvPr>
+          <p:cNvGrpSpPr/>
+          <p:nvPr/>
+        </p:nvGrpSpPr>
+        <p:grpSpPr>
+          <a:xfrm>
+            <a:off x="2583977" y="2018169"/>
+            <a:ext cx="345385" cy="342890"/>
+            <a:chOff x="2583977" y="2018169"/>
+            <a:chExt cx="345385" cy="342890"/>
+          </a:xfrm>
+        </p:grpSpPr>
+        <p:sp>
+          <p:nvSpPr>
+            <p:cNvPr id="5" name="직사각형 4">
+              <a:extLst>
+                <a:ext uri="{FF2B5EF4-FFF2-40B4-BE49-F238E27FC236}">
+                  <a16:creationId xmlns:a16="http://schemas.microsoft.com/office/drawing/2014/main" id="{F8D0C49F-4D5E-4F99-AAB8-E912C33228FE}"/>
+                </a:ext>
+              </a:extLst>
+            </p:cNvPr>
+            <p:cNvSpPr/>
+            <p:nvPr/>
+          </p:nvSpPr>
+          <p:spPr>
+            <a:xfrm flipV="1">
+              <a:off x="2583977" y="2018169"/>
+              <a:ext cx="345385" cy="342890"/>
+            </a:xfrm>
+            <a:prstGeom prst="rect">
+              <a:avLst/>
+            </a:prstGeom>
+            <a:solidFill>
+              <a:schemeClr val="accent4">
+                <a:lumMod val="40000"/>
+                <a:lumOff val="60000"/>
+              </a:schemeClr>
+            </a:solidFill>
+            <a:ln>
+              <a:solidFill>
+                <a:schemeClr val="bg1"/>
+              </a:solidFill>
+            </a:ln>
+          </p:spPr>
+          <p:style>
+            <a:lnRef idx="2">
+              <a:schemeClr val="accent1">
+                <a:shade val="50000"/>
+              </a:schemeClr>
+            </a:lnRef>
+            <a:fillRef idx="1">
+              <a:schemeClr val="accent1"/>
+            </a:fillRef>
+            <a:effectRef idx="0">
+              <a:schemeClr val="accent1"/>
+            </a:effectRef>
+            <a:fontRef idx="minor">
+              <a:schemeClr val="lt1"/>
+            </a:fontRef>
+          </p:style>
+          <p:txBody>
+            <a:bodyPr rtlCol="0" anchor="ctr"/>
+            <a:lstStyle/>
+            <a:p>
+              <a:pPr algn="ctr"/>
+              <a:endParaRPr lang="ko-KR" altLang="en-US" dirty="0"/>
+            </a:p>
+          </p:txBody>
+        </p:sp>
+        <p:sp>
+          <p:nvSpPr>
+            <p:cNvPr id="6" name="화살표: 위쪽 5">
+              <a:extLst>
+                <a:ext uri="{FF2B5EF4-FFF2-40B4-BE49-F238E27FC236}">
+                  <a16:creationId xmlns:a16="http://schemas.microsoft.com/office/drawing/2014/main" id="{898FFCCF-CEEC-4EC2-A07C-2AA56399E72A}"/>
+                </a:ext>
+              </a:extLst>
+            </p:cNvPr>
+            <p:cNvSpPr/>
+            <p:nvPr/>
+          </p:nvSpPr>
+          <p:spPr>
+            <a:xfrm>
+              <a:off x="2688972" y="2075595"/>
+              <a:ext cx="160014" cy="212768"/>
+            </a:xfrm>
+            <a:prstGeom prst="upArrow">
+              <a:avLst/>
+            </a:prstGeom>
+            <a:solidFill>
+              <a:srgbClr val="FF0000"/>
+            </a:solidFill>
+            <a:ln>
+              <a:solidFill>
+                <a:schemeClr val="bg2">
+                  <a:lumMod val="25000"/>
+                </a:schemeClr>
+              </a:solidFill>
+            </a:ln>
+          </p:spPr>
+          <p:style>
+            <a:lnRef idx="2">
+              <a:schemeClr val="accent1">
+                <a:shade val="50000"/>
+              </a:schemeClr>
+            </a:lnRef>
+            <a:fillRef idx="1">
+              <a:schemeClr val="accent1"/>
+            </a:fillRef>
+            <a:effectRef idx="0">
+              <a:schemeClr val="accent1"/>
+            </a:effectRef>
+            <a:fontRef idx="minor">
+              <a:schemeClr val="lt1"/>
+            </a:fontRef>
+          </p:style>
+          <p:txBody>
+            <a:bodyPr rtlCol="0" anchor="ctr"/>
+            <a:lstStyle/>
+            <a:p>
+              <a:pPr algn="ctr"/>
+              <a:endParaRPr lang="ko-KR" altLang="en-US"/>
+            </a:p>
+          </p:txBody>
+        </p:sp>
+      </p:grpSp>
+      <p:grpSp>
+        <p:nvGrpSpPr>
+          <p:cNvPr id="27" name="그룹 26">
+            <a:extLst>
+              <a:ext uri="{FF2B5EF4-FFF2-40B4-BE49-F238E27FC236}">
+                <a16:creationId xmlns:a16="http://schemas.microsoft.com/office/drawing/2014/main" id="{5692DE06-F03E-4A8B-AB24-6B7FA9CF8B2C}"/>
+              </a:ext>
+            </a:extLst>
+          </p:cNvPr>
+          <p:cNvGrpSpPr/>
+          <p:nvPr/>
+        </p:nvGrpSpPr>
+        <p:grpSpPr>
+          <a:xfrm>
+            <a:off x="3402872" y="2018169"/>
+            <a:ext cx="345385" cy="342890"/>
+            <a:chOff x="3402872" y="2018169"/>
+            <a:chExt cx="345385" cy="342890"/>
+          </a:xfrm>
+        </p:grpSpPr>
+        <p:sp>
+          <p:nvSpPr>
+            <p:cNvPr id="7" name="직사각형 6">
+              <a:extLst>
+                <a:ext uri="{FF2B5EF4-FFF2-40B4-BE49-F238E27FC236}">
+                  <a16:creationId xmlns:a16="http://schemas.microsoft.com/office/drawing/2014/main" id="{4117D6D1-8475-46B1-9470-025DCB8ECB55}"/>
+                </a:ext>
+              </a:extLst>
+            </p:cNvPr>
+            <p:cNvSpPr/>
+            <p:nvPr/>
+          </p:nvSpPr>
+          <p:spPr>
+            <a:xfrm flipV="1">
+              <a:off x="3402872" y="2018169"/>
+              <a:ext cx="345385" cy="342890"/>
+            </a:xfrm>
+            <a:prstGeom prst="rect">
+              <a:avLst/>
+            </a:prstGeom>
+            <a:solidFill>
+              <a:schemeClr val="accent4">
+                <a:lumMod val="40000"/>
+                <a:lumOff val="60000"/>
+              </a:schemeClr>
+            </a:solidFill>
+            <a:ln>
+              <a:solidFill>
+                <a:schemeClr val="bg1"/>
+              </a:solidFill>
+            </a:ln>
+          </p:spPr>
+          <p:style>
+            <a:lnRef idx="2">
+              <a:schemeClr val="accent1">
+                <a:shade val="50000"/>
+              </a:schemeClr>
+            </a:lnRef>
+            <a:fillRef idx="1">
+              <a:schemeClr val="accent1"/>
+            </a:fillRef>
+            <a:effectRef idx="0">
+              <a:schemeClr val="accent1"/>
+            </a:effectRef>
+            <a:fontRef idx="minor">
+              <a:schemeClr val="lt1"/>
+            </a:fontRef>
+          </p:style>
+          <p:txBody>
+            <a:bodyPr rtlCol="0" anchor="ctr"/>
+            <a:lstStyle/>
+            <a:p>
+              <a:pPr algn="ctr"/>
+              <a:endParaRPr lang="ko-KR" altLang="en-US" dirty="0"/>
+            </a:p>
+          </p:txBody>
+        </p:sp>
+        <p:sp>
+          <p:nvSpPr>
+            <p:cNvPr id="8" name="화살표: 위쪽 7">
+              <a:extLst>
+                <a:ext uri="{FF2B5EF4-FFF2-40B4-BE49-F238E27FC236}">
+                  <a16:creationId xmlns:a16="http://schemas.microsoft.com/office/drawing/2014/main" id="{E834D0F2-6E26-4415-B77D-81386BD86042}"/>
+                </a:ext>
+              </a:extLst>
+            </p:cNvPr>
+            <p:cNvSpPr/>
+            <p:nvPr/>
+          </p:nvSpPr>
+          <p:spPr>
+            <a:xfrm rot="5400000">
+              <a:off x="3462088" y="2106973"/>
+              <a:ext cx="226951" cy="150013"/>
+            </a:xfrm>
+            <a:prstGeom prst="upArrow">
+              <a:avLst/>
+            </a:prstGeom>
+            <a:solidFill>
+              <a:srgbClr val="FF0000"/>
+            </a:solidFill>
+            <a:ln>
+              <a:solidFill>
+                <a:schemeClr val="bg2">
+                  <a:lumMod val="25000"/>
+                </a:schemeClr>
+              </a:solidFill>
+            </a:ln>
+          </p:spPr>
+          <p:style>
+            <a:lnRef idx="2">
+              <a:schemeClr val="accent1">
+                <a:shade val="50000"/>
+              </a:schemeClr>
+            </a:lnRef>
+            <a:fillRef idx="1">
+              <a:schemeClr val="accent1"/>
+            </a:fillRef>
+            <a:effectRef idx="0">
+              <a:schemeClr val="accent1"/>
+            </a:effectRef>
+            <a:fontRef idx="minor">
+              <a:schemeClr val="lt1"/>
+            </a:fontRef>
+          </p:style>
+          <p:txBody>
+            <a:bodyPr rtlCol="0" anchor="ctr"/>
+            <a:lstStyle/>
+            <a:p>
+              <a:pPr algn="ctr"/>
+              <a:endParaRPr lang="ko-KR" altLang="en-US"/>
+            </a:p>
+          </p:txBody>
+        </p:sp>
+      </p:grpSp>
+      <p:grpSp>
+        <p:nvGrpSpPr>
+          <p:cNvPr id="26" name="그룹 25">
+            <a:extLst>
+              <a:ext uri="{FF2B5EF4-FFF2-40B4-BE49-F238E27FC236}">
+                <a16:creationId xmlns:a16="http://schemas.microsoft.com/office/drawing/2014/main" id="{B4CF8696-20CB-4F7E-A47C-3D96071999EF}"/>
+              </a:ext>
+            </a:extLst>
+          </p:cNvPr>
+          <p:cNvGrpSpPr/>
+          <p:nvPr/>
+        </p:nvGrpSpPr>
+        <p:grpSpPr>
+          <a:xfrm>
+            <a:off x="4177683" y="2018169"/>
+            <a:ext cx="345385" cy="342890"/>
+            <a:chOff x="4177683" y="2018169"/>
+            <a:chExt cx="345385" cy="342890"/>
+          </a:xfrm>
+        </p:grpSpPr>
+        <p:sp>
+          <p:nvSpPr>
+            <p:cNvPr id="9" name="직사각형 8">
+              <a:extLst>
+                <a:ext uri="{FF2B5EF4-FFF2-40B4-BE49-F238E27FC236}">
+                  <a16:creationId xmlns:a16="http://schemas.microsoft.com/office/drawing/2014/main" id="{A5B51AA8-1974-4827-8BCA-BE91CC6EC9D2}"/>
+                </a:ext>
+              </a:extLst>
+            </p:cNvPr>
+            <p:cNvSpPr/>
+            <p:nvPr/>
+          </p:nvSpPr>
+          <p:spPr>
+            <a:xfrm flipV="1">
+              <a:off x="4177683" y="2018169"/>
+              <a:ext cx="345385" cy="342890"/>
+            </a:xfrm>
+            <a:prstGeom prst="rect">
+              <a:avLst/>
+            </a:prstGeom>
+            <a:solidFill>
+              <a:schemeClr val="accent4">
+                <a:lumMod val="40000"/>
+                <a:lumOff val="60000"/>
+              </a:schemeClr>
+            </a:solidFill>
+            <a:ln>
+              <a:solidFill>
+                <a:schemeClr val="bg1"/>
+              </a:solidFill>
+            </a:ln>
+          </p:spPr>
+          <p:style>
+            <a:lnRef idx="2">
+              <a:schemeClr val="accent1">
+                <a:shade val="50000"/>
+              </a:schemeClr>
+            </a:lnRef>
+            <a:fillRef idx="1">
+              <a:schemeClr val="accent1"/>
+            </a:fillRef>
+            <a:effectRef idx="0">
+              <a:schemeClr val="accent1"/>
+            </a:effectRef>
+            <a:fontRef idx="minor">
+              <a:schemeClr val="lt1"/>
+            </a:fontRef>
+          </p:style>
+          <p:txBody>
+            <a:bodyPr rtlCol="0" anchor="ctr"/>
+            <a:lstStyle/>
+            <a:p>
+              <a:pPr algn="ctr"/>
+              <a:endParaRPr lang="ko-KR" altLang="en-US" dirty="0"/>
+            </a:p>
+          </p:txBody>
+        </p:sp>
+        <p:sp>
+          <p:nvSpPr>
+            <p:cNvPr id="10" name="화살표: 위쪽 9">
+              <a:extLst>
+                <a:ext uri="{FF2B5EF4-FFF2-40B4-BE49-F238E27FC236}">
+                  <a16:creationId xmlns:a16="http://schemas.microsoft.com/office/drawing/2014/main" id="{56045301-8798-43DD-8019-92B04C9A6DD6}"/>
+                </a:ext>
+              </a:extLst>
+            </p:cNvPr>
+            <p:cNvSpPr/>
+            <p:nvPr/>
+          </p:nvSpPr>
+          <p:spPr>
+            <a:xfrm rot="10800000">
+              <a:off x="4262040" y="2083230"/>
+              <a:ext cx="160014" cy="212768"/>
+            </a:xfrm>
+            <a:prstGeom prst="upArrow">
+              <a:avLst/>
+            </a:prstGeom>
+            <a:solidFill>
+              <a:srgbClr val="FF0000"/>
+            </a:solidFill>
+            <a:ln>
+              <a:solidFill>
+                <a:schemeClr val="bg2">
+                  <a:lumMod val="25000"/>
+                </a:schemeClr>
+              </a:solidFill>
+            </a:ln>
+          </p:spPr>
+          <p:style>
+            <a:lnRef idx="2">
+              <a:schemeClr val="accent1">
+                <a:shade val="50000"/>
+              </a:schemeClr>
+            </a:lnRef>
+            <a:fillRef idx="1">
+              <a:schemeClr val="accent1"/>
+            </a:fillRef>
+            <a:effectRef idx="0">
+              <a:schemeClr val="accent1"/>
+            </a:effectRef>
+            <a:fontRef idx="minor">
+              <a:schemeClr val="lt1"/>
+            </a:fontRef>
+          </p:style>
+          <p:txBody>
+            <a:bodyPr rtlCol="0" anchor="ctr"/>
+            <a:lstStyle/>
+            <a:p>
+              <a:pPr algn="ctr"/>
+              <a:endParaRPr lang="ko-KR" altLang="en-US"/>
+            </a:p>
+          </p:txBody>
+        </p:sp>
+      </p:grpSp>
+      <p:grpSp>
+        <p:nvGrpSpPr>
+          <p:cNvPr id="29" name="그룹 28">
+            <a:extLst>
+              <a:ext uri="{FF2B5EF4-FFF2-40B4-BE49-F238E27FC236}">
+                <a16:creationId xmlns:a16="http://schemas.microsoft.com/office/drawing/2014/main" id="{F2796B7C-6CB1-4056-917A-D272907FA3ED}"/>
+              </a:ext>
+            </a:extLst>
+          </p:cNvPr>
+          <p:cNvGrpSpPr/>
+          <p:nvPr/>
+        </p:nvGrpSpPr>
+        <p:grpSpPr>
+          <a:xfrm>
+            <a:off x="1829145" y="2018169"/>
+            <a:ext cx="345385" cy="342890"/>
+            <a:chOff x="1829145" y="2018169"/>
+            <a:chExt cx="345385" cy="342890"/>
+          </a:xfrm>
+        </p:grpSpPr>
+        <p:sp>
+          <p:nvSpPr>
+            <p:cNvPr id="11" name="직사각형 10">
+              <a:extLst>
+                <a:ext uri="{FF2B5EF4-FFF2-40B4-BE49-F238E27FC236}">
+                  <a16:creationId xmlns:a16="http://schemas.microsoft.com/office/drawing/2014/main" id="{2C6AA213-241E-4679-83DA-C047BF55D878}"/>
+                </a:ext>
+              </a:extLst>
+            </p:cNvPr>
+            <p:cNvSpPr/>
+            <p:nvPr/>
+          </p:nvSpPr>
+          <p:spPr>
+            <a:xfrm flipV="1">
+              <a:off x="1829145" y="2018169"/>
+              <a:ext cx="345385" cy="342890"/>
+            </a:xfrm>
+            <a:prstGeom prst="rect">
+              <a:avLst/>
+            </a:prstGeom>
+            <a:solidFill>
+              <a:schemeClr val="accent4">
+                <a:lumMod val="40000"/>
+                <a:lumOff val="60000"/>
+              </a:schemeClr>
+            </a:solidFill>
+            <a:ln>
+              <a:solidFill>
+                <a:schemeClr val="bg1"/>
+              </a:solidFill>
+            </a:ln>
+          </p:spPr>
+          <p:style>
+            <a:lnRef idx="2">
+              <a:schemeClr val="accent1">
+                <a:shade val="50000"/>
+              </a:schemeClr>
+            </a:lnRef>
+            <a:fillRef idx="1">
+              <a:schemeClr val="accent1"/>
+            </a:fillRef>
+            <a:effectRef idx="0">
+              <a:schemeClr val="accent1"/>
+            </a:effectRef>
+            <a:fontRef idx="minor">
+              <a:schemeClr val="lt1"/>
+            </a:fontRef>
+          </p:style>
+          <p:txBody>
+            <a:bodyPr rtlCol="0" anchor="ctr"/>
+            <a:lstStyle/>
+            <a:p>
+              <a:pPr algn="ctr"/>
+              <a:endParaRPr lang="ko-KR" altLang="en-US" dirty="0"/>
+            </a:p>
+          </p:txBody>
+        </p:sp>
+        <p:sp>
+          <p:nvSpPr>
+            <p:cNvPr id="12" name="화살표: 위쪽 11">
+              <a:extLst>
+                <a:ext uri="{FF2B5EF4-FFF2-40B4-BE49-F238E27FC236}">
+                  <a16:creationId xmlns:a16="http://schemas.microsoft.com/office/drawing/2014/main" id="{F304B186-0387-4D85-B119-16D1E2546039}"/>
+                </a:ext>
+              </a:extLst>
+            </p:cNvPr>
+            <p:cNvSpPr/>
+            <p:nvPr/>
+          </p:nvSpPr>
+          <p:spPr>
+            <a:xfrm rot="16200000">
+              <a:off x="1888360" y="2115640"/>
+              <a:ext cx="226953" cy="150015"/>
+            </a:xfrm>
+            <a:prstGeom prst="upArrow">
+              <a:avLst/>
+            </a:prstGeom>
+            <a:solidFill>
+              <a:srgbClr val="FF0000"/>
+            </a:solidFill>
+            <a:ln>
+              <a:solidFill>
+                <a:schemeClr val="bg2">
+                  <a:lumMod val="25000"/>
+                </a:schemeClr>
+              </a:solidFill>
+            </a:ln>
+          </p:spPr>
+          <p:style>
+            <a:lnRef idx="2">
+              <a:schemeClr val="accent1">
+                <a:shade val="50000"/>
+              </a:schemeClr>
+            </a:lnRef>
+            <a:fillRef idx="1">
+              <a:schemeClr val="accent1"/>
+            </a:fillRef>
+            <a:effectRef idx="0">
+              <a:schemeClr val="accent1"/>
+            </a:effectRef>
+            <a:fontRef idx="minor">
+              <a:schemeClr val="lt1"/>
+            </a:fontRef>
+          </p:style>
+          <p:txBody>
+            <a:bodyPr rtlCol="0" anchor="ctr"/>
+            <a:lstStyle/>
+            <a:p>
+              <a:pPr algn="ctr"/>
+              <a:endParaRPr lang="ko-KR" altLang="en-US"/>
+            </a:p>
+          </p:txBody>
+        </p:sp>
+      </p:grpSp>
+    </p:spTree>
+    <p:extLst>
+      <p:ext uri="{BB962C8B-B14F-4D97-AF65-F5344CB8AC3E}">
+        <p14:creationId xmlns:p14="http://schemas.microsoft.com/office/powerpoint/2010/main" val="3257928193"/>
       </p:ext>
     </p:extLst>
   </p:cSld>

--- a/개인작업폴더/유건희/Infinite Strom.pptx
+++ b/개인작업폴더/유건희/Infinite Strom.pptx
@@ -19113,7 +19113,7 @@
         </p:nvSpPr>
         <p:spPr>
           <a:xfrm>
-            <a:off x="4055720" y="1550148"/>
+            <a:off x="6068129" y="6505663"/>
             <a:ext cx="4080560" cy="523220"/>
           </a:xfrm>
           <a:prstGeom prst="rect">
@@ -19128,10 +19128,44 @@
           <a:lstStyle/>
           <a:p>
             <a:r>
-              <a:rPr lang="en-US" altLang="ko-KR" sz="1400" b="1"/>
+              <a:rPr lang="en-US" altLang="ko-KR" sz="1400" b="1" dirty="0"/>
               <a:t>https://www.youtube.com/watch?v=TMQrO3Hy_LE&amp;ab_channel=AlexanderZotov</a:t>
             </a:r>
-            <a:endParaRPr lang="en-US" altLang="ko-KR" sz="1400" b="1" dirty="0"/>
+          </a:p>
+        </p:txBody>
+      </p:sp>
+      <p:sp>
+        <p:nvSpPr>
+          <p:cNvPr id="55" name="TextBox 54">
+            <a:extLst>
+              <a:ext uri="{FF2B5EF4-FFF2-40B4-BE49-F238E27FC236}">
+                <a16:creationId xmlns:a16="http://schemas.microsoft.com/office/drawing/2014/main" id="{A9D6A8F5-072A-4A6A-A18D-56682E24A825}"/>
+              </a:ext>
+            </a:extLst>
+          </p:cNvPr>
+          <p:cNvSpPr txBox="1"/>
+          <p:nvPr/>
+        </p:nvSpPr>
+        <p:spPr>
+          <a:xfrm>
+            <a:off x="7977994" y="1541313"/>
+            <a:ext cx="4080560" cy="523220"/>
+          </a:xfrm>
+          <a:prstGeom prst="rect">
+            <a:avLst/>
+          </a:prstGeom>
+          <a:noFill/>
+        </p:spPr>
+        <p:txBody>
+          <a:bodyPr wrap="square" rtlCol="0">
+            <a:spAutoFit/>
+          </a:bodyPr>
+          <a:lstStyle/>
+          <a:p>
+            <a:r>
+              <a:rPr lang="en-US" altLang="ko-KR" sz="1400" b="1" dirty="0"/>
+              <a:t>https://www.youtube.com/watch?v=W6IPhwVKCOM&amp;ab_channel=CodePlanStudio</a:t>
+            </a:r>
           </a:p>
         </p:txBody>
       </p:sp>

--- a/개인작업폴더/유건희/Infinite Strom.pptx
+++ b/개인작업폴더/유건희/Infinite Strom.pptx
@@ -263,7 +263,7 @@
           <a:p>
             <a:fld id="{DEE44FA5-1D27-4C1F-B41C-703A784E8162}" type="datetimeFigureOut">
               <a:rPr lang="ko-KR" altLang="en-US" smtClean="0"/>
-              <a:t>2021-01-27</a:t>
+              <a:t>2021-01-28</a:t>
             </a:fld>
             <a:endParaRPr lang="ko-KR" altLang="en-US"/>
           </a:p>
@@ -461,7 +461,7 @@
           <a:p>
             <a:fld id="{DEE44FA5-1D27-4C1F-B41C-703A784E8162}" type="datetimeFigureOut">
               <a:rPr lang="ko-KR" altLang="en-US" smtClean="0"/>
-              <a:t>2021-01-27</a:t>
+              <a:t>2021-01-28</a:t>
             </a:fld>
             <a:endParaRPr lang="ko-KR" altLang="en-US"/>
           </a:p>
@@ -669,7 +669,7 @@
           <a:p>
             <a:fld id="{DEE44FA5-1D27-4C1F-B41C-703A784E8162}" type="datetimeFigureOut">
               <a:rPr lang="ko-KR" altLang="en-US" smtClean="0"/>
-              <a:t>2021-01-27</a:t>
+              <a:t>2021-01-28</a:t>
             </a:fld>
             <a:endParaRPr lang="ko-KR" altLang="en-US"/>
           </a:p>
@@ -867,7 +867,7 @@
           <a:p>
             <a:fld id="{DEE44FA5-1D27-4C1F-B41C-703A784E8162}" type="datetimeFigureOut">
               <a:rPr lang="ko-KR" altLang="en-US" smtClean="0"/>
-              <a:t>2021-01-27</a:t>
+              <a:t>2021-01-28</a:t>
             </a:fld>
             <a:endParaRPr lang="ko-KR" altLang="en-US"/>
           </a:p>
@@ -1142,7 +1142,7 @@
           <a:p>
             <a:fld id="{DEE44FA5-1D27-4C1F-B41C-703A784E8162}" type="datetimeFigureOut">
               <a:rPr lang="ko-KR" altLang="en-US" smtClean="0"/>
-              <a:t>2021-01-27</a:t>
+              <a:t>2021-01-28</a:t>
             </a:fld>
             <a:endParaRPr lang="ko-KR" altLang="en-US"/>
           </a:p>
@@ -1407,7 +1407,7 @@
           <a:p>
             <a:fld id="{DEE44FA5-1D27-4C1F-B41C-703A784E8162}" type="datetimeFigureOut">
               <a:rPr lang="ko-KR" altLang="en-US" smtClean="0"/>
-              <a:t>2021-01-27</a:t>
+              <a:t>2021-01-28</a:t>
             </a:fld>
             <a:endParaRPr lang="ko-KR" altLang="en-US"/>
           </a:p>
@@ -1819,7 +1819,7 @@
           <a:p>
             <a:fld id="{DEE44FA5-1D27-4C1F-B41C-703A784E8162}" type="datetimeFigureOut">
               <a:rPr lang="ko-KR" altLang="en-US" smtClean="0"/>
-              <a:t>2021-01-27</a:t>
+              <a:t>2021-01-28</a:t>
             </a:fld>
             <a:endParaRPr lang="ko-KR" altLang="en-US"/>
           </a:p>
@@ -1960,7 +1960,7 @@
           <a:p>
             <a:fld id="{DEE44FA5-1D27-4C1F-B41C-703A784E8162}" type="datetimeFigureOut">
               <a:rPr lang="ko-KR" altLang="en-US" smtClean="0"/>
-              <a:t>2021-01-27</a:t>
+              <a:t>2021-01-28</a:t>
             </a:fld>
             <a:endParaRPr lang="ko-KR" altLang="en-US"/>
           </a:p>
@@ -2073,7 +2073,7 @@
           <a:p>
             <a:fld id="{DEE44FA5-1D27-4C1F-B41C-703A784E8162}" type="datetimeFigureOut">
               <a:rPr lang="ko-KR" altLang="en-US" smtClean="0"/>
-              <a:t>2021-01-27</a:t>
+              <a:t>2021-01-28</a:t>
             </a:fld>
             <a:endParaRPr lang="ko-KR" altLang="en-US"/>
           </a:p>
@@ -2384,7 +2384,7 @@
           <a:p>
             <a:fld id="{DEE44FA5-1D27-4C1F-B41C-703A784E8162}" type="datetimeFigureOut">
               <a:rPr lang="ko-KR" altLang="en-US" smtClean="0"/>
-              <a:t>2021-01-27</a:t>
+              <a:t>2021-01-28</a:t>
             </a:fld>
             <a:endParaRPr lang="ko-KR" altLang="en-US"/>
           </a:p>
@@ -2672,7 +2672,7 @@
           <a:p>
             <a:fld id="{DEE44FA5-1D27-4C1F-B41C-703A784E8162}" type="datetimeFigureOut">
               <a:rPr lang="ko-KR" altLang="en-US" smtClean="0"/>
-              <a:t>2021-01-27</a:t>
+              <a:t>2021-01-28</a:t>
             </a:fld>
             <a:endParaRPr lang="ko-KR" altLang="en-US"/>
           </a:p>
@@ -2913,7 +2913,7 @@
           <a:p>
             <a:fld id="{DEE44FA5-1D27-4C1F-B41C-703A784E8162}" type="datetimeFigureOut">
               <a:rPr lang="ko-KR" altLang="en-US" smtClean="0"/>
-              <a:t>2021-01-27</a:t>
+              <a:t>2021-01-28</a:t>
             </a:fld>
             <a:endParaRPr lang="ko-KR" altLang="en-US"/>
           </a:p>
@@ -19134,41 +19134,6 @@
           </a:p>
         </p:txBody>
       </p:sp>
-      <p:sp>
-        <p:nvSpPr>
-          <p:cNvPr id="55" name="TextBox 54">
-            <a:extLst>
-              <a:ext uri="{FF2B5EF4-FFF2-40B4-BE49-F238E27FC236}">
-                <a16:creationId xmlns:a16="http://schemas.microsoft.com/office/drawing/2014/main" id="{A9D6A8F5-072A-4A6A-A18D-56682E24A825}"/>
-              </a:ext>
-            </a:extLst>
-          </p:cNvPr>
-          <p:cNvSpPr txBox="1"/>
-          <p:nvPr/>
-        </p:nvSpPr>
-        <p:spPr>
-          <a:xfrm>
-            <a:off x="7977994" y="1541313"/>
-            <a:ext cx="4080560" cy="523220"/>
-          </a:xfrm>
-          <a:prstGeom prst="rect">
-            <a:avLst/>
-          </a:prstGeom>
-          <a:noFill/>
-        </p:spPr>
-        <p:txBody>
-          <a:bodyPr wrap="square" rtlCol="0">
-            <a:spAutoFit/>
-          </a:bodyPr>
-          <a:lstStyle/>
-          <a:p>
-            <a:r>
-              <a:rPr lang="en-US" altLang="ko-KR" sz="1400" b="1" dirty="0"/>
-              <a:t>https://www.youtube.com/watch?v=W6IPhwVKCOM&amp;ab_channel=CodePlanStudio</a:t>
-            </a:r>
-          </a:p>
-        </p:txBody>
-      </p:sp>
     </p:spTree>
     <p:extLst>
       <p:ext uri="{BB962C8B-B14F-4D97-AF65-F5344CB8AC3E}">
@@ -19199,542 +19164,6 @@
           <a:chExt cx="0" cy="0"/>
         </a:xfrm>
       </p:grpSpPr>
-      <p:grpSp>
-        <p:nvGrpSpPr>
-          <p:cNvPr id="28" name="그룹 27">
-            <a:extLst>
-              <a:ext uri="{FF2B5EF4-FFF2-40B4-BE49-F238E27FC236}">
-                <a16:creationId xmlns:a16="http://schemas.microsoft.com/office/drawing/2014/main" id="{2817541D-9F93-4186-B2BE-AEE8B5DBF0F4}"/>
-              </a:ext>
-            </a:extLst>
-          </p:cNvPr>
-          <p:cNvGrpSpPr/>
-          <p:nvPr/>
-        </p:nvGrpSpPr>
-        <p:grpSpPr>
-          <a:xfrm>
-            <a:off x="2583977" y="2018169"/>
-            <a:ext cx="345385" cy="342890"/>
-            <a:chOff x="2583977" y="2018169"/>
-            <a:chExt cx="345385" cy="342890"/>
-          </a:xfrm>
-        </p:grpSpPr>
-        <p:sp>
-          <p:nvSpPr>
-            <p:cNvPr id="5" name="직사각형 4">
-              <a:extLst>
-                <a:ext uri="{FF2B5EF4-FFF2-40B4-BE49-F238E27FC236}">
-                  <a16:creationId xmlns:a16="http://schemas.microsoft.com/office/drawing/2014/main" id="{F8D0C49F-4D5E-4F99-AAB8-E912C33228FE}"/>
-                </a:ext>
-              </a:extLst>
-            </p:cNvPr>
-            <p:cNvSpPr/>
-            <p:nvPr/>
-          </p:nvSpPr>
-          <p:spPr>
-            <a:xfrm flipV="1">
-              <a:off x="2583977" y="2018169"/>
-              <a:ext cx="345385" cy="342890"/>
-            </a:xfrm>
-            <a:prstGeom prst="rect">
-              <a:avLst/>
-            </a:prstGeom>
-            <a:solidFill>
-              <a:schemeClr val="accent4">
-                <a:lumMod val="40000"/>
-                <a:lumOff val="60000"/>
-              </a:schemeClr>
-            </a:solidFill>
-            <a:ln>
-              <a:solidFill>
-                <a:schemeClr val="bg1"/>
-              </a:solidFill>
-            </a:ln>
-          </p:spPr>
-          <p:style>
-            <a:lnRef idx="2">
-              <a:schemeClr val="accent1">
-                <a:shade val="50000"/>
-              </a:schemeClr>
-            </a:lnRef>
-            <a:fillRef idx="1">
-              <a:schemeClr val="accent1"/>
-            </a:fillRef>
-            <a:effectRef idx="0">
-              <a:schemeClr val="accent1"/>
-            </a:effectRef>
-            <a:fontRef idx="minor">
-              <a:schemeClr val="lt1"/>
-            </a:fontRef>
-          </p:style>
-          <p:txBody>
-            <a:bodyPr rtlCol="0" anchor="ctr"/>
-            <a:lstStyle/>
-            <a:p>
-              <a:pPr algn="ctr"/>
-              <a:endParaRPr lang="ko-KR" altLang="en-US" dirty="0"/>
-            </a:p>
-          </p:txBody>
-        </p:sp>
-        <p:sp>
-          <p:nvSpPr>
-            <p:cNvPr id="6" name="화살표: 위쪽 5">
-              <a:extLst>
-                <a:ext uri="{FF2B5EF4-FFF2-40B4-BE49-F238E27FC236}">
-                  <a16:creationId xmlns:a16="http://schemas.microsoft.com/office/drawing/2014/main" id="{898FFCCF-CEEC-4EC2-A07C-2AA56399E72A}"/>
-                </a:ext>
-              </a:extLst>
-            </p:cNvPr>
-            <p:cNvSpPr/>
-            <p:nvPr/>
-          </p:nvSpPr>
-          <p:spPr>
-            <a:xfrm>
-              <a:off x="2688972" y="2075595"/>
-              <a:ext cx="160014" cy="212768"/>
-            </a:xfrm>
-            <a:prstGeom prst="upArrow">
-              <a:avLst/>
-            </a:prstGeom>
-            <a:solidFill>
-              <a:srgbClr val="FF0000"/>
-            </a:solidFill>
-            <a:ln>
-              <a:solidFill>
-                <a:schemeClr val="bg2">
-                  <a:lumMod val="25000"/>
-                </a:schemeClr>
-              </a:solidFill>
-            </a:ln>
-          </p:spPr>
-          <p:style>
-            <a:lnRef idx="2">
-              <a:schemeClr val="accent1">
-                <a:shade val="50000"/>
-              </a:schemeClr>
-            </a:lnRef>
-            <a:fillRef idx="1">
-              <a:schemeClr val="accent1"/>
-            </a:fillRef>
-            <a:effectRef idx="0">
-              <a:schemeClr val="accent1"/>
-            </a:effectRef>
-            <a:fontRef idx="minor">
-              <a:schemeClr val="lt1"/>
-            </a:fontRef>
-          </p:style>
-          <p:txBody>
-            <a:bodyPr rtlCol="0" anchor="ctr"/>
-            <a:lstStyle/>
-            <a:p>
-              <a:pPr algn="ctr"/>
-              <a:endParaRPr lang="ko-KR" altLang="en-US"/>
-            </a:p>
-          </p:txBody>
-        </p:sp>
-      </p:grpSp>
-      <p:grpSp>
-        <p:nvGrpSpPr>
-          <p:cNvPr id="27" name="그룹 26">
-            <a:extLst>
-              <a:ext uri="{FF2B5EF4-FFF2-40B4-BE49-F238E27FC236}">
-                <a16:creationId xmlns:a16="http://schemas.microsoft.com/office/drawing/2014/main" id="{5692DE06-F03E-4A8B-AB24-6B7FA9CF8B2C}"/>
-              </a:ext>
-            </a:extLst>
-          </p:cNvPr>
-          <p:cNvGrpSpPr/>
-          <p:nvPr/>
-        </p:nvGrpSpPr>
-        <p:grpSpPr>
-          <a:xfrm>
-            <a:off x="3402872" y="2018169"/>
-            <a:ext cx="345385" cy="342890"/>
-            <a:chOff x="3402872" y="2018169"/>
-            <a:chExt cx="345385" cy="342890"/>
-          </a:xfrm>
-        </p:grpSpPr>
-        <p:sp>
-          <p:nvSpPr>
-            <p:cNvPr id="7" name="직사각형 6">
-              <a:extLst>
-                <a:ext uri="{FF2B5EF4-FFF2-40B4-BE49-F238E27FC236}">
-                  <a16:creationId xmlns:a16="http://schemas.microsoft.com/office/drawing/2014/main" id="{4117D6D1-8475-46B1-9470-025DCB8ECB55}"/>
-                </a:ext>
-              </a:extLst>
-            </p:cNvPr>
-            <p:cNvSpPr/>
-            <p:nvPr/>
-          </p:nvSpPr>
-          <p:spPr>
-            <a:xfrm flipV="1">
-              <a:off x="3402872" y="2018169"/>
-              <a:ext cx="345385" cy="342890"/>
-            </a:xfrm>
-            <a:prstGeom prst="rect">
-              <a:avLst/>
-            </a:prstGeom>
-            <a:solidFill>
-              <a:schemeClr val="accent4">
-                <a:lumMod val="40000"/>
-                <a:lumOff val="60000"/>
-              </a:schemeClr>
-            </a:solidFill>
-            <a:ln>
-              <a:solidFill>
-                <a:schemeClr val="bg1"/>
-              </a:solidFill>
-            </a:ln>
-          </p:spPr>
-          <p:style>
-            <a:lnRef idx="2">
-              <a:schemeClr val="accent1">
-                <a:shade val="50000"/>
-              </a:schemeClr>
-            </a:lnRef>
-            <a:fillRef idx="1">
-              <a:schemeClr val="accent1"/>
-            </a:fillRef>
-            <a:effectRef idx="0">
-              <a:schemeClr val="accent1"/>
-            </a:effectRef>
-            <a:fontRef idx="minor">
-              <a:schemeClr val="lt1"/>
-            </a:fontRef>
-          </p:style>
-          <p:txBody>
-            <a:bodyPr rtlCol="0" anchor="ctr"/>
-            <a:lstStyle/>
-            <a:p>
-              <a:pPr algn="ctr"/>
-              <a:endParaRPr lang="ko-KR" altLang="en-US" dirty="0"/>
-            </a:p>
-          </p:txBody>
-        </p:sp>
-        <p:sp>
-          <p:nvSpPr>
-            <p:cNvPr id="8" name="화살표: 위쪽 7">
-              <a:extLst>
-                <a:ext uri="{FF2B5EF4-FFF2-40B4-BE49-F238E27FC236}">
-                  <a16:creationId xmlns:a16="http://schemas.microsoft.com/office/drawing/2014/main" id="{E834D0F2-6E26-4415-B77D-81386BD86042}"/>
-                </a:ext>
-              </a:extLst>
-            </p:cNvPr>
-            <p:cNvSpPr/>
-            <p:nvPr/>
-          </p:nvSpPr>
-          <p:spPr>
-            <a:xfrm rot="5400000">
-              <a:off x="3462088" y="2106973"/>
-              <a:ext cx="226951" cy="150013"/>
-            </a:xfrm>
-            <a:prstGeom prst="upArrow">
-              <a:avLst/>
-            </a:prstGeom>
-            <a:solidFill>
-              <a:srgbClr val="FF0000"/>
-            </a:solidFill>
-            <a:ln>
-              <a:solidFill>
-                <a:schemeClr val="bg2">
-                  <a:lumMod val="25000"/>
-                </a:schemeClr>
-              </a:solidFill>
-            </a:ln>
-          </p:spPr>
-          <p:style>
-            <a:lnRef idx="2">
-              <a:schemeClr val="accent1">
-                <a:shade val="50000"/>
-              </a:schemeClr>
-            </a:lnRef>
-            <a:fillRef idx="1">
-              <a:schemeClr val="accent1"/>
-            </a:fillRef>
-            <a:effectRef idx="0">
-              <a:schemeClr val="accent1"/>
-            </a:effectRef>
-            <a:fontRef idx="minor">
-              <a:schemeClr val="lt1"/>
-            </a:fontRef>
-          </p:style>
-          <p:txBody>
-            <a:bodyPr rtlCol="0" anchor="ctr"/>
-            <a:lstStyle/>
-            <a:p>
-              <a:pPr algn="ctr"/>
-              <a:endParaRPr lang="ko-KR" altLang="en-US"/>
-            </a:p>
-          </p:txBody>
-        </p:sp>
-      </p:grpSp>
-      <p:grpSp>
-        <p:nvGrpSpPr>
-          <p:cNvPr id="26" name="그룹 25">
-            <a:extLst>
-              <a:ext uri="{FF2B5EF4-FFF2-40B4-BE49-F238E27FC236}">
-                <a16:creationId xmlns:a16="http://schemas.microsoft.com/office/drawing/2014/main" id="{B4CF8696-20CB-4F7E-A47C-3D96071999EF}"/>
-              </a:ext>
-            </a:extLst>
-          </p:cNvPr>
-          <p:cNvGrpSpPr/>
-          <p:nvPr/>
-        </p:nvGrpSpPr>
-        <p:grpSpPr>
-          <a:xfrm>
-            <a:off x="4177683" y="2018169"/>
-            <a:ext cx="345385" cy="342890"/>
-            <a:chOff x="4177683" y="2018169"/>
-            <a:chExt cx="345385" cy="342890"/>
-          </a:xfrm>
-        </p:grpSpPr>
-        <p:sp>
-          <p:nvSpPr>
-            <p:cNvPr id="9" name="직사각형 8">
-              <a:extLst>
-                <a:ext uri="{FF2B5EF4-FFF2-40B4-BE49-F238E27FC236}">
-                  <a16:creationId xmlns:a16="http://schemas.microsoft.com/office/drawing/2014/main" id="{A5B51AA8-1974-4827-8BCA-BE91CC6EC9D2}"/>
-                </a:ext>
-              </a:extLst>
-            </p:cNvPr>
-            <p:cNvSpPr/>
-            <p:nvPr/>
-          </p:nvSpPr>
-          <p:spPr>
-            <a:xfrm flipV="1">
-              <a:off x="4177683" y="2018169"/>
-              <a:ext cx="345385" cy="342890"/>
-            </a:xfrm>
-            <a:prstGeom prst="rect">
-              <a:avLst/>
-            </a:prstGeom>
-            <a:solidFill>
-              <a:schemeClr val="accent4">
-                <a:lumMod val="40000"/>
-                <a:lumOff val="60000"/>
-              </a:schemeClr>
-            </a:solidFill>
-            <a:ln>
-              <a:solidFill>
-                <a:schemeClr val="bg1"/>
-              </a:solidFill>
-            </a:ln>
-          </p:spPr>
-          <p:style>
-            <a:lnRef idx="2">
-              <a:schemeClr val="accent1">
-                <a:shade val="50000"/>
-              </a:schemeClr>
-            </a:lnRef>
-            <a:fillRef idx="1">
-              <a:schemeClr val="accent1"/>
-            </a:fillRef>
-            <a:effectRef idx="0">
-              <a:schemeClr val="accent1"/>
-            </a:effectRef>
-            <a:fontRef idx="minor">
-              <a:schemeClr val="lt1"/>
-            </a:fontRef>
-          </p:style>
-          <p:txBody>
-            <a:bodyPr rtlCol="0" anchor="ctr"/>
-            <a:lstStyle/>
-            <a:p>
-              <a:pPr algn="ctr"/>
-              <a:endParaRPr lang="ko-KR" altLang="en-US" dirty="0"/>
-            </a:p>
-          </p:txBody>
-        </p:sp>
-        <p:sp>
-          <p:nvSpPr>
-            <p:cNvPr id="10" name="화살표: 위쪽 9">
-              <a:extLst>
-                <a:ext uri="{FF2B5EF4-FFF2-40B4-BE49-F238E27FC236}">
-                  <a16:creationId xmlns:a16="http://schemas.microsoft.com/office/drawing/2014/main" id="{56045301-8798-43DD-8019-92B04C9A6DD6}"/>
-                </a:ext>
-              </a:extLst>
-            </p:cNvPr>
-            <p:cNvSpPr/>
-            <p:nvPr/>
-          </p:nvSpPr>
-          <p:spPr>
-            <a:xfrm rot="10800000">
-              <a:off x="4262040" y="2083230"/>
-              <a:ext cx="160014" cy="212768"/>
-            </a:xfrm>
-            <a:prstGeom prst="upArrow">
-              <a:avLst/>
-            </a:prstGeom>
-            <a:solidFill>
-              <a:srgbClr val="FF0000"/>
-            </a:solidFill>
-            <a:ln>
-              <a:solidFill>
-                <a:schemeClr val="bg2">
-                  <a:lumMod val="25000"/>
-                </a:schemeClr>
-              </a:solidFill>
-            </a:ln>
-          </p:spPr>
-          <p:style>
-            <a:lnRef idx="2">
-              <a:schemeClr val="accent1">
-                <a:shade val="50000"/>
-              </a:schemeClr>
-            </a:lnRef>
-            <a:fillRef idx="1">
-              <a:schemeClr val="accent1"/>
-            </a:fillRef>
-            <a:effectRef idx="0">
-              <a:schemeClr val="accent1"/>
-            </a:effectRef>
-            <a:fontRef idx="minor">
-              <a:schemeClr val="lt1"/>
-            </a:fontRef>
-          </p:style>
-          <p:txBody>
-            <a:bodyPr rtlCol="0" anchor="ctr"/>
-            <a:lstStyle/>
-            <a:p>
-              <a:pPr algn="ctr"/>
-              <a:endParaRPr lang="ko-KR" altLang="en-US"/>
-            </a:p>
-          </p:txBody>
-        </p:sp>
-      </p:grpSp>
-      <p:grpSp>
-        <p:nvGrpSpPr>
-          <p:cNvPr id="29" name="그룹 28">
-            <a:extLst>
-              <a:ext uri="{FF2B5EF4-FFF2-40B4-BE49-F238E27FC236}">
-                <a16:creationId xmlns:a16="http://schemas.microsoft.com/office/drawing/2014/main" id="{F2796B7C-6CB1-4056-917A-D272907FA3ED}"/>
-              </a:ext>
-            </a:extLst>
-          </p:cNvPr>
-          <p:cNvGrpSpPr/>
-          <p:nvPr/>
-        </p:nvGrpSpPr>
-        <p:grpSpPr>
-          <a:xfrm>
-            <a:off x="1829145" y="2018169"/>
-            <a:ext cx="345385" cy="342890"/>
-            <a:chOff x="1829145" y="2018169"/>
-            <a:chExt cx="345385" cy="342890"/>
-          </a:xfrm>
-        </p:grpSpPr>
-        <p:sp>
-          <p:nvSpPr>
-            <p:cNvPr id="11" name="직사각형 10">
-              <a:extLst>
-                <a:ext uri="{FF2B5EF4-FFF2-40B4-BE49-F238E27FC236}">
-                  <a16:creationId xmlns:a16="http://schemas.microsoft.com/office/drawing/2014/main" id="{2C6AA213-241E-4679-83DA-C047BF55D878}"/>
-                </a:ext>
-              </a:extLst>
-            </p:cNvPr>
-            <p:cNvSpPr/>
-            <p:nvPr/>
-          </p:nvSpPr>
-          <p:spPr>
-            <a:xfrm flipV="1">
-              <a:off x="1829145" y="2018169"/>
-              <a:ext cx="345385" cy="342890"/>
-            </a:xfrm>
-            <a:prstGeom prst="rect">
-              <a:avLst/>
-            </a:prstGeom>
-            <a:solidFill>
-              <a:schemeClr val="accent4">
-                <a:lumMod val="40000"/>
-                <a:lumOff val="60000"/>
-              </a:schemeClr>
-            </a:solidFill>
-            <a:ln>
-              <a:solidFill>
-                <a:schemeClr val="bg1"/>
-              </a:solidFill>
-            </a:ln>
-          </p:spPr>
-          <p:style>
-            <a:lnRef idx="2">
-              <a:schemeClr val="accent1">
-                <a:shade val="50000"/>
-              </a:schemeClr>
-            </a:lnRef>
-            <a:fillRef idx="1">
-              <a:schemeClr val="accent1"/>
-            </a:fillRef>
-            <a:effectRef idx="0">
-              <a:schemeClr val="accent1"/>
-            </a:effectRef>
-            <a:fontRef idx="minor">
-              <a:schemeClr val="lt1"/>
-            </a:fontRef>
-          </p:style>
-          <p:txBody>
-            <a:bodyPr rtlCol="0" anchor="ctr"/>
-            <a:lstStyle/>
-            <a:p>
-              <a:pPr algn="ctr"/>
-              <a:endParaRPr lang="ko-KR" altLang="en-US" dirty="0"/>
-            </a:p>
-          </p:txBody>
-        </p:sp>
-        <p:sp>
-          <p:nvSpPr>
-            <p:cNvPr id="12" name="화살표: 위쪽 11">
-              <a:extLst>
-                <a:ext uri="{FF2B5EF4-FFF2-40B4-BE49-F238E27FC236}">
-                  <a16:creationId xmlns:a16="http://schemas.microsoft.com/office/drawing/2014/main" id="{F304B186-0387-4D85-B119-16D1E2546039}"/>
-                </a:ext>
-              </a:extLst>
-            </p:cNvPr>
-            <p:cNvSpPr/>
-            <p:nvPr/>
-          </p:nvSpPr>
-          <p:spPr>
-            <a:xfrm rot="16200000">
-              <a:off x="1888360" y="2115640"/>
-              <a:ext cx="226953" cy="150015"/>
-            </a:xfrm>
-            <a:prstGeom prst="upArrow">
-              <a:avLst/>
-            </a:prstGeom>
-            <a:solidFill>
-              <a:srgbClr val="FF0000"/>
-            </a:solidFill>
-            <a:ln>
-              <a:solidFill>
-                <a:schemeClr val="bg2">
-                  <a:lumMod val="25000"/>
-                </a:schemeClr>
-              </a:solidFill>
-            </a:ln>
-          </p:spPr>
-          <p:style>
-            <a:lnRef idx="2">
-              <a:schemeClr val="accent1">
-                <a:shade val="50000"/>
-              </a:schemeClr>
-            </a:lnRef>
-            <a:fillRef idx="1">
-              <a:schemeClr val="accent1"/>
-            </a:fillRef>
-            <a:effectRef idx="0">
-              <a:schemeClr val="accent1"/>
-            </a:effectRef>
-            <a:fontRef idx="minor">
-              <a:schemeClr val="lt1"/>
-            </a:fontRef>
-          </p:style>
-          <p:txBody>
-            <a:bodyPr rtlCol="0" anchor="ctr"/>
-            <a:lstStyle/>
-            <a:p>
-              <a:pPr algn="ctr"/>
-              <a:endParaRPr lang="ko-KR" altLang="en-US"/>
-            </a:p>
-          </p:txBody>
-        </p:sp>
-      </p:grpSp>
     </p:spTree>
     <p:extLst>
       <p:ext uri="{BB962C8B-B14F-4D97-AF65-F5344CB8AC3E}">

--- a/개인작업폴더/유건희/Infinite Strom.pptx
+++ b/개인작업폴더/유건희/Infinite Strom.pptx
@@ -9,7 +9,6 @@
     <p:sldId id="257" r:id="rId3"/>
     <p:sldId id="259" r:id="rId4"/>
     <p:sldId id="258" r:id="rId5"/>
-    <p:sldId id="260" r:id="rId6"/>
   </p:sldIdLst>
   <p:sldSz cx="12192000" cy="6858000"/>
   <p:notesSz cx="6858000" cy="9144000"/>
@@ -19113,7 +19112,7 @@
         </p:nvSpPr>
         <p:spPr>
           <a:xfrm>
-            <a:off x="6068129" y="6505663"/>
+            <a:off x="8045164" y="1548027"/>
             <a:ext cx="4080560" cy="523220"/>
           </a:xfrm>
           <a:prstGeom prst="rect">
@@ -19138,36 +19137,6 @@
     <p:extLst>
       <p:ext uri="{BB962C8B-B14F-4D97-AF65-F5344CB8AC3E}">
         <p14:creationId xmlns:p14="http://schemas.microsoft.com/office/powerpoint/2010/main" val="3693275655"/>
-      </p:ext>
-    </p:extLst>
-  </p:cSld>
-  <p:clrMapOvr>
-    <a:masterClrMapping/>
-  </p:clrMapOvr>
-</p:sld>
-</file>
-
-<file path=ppt/slides/slide5.xml><?xml version="1.0" encoding="utf-8"?>
-<p:sld xmlns:a="http://schemas.openxmlformats.org/drawingml/2006/main" xmlns:r="http://schemas.openxmlformats.org/officeDocument/2006/relationships" xmlns:p="http://schemas.openxmlformats.org/presentationml/2006/main">
-  <p:cSld>
-    <p:spTree>
-      <p:nvGrpSpPr>
-        <p:cNvPr id="1" name=""/>
-        <p:cNvGrpSpPr/>
-        <p:nvPr/>
-      </p:nvGrpSpPr>
-      <p:grpSpPr>
-        <a:xfrm>
-          <a:off x="0" y="0"/>
-          <a:ext cx="0" cy="0"/>
-          <a:chOff x="0" y="0"/>
-          <a:chExt cx="0" cy="0"/>
-        </a:xfrm>
-      </p:grpSpPr>
-    </p:spTree>
-    <p:extLst>
-      <p:ext uri="{BB962C8B-B14F-4D97-AF65-F5344CB8AC3E}">
-        <p14:creationId xmlns:p14="http://schemas.microsoft.com/office/powerpoint/2010/main" val="3257928193"/>
       </p:ext>
     </p:extLst>
   </p:cSld>

--- a/개인작업폴더/유건희/Infinite Strom.pptx
+++ b/개인작업폴더/유건희/Infinite Strom.pptx
@@ -9,6 +9,7 @@
     <p:sldId id="257" r:id="rId3"/>
     <p:sldId id="259" r:id="rId4"/>
     <p:sldId id="258" r:id="rId5"/>
+    <p:sldId id="260" r:id="rId6"/>
   </p:sldIdLst>
   <p:sldSz cx="12192000" cy="6858000"/>
   <p:notesSz cx="6858000" cy="9144000"/>
@@ -262,7 +263,7 @@
           <a:p>
             <a:fld id="{DEE44FA5-1D27-4C1F-B41C-703A784E8162}" type="datetimeFigureOut">
               <a:rPr lang="ko-KR" altLang="en-US" smtClean="0"/>
-              <a:t>2021-01-28</a:t>
+              <a:t>2021-01-30</a:t>
             </a:fld>
             <a:endParaRPr lang="ko-KR" altLang="en-US"/>
           </a:p>
@@ -460,7 +461,7 @@
           <a:p>
             <a:fld id="{DEE44FA5-1D27-4C1F-B41C-703A784E8162}" type="datetimeFigureOut">
               <a:rPr lang="ko-KR" altLang="en-US" smtClean="0"/>
-              <a:t>2021-01-28</a:t>
+              <a:t>2021-01-30</a:t>
             </a:fld>
             <a:endParaRPr lang="ko-KR" altLang="en-US"/>
           </a:p>
@@ -668,7 +669,7 @@
           <a:p>
             <a:fld id="{DEE44FA5-1D27-4C1F-B41C-703A784E8162}" type="datetimeFigureOut">
               <a:rPr lang="ko-KR" altLang="en-US" smtClean="0"/>
-              <a:t>2021-01-28</a:t>
+              <a:t>2021-01-30</a:t>
             </a:fld>
             <a:endParaRPr lang="ko-KR" altLang="en-US"/>
           </a:p>
@@ -866,7 +867,7 @@
           <a:p>
             <a:fld id="{DEE44FA5-1D27-4C1F-B41C-703A784E8162}" type="datetimeFigureOut">
               <a:rPr lang="ko-KR" altLang="en-US" smtClean="0"/>
-              <a:t>2021-01-28</a:t>
+              <a:t>2021-01-30</a:t>
             </a:fld>
             <a:endParaRPr lang="ko-KR" altLang="en-US"/>
           </a:p>
@@ -1141,7 +1142,7 @@
           <a:p>
             <a:fld id="{DEE44FA5-1D27-4C1F-B41C-703A784E8162}" type="datetimeFigureOut">
               <a:rPr lang="ko-KR" altLang="en-US" smtClean="0"/>
-              <a:t>2021-01-28</a:t>
+              <a:t>2021-01-30</a:t>
             </a:fld>
             <a:endParaRPr lang="ko-KR" altLang="en-US"/>
           </a:p>
@@ -1406,7 +1407,7 @@
           <a:p>
             <a:fld id="{DEE44FA5-1D27-4C1F-B41C-703A784E8162}" type="datetimeFigureOut">
               <a:rPr lang="ko-KR" altLang="en-US" smtClean="0"/>
-              <a:t>2021-01-28</a:t>
+              <a:t>2021-01-30</a:t>
             </a:fld>
             <a:endParaRPr lang="ko-KR" altLang="en-US"/>
           </a:p>
@@ -1818,7 +1819,7 @@
           <a:p>
             <a:fld id="{DEE44FA5-1D27-4C1F-B41C-703A784E8162}" type="datetimeFigureOut">
               <a:rPr lang="ko-KR" altLang="en-US" smtClean="0"/>
-              <a:t>2021-01-28</a:t>
+              <a:t>2021-01-30</a:t>
             </a:fld>
             <a:endParaRPr lang="ko-KR" altLang="en-US"/>
           </a:p>
@@ -1959,7 +1960,7 @@
           <a:p>
             <a:fld id="{DEE44FA5-1D27-4C1F-B41C-703A784E8162}" type="datetimeFigureOut">
               <a:rPr lang="ko-KR" altLang="en-US" smtClean="0"/>
-              <a:t>2021-01-28</a:t>
+              <a:t>2021-01-30</a:t>
             </a:fld>
             <a:endParaRPr lang="ko-KR" altLang="en-US"/>
           </a:p>
@@ -2072,7 +2073,7 @@
           <a:p>
             <a:fld id="{DEE44FA5-1D27-4C1F-B41C-703A784E8162}" type="datetimeFigureOut">
               <a:rPr lang="ko-KR" altLang="en-US" smtClean="0"/>
-              <a:t>2021-01-28</a:t>
+              <a:t>2021-01-30</a:t>
             </a:fld>
             <a:endParaRPr lang="ko-KR" altLang="en-US"/>
           </a:p>
@@ -2383,7 +2384,7 @@
           <a:p>
             <a:fld id="{DEE44FA5-1D27-4C1F-B41C-703A784E8162}" type="datetimeFigureOut">
               <a:rPr lang="ko-KR" altLang="en-US" smtClean="0"/>
-              <a:t>2021-01-28</a:t>
+              <a:t>2021-01-30</a:t>
             </a:fld>
             <a:endParaRPr lang="ko-KR" altLang="en-US"/>
           </a:p>
@@ -2671,7 +2672,7 @@
           <a:p>
             <a:fld id="{DEE44FA5-1D27-4C1F-B41C-703A784E8162}" type="datetimeFigureOut">
               <a:rPr lang="ko-KR" altLang="en-US" smtClean="0"/>
-              <a:t>2021-01-28</a:t>
+              <a:t>2021-01-30</a:t>
             </a:fld>
             <a:endParaRPr lang="ko-KR" altLang="en-US"/>
           </a:p>
@@ -2912,7 +2913,7 @@
           <a:p>
             <a:fld id="{DEE44FA5-1D27-4C1F-B41C-703A784E8162}" type="datetimeFigureOut">
               <a:rPr lang="ko-KR" altLang="en-US" smtClean="0"/>
-              <a:t>2021-01-28</a:t>
+              <a:t>2021-01-30</a:t>
             </a:fld>
             <a:endParaRPr lang="ko-KR" altLang="en-US"/>
           </a:p>
@@ -19098,45 +19099,40 @@
           </a:p>
         </p:txBody>
       </p:sp>
-      <p:sp>
-        <p:nvSpPr>
-          <p:cNvPr id="54" name="TextBox 53">
-            <a:extLst>
-              <a:ext uri="{FF2B5EF4-FFF2-40B4-BE49-F238E27FC236}">
-                <a16:creationId xmlns:a16="http://schemas.microsoft.com/office/drawing/2014/main" id="{699B2746-DF23-4793-9534-7804917C2C15}"/>
-              </a:ext>
-            </a:extLst>
-          </p:cNvPr>
-          <p:cNvSpPr txBox="1"/>
-          <p:nvPr/>
-        </p:nvSpPr>
-        <p:spPr>
-          <a:xfrm>
-            <a:off x="8045164" y="1548027"/>
-            <a:ext cx="4080560" cy="523220"/>
-          </a:xfrm>
-          <a:prstGeom prst="rect">
-            <a:avLst/>
-          </a:prstGeom>
-          <a:noFill/>
-        </p:spPr>
-        <p:txBody>
-          <a:bodyPr wrap="square" rtlCol="0">
-            <a:spAutoFit/>
-          </a:bodyPr>
-          <a:lstStyle/>
-          <a:p>
-            <a:r>
-              <a:rPr lang="en-US" altLang="ko-KR" sz="1400" b="1" dirty="0"/>
-              <a:t>https://www.youtube.com/watch?v=TMQrO3Hy_LE&amp;ab_channel=AlexanderZotov</a:t>
-            </a:r>
-          </a:p>
-        </p:txBody>
-      </p:sp>
     </p:spTree>
     <p:extLst>
       <p:ext uri="{BB962C8B-B14F-4D97-AF65-F5344CB8AC3E}">
         <p14:creationId xmlns:p14="http://schemas.microsoft.com/office/powerpoint/2010/main" val="3693275655"/>
+      </p:ext>
+    </p:extLst>
+  </p:cSld>
+  <p:clrMapOvr>
+    <a:masterClrMapping/>
+  </p:clrMapOvr>
+</p:sld>
+</file>
+
+<file path=ppt/slides/slide5.xml><?xml version="1.0" encoding="utf-8"?>
+<p:sld xmlns:a="http://schemas.openxmlformats.org/drawingml/2006/main" xmlns:r="http://schemas.openxmlformats.org/officeDocument/2006/relationships" xmlns:p="http://schemas.openxmlformats.org/presentationml/2006/main">
+  <p:cSld>
+    <p:spTree>
+      <p:nvGrpSpPr>
+        <p:cNvPr id="1" name=""/>
+        <p:cNvGrpSpPr/>
+        <p:nvPr/>
+      </p:nvGrpSpPr>
+      <p:grpSpPr>
+        <a:xfrm>
+          <a:off x="0" y="0"/>
+          <a:ext cx="0" cy="0"/>
+          <a:chOff x="0" y="0"/>
+          <a:chExt cx="0" cy="0"/>
+        </a:xfrm>
+      </p:grpSpPr>
+    </p:spTree>
+    <p:extLst>
+      <p:ext uri="{BB962C8B-B14F-4D97-AF65-F5344CB8AC3E}">
+        <p14:creationId xmlns:p14="http://schemas.microsoft.com/office/powerpoint/2010/main" val="4045378315"/>
       </p:ext>
     </p:extLst>
   </p:cSld>

--- a/개인작업폴더/유건희/Infinite Strom.pptx
+++ b/개인작업폴더/유건희/Infinite Strom.pptx
@@ -263,7 +263,7 @@
           <a:p>
             <a:fld id="{DEE44FA5-1D27-4C1F-B41C-703A784E8162}" type="datetimeFigureOut">
               <a:rPr lang="ko-KR" altLang="en-US" smtClean="0"/>
-              <a:t>2021-01-30</a:t>
+              <a:t>2021-02-01</a:t>
             </a:fld>
             <a:endParaRPr lang="ko-KR" altLang="en-US"/>
           </a:p>
@@ -461,7 +461,7 @@
           <a:p>
             <a:fld id="{DEE44FA5-1D27-4C1F-B41C-703A784E8162}" type="datetimeFigureOut">
               <a:rPr lang="ko-KR" altLang="en-US" smtClean="0"/>
-              <a:t>2021-01-30</a:t>
+              <a:t>2021-02-01</a:t>
             </a:fld>
             <a:endParaRPr lang="ko-KR" altLang="en-US"/>
           </a:p>
@@ -669,7 +669,7 @@
           <a:p>
             <a:fld id="{DEE44FA5-1D27-4C1F-B41C-703A784E8162}" type="datetimeFigureOut">
               <a:rPr lang="ko-KR" altLang="en-US" smtClean="0"/>
-              <a:t>2021-01-30</a:t>
+              <a:t>2021-02-01</a:t>
             </a:fld>
             <a:endParaRPr lang="ko-KR" altLang="en-US"/>
           </a:p>
@@ -867,7 +867,7 @@
           <a:p>
             <a:fld id="{DEE44FA5-1D27-4C1F-B41C-703A784E8162}" type="datetimeFigureOut">
               <a:rPr lang="ko-KR" altLang="en-US" smtClean="0"/>
-              <a:t>2021-01-30</a:t>
+              <a:t>2021-02-01</a:t>
             </a:fld>
             <a:endParaRPr lang="ko-KR" altLang="en-US"/>
           </a:p>
@@ -1142,7 +1142,7 @@
           <a:p>
             <a:fld id="{DEE44FA5-1D27-4C1F-B41C-703A784E8162}" type="datetimeFigureOut">
               <a:rPr lang="ko-KR" altLang="en-US" smtClean="0"/>
-              <a:t>2021-01-30</a:t>
+              <a:t>2021-02-01</a:t>
             </a:fld>
             <a:endParaRPr lang="ko-KR" altLang="en-US"/>
           </a:p>
@@ -1407,7 +1407,7 @@
           <a:p>
             <a:fld id="{DEE44FA5-1D27-4C1F-B41C-703A784E8162}" type="datetimeFigureOut">
               <a:rPr lang="ko-KR" altLang="en-US" smtClean="0"/>
-              <a:t>2021-01-30</a:t>
+              <a:t>2021-02-01</a:t>
             </a:fld>
             <a:endParaRPr lang="ko-KR" altLang="en-US"/>
           </a:p>
@@ -1819,7 +1819,7 @@
           <a:p>
             <a:fld id="{DEE44FA5-1D27-4C1F-B41C-703A784E8162}" type="datetimeFigureOut">
               <a:rPr lang="ko-KR" altLang="en-US" smtClean="0"/>
-              <a:t>2021-01-30</a:t>
+              <a:t>2021-02-01</a:t>
             </a:fld>
             <a:endParaRPr lang="ko-KR" altLang="en-US"/>
           </a:p>
@@ -1960,7 +1960,7 @@
           <a:p>
             <a:fld id="{DEE44FA5-1D27-4C1F-B41C-703A784E8162}" type="datetimeFigureOut">
               <a:rPr lang="ko-KR" altLang="en-US" smtClean="0"/>
-              <a:t>2021-01-30</a:t>
+              <a:t>2021-02-01</a:t>
             </a:fld>
             <a:endParaRPr lang="ko-KR" altLang="en-US"/>
           </a:p>
@@ -2073,7 +2073,7 @@
           <a:p>
             <a:fld id="{DEE44FA5-1D27-4C1F-B41C-703A784E8162}" type="datetimeFigureOut">
               <a:rPr lang="ko-KR" altLang="en-US" smtClean="0"/>
-              <a:t>2021-01-30</a:t>
+              <a:t>2021-02-01</a:t>
             </a:fld>
             <a:endParaRPr lang="ko-KR" altLang="en-US"/>
           </a:p>
@@ -2384,7 +2384,7 @@
           <a:p>
             <a:fld id="{DEE44FA5-1D27-4C1F-B41C-703A784E8162}" type="datetimeFigureOut">
               <a:rPr lang="ko-KR" altLang="en-US" smtClean="0"/>
-              <a:t>2021-01-30</a:t>
+              <a:t>2021-02-01</a:t>
             </a:fld>
             <a:endParaRPr lang="ko-KR" altLang="en-US"/>
           </a:p>
@@ -2672,7 +2672,7 @@
           <a:p>
             <a:fld id="{DEE44FA5-1D27-4C1F-B41C-703A784E8162}" type="datetimeFigureOut">
               <a:rPr lang="ko-KR" altLang="en-US" smtClean="0"/>
-              <a:t>2021-01-30</a:t>
+              <a:t>2021-02-01</a:t>
             </a:fld>
             <a:endParaRPr lang="ko-KR" altLang="en-US"/>
           </a:p>
@@ -2913,7 +2913,7 @@
           <a:p>
             <a:fld id="{DEE44FA5-1D27-4C1F-B41C-703A784E8162}" type="datetimeFigureOut">
               <a:rPr lang="ko-KR" altLang="en-US" smtClean="0"/>
-              <a:t>2021-01-30</a:t>
+              <a:t>2021-02-01</a:t>
             </a:fld>
             <a:endParaRPr lang="ko-KR" altLang="en-US"/>
           </a:p>
@@ -4868,7 +4868,7 @@
         </p:blipFill>
         <p:spPr>
           <a:xfrm>
-            <a:off x="5784344" y="5082004"/>
+            <a:off x="5774502" y="5087963"/>
             <a:ext cx="277703" cy="277703"/>
           </a:xfrm>
           <a:prstGeom prst="rect">
@@ -5432,7 +5432,7 @@
                   <a:schemeClr val="tx1"/>
                 </a:solidFill>
               </a:rPr>
-              <a:t>도킹 할 수 있는 벽 개수 감소</a:t>
+              <a:t>아래에서 마그마가 올라옴</a:t>
             </a:r>
             <a:endParaRPr lang="en-US" altLang="ko-KR" sz="1200" b="1" dirty="0">
               <a:solidFill>
@@ -5455,23 +5455,7 @@
                   <a:schemeClr val="tx1"/>
                 </a:solidFill>
               </a:rPr>
-              <a:t>로프에 닿으면 </a:t>
-            </a:r>
-            <a:r>
-              <a:rPr lang="en-US" altLang="ko-KR" sz="1200" b="1" dirty="0">
-                <a:solidFill>
-                  <a:schemeClr val="tx1"/>
-                </a:solidFill>
-              </a:rPr>
-              <a:t>1</a:t>
-            </a:r>
-            <a:r>
-              <a:rPr lang="ko-KR" altLang="en-US" sz="1200" b="1" dirty="0">
-                <a:solidFill>
-                  <a:schemeClr val="tx1"/>
-                </a:solidFill>
-              </a:rPr>
-              <a:t>초 뒤 벽이 사라짐</a:t>
+              <a:t>바람 방향 적용</a:t>
             </a:r>
             <a:endParaRPr lang="en-US" altLang="ko-KR" sz="1200" b="1" dirty="0">
               <a:solidFill>
@@ -6025,6 +6009,42 @@
           </a:p>
         </p:txBody>
       </p:sp>
+      <p:pic>
+        <p:nvPicPr>
+          <p:cNvPr id="49" name="그림 48" descr="텍스트이(가) 표시된 사진&#10;&#10;자동 생성된 설명">
+            <a:extLst>
+              <a:ext uri="{FF2B5EF4-FFF2-40B4-BE49-F238E27FC236}">
+                <a16:creationId xmlns:a16="http://schemas.microsoft.com/office/drawing/2014/main" id="{21E2A3DE-1486-4339-AD85-848ECE1657FD}"/>
+              </a:ext>
+            </a:extLst>
+          </p:cNvPr>
+          <p:cNvPicPr>
+            <a:picLocks noChangeAspect="1"/>
+          </p:cNvPicPr>
+          <p:nvPr/>
+        </p:nvPicPr>
+        <p:blipFill>
+          <a:blip r:embed="rId3">
+            <a:extLst>
+              <a:ext uri="{28A0092B-C50C-407E-A947-70E740481C1C}">
+                <a14:useLocalDpi xmlns:a14="http://schemas.microsoft.com/office/drawing/2010/main" val="0"/>
+              </a:ext>
+            </a:extLst>
+          </a:blip>
+          <a:stretch>
+            <a:fillRect/>
+          </a:stretch>
+        </p:blipFill>
+        <p:spPr>
+          <a:xfrm>
+            <a:off x="4770847" y="6089930"/>
+            <a:ext cx="2640927" cy="975588"/>
+          </a:xfrm>
+          <a:prstGeom prst="rect">
+            <a:avLst/>
+          </a:prstGeom>
+        </p:spPr>
+      </p:pic>
     </p:spTree>
     <p:extLst>
       <p:ext uri="{BB962C8B-B14F-4D97-AF65-F5344CB8AC3E}">
